--- a/aulas/11-tipos-de-dados/slides.pptx
+++ b/aulas/11-tipos-de-dados/slides.pptx
@@ -5961,7 +5961,7 @@
                 <a:latin typeface="Verdana"/>
                 <a:ea typeface="Verdana"/>
               </a:rPr>
-              <a:t>2020 – Engenharia</a:t>
+              <a:t>2021 – Engenharia</a:t>
             </a:r>
             <a:endParaRPr lang="pt-BR" sz="1400" b="0" strike="noStrike" spc="0">
               <a:latin typeface="Arial"/>

--- a/aulas/11-tipos-de-dados/slides.pptx
+++ b/aulas/11-tipos-de-dados/slides.pptx
@@ -29,6 +29,7 @@
     <p:sldId id="275" r:id="rId26"/>
     <p:sldId id="276" r:id="rId27"/>
     <p:sldId id="277" r:id="rId28"/>
+    <p:sldId id="278" r:id="rId29"/>
   </p:sldIdLst>
   <p:sldSz cx="9144000" cy="6858000"/>
   <p:notesSz cx="6858000" cy="9144000"/>
@@ -6239,7 +6240,7 @@
               </a:lnSpc>
               <a:defRPr/>
             </a:pPr>
-            <a:fld id="{28C4651F-FFAC-465A-9F15-DF651E8F3145}" type="slidenum">
+            <a:fld id="{6BC75D8B-FF1C-455B-B585-2991689ACBF9}" type="slidenum">
               <a:rPr lang="pt-BR" sz="1000" b="0" strike="noStrike" spc="-1">
                 <a:solidFill>
                   <a:srgbClr val="B2B2B2"/>
@@ -6263,8 +6264,8 @@
         </p:nvSpPr>
         <p:spPr bwMode="auto">
           <a:xfrm>
-            <a:off x="165960" y="1934280"/>
-            <a:ext cx="8637480" cy="4357080"/>
+            <a:off x="453600" y="1934280"/>
+            <a:ext cx="8349840" cy="3503880"/>
           </a:xfrm>
           <a:prstGeom prst="rect">
             <a:avLst/>
@@ -6302,14 +6303,14 @@
                 <a:latin typeface="Arial"/>
                 <a:ea typeface="DejaVu Sans"/>
               </a:rPr>
-              <a:t>Vantagens:</a:t>
+              <a:t>Conjunto de dados e operações</a:t>
             </a:r>
             <a:endParaRPr lang="pt-BR" sz="2800" b="0" strike="noStrike" spc="-1">
               <a:latin typeface="Arial"/>
             </a:endParaRPr>
           </a:p>
           <a:p>
-            <a:pPr marL="1371600" lvl="2" indent="-456840">
+            <a:pPr marL="914400" lvl="1" indent="-456840">
               <a:lnSpc>
                 <a:spcPct val="200000"/>
               </a:lnSpc>
@@ -6328,14 +6329,24 @@
                 <a:latin typeface="Arial"/>
                 <a:ea typeface="DejaVu Sans"/>
               </a:rPr>
-              <a:t>Código mais expressivo</a:t>
+              <a:t>arquivo </a:t>
+            </a:r>
+            <a:r>
+              <a:rPr lang="pt-BR" sz="2800" b="0" i="1" strike="noStrike" spc="-1">
+                <a:solidFill>
+                  <a:srgbClr val="000000"/>
+                </a:solidFill>
+                <a:latin typeface="Arial"/>
+                <a:ea typeface="DejaVu Sans"/>
+              </a:rPr>
+              <a:t>.h</a:t>
             </a:r>
             <a:endParaRPr lang="pt-BR" sz="2800" b="0" strike="noStrike" spc="-1">
               <a:latin typeface="Arial"/>
             </a:endParaRPr>
           </a:p>
           <a:p>
-            <a:pPr marL="1371600" lvl="2" indent="-456840">
+            <a:pPr marL="457200" indent="-456840">
               <a:lnSpc>
                 <a:spcPct val="200000"/>
               </a:lnSpc>
@@ -6354,14 +6365,14 @@
                 <a:latin typeface="Arial"/>
                 <a:ea typeface="DejaVu Sans"/>
               </a:rPr>
-              <a:t>Diminui erros por repetição</a:t>
+              <a:t>Criação de algoritmos com essas operações</a:t>
             </a:r>
             <a:endParaRPr lang="pt-BR" sz="2800" b="0" strike="noStrike" spc="-1">
               <a:latin typeface="Arial"/>
             </a:endParaRPr>
           </a:p>
           <a:p>
-            <a:pPr marL="1371600" lvl="2" indent="-456840">
+            <a:pPr marL="914400" lvl="1" indent="-456840">
               <a:lnSpc>
                 <a:spcPct val="200000"/>
               </a:lnSpc>
@@ -6380,33 +6391,7 @@
                 <a:latin typeface="Arial"/>
                 <a:ea typeface="DejaVu Sans"/>
               </a:rPr>
-              <a:t>Evita deixar struct em estado inconsistente</a:t>
-            </a:r>
-            <a:endParaRPr lang="pt-BR" sz="2800" b="0" strike="noStrike" spc="-1">
-              <a:latin typeface="Arial"/>
-            </a:endParaRPr>
-          </a:p>
-          <a:p>
-            <a:pPr marL="1371600" lvl="2" indent="-456840">
-              <a:lnSpc>
-                <a:spcPct val="200000"/>
-              </a:lnSpc>
-              <a:buClr>
-                <a:srgbClr val="000000"/>
-              </a:buClr>
-              <a:buFont typeface="Arial"/>
-              <a:buChar char="•"/>
-              <a:defRPr/>
-            </a:pPr>
-            <a:r>
-              <a:rPr lang="pt-BR" sz="2800" b="0" strike="noStrike" spc="-1">
-                <a:solidFill>
-                  <a:srgbClr val="000000"/>
-                </a:solidFill>
-                <a:latin typeface="Arial"/>
-                <a:ea typeface="DejaVu Sans"/>
-              </a:rPr>
-              <a:t>Versionamento</a:t>
+              <a:t>Não depende de detalhes internos</a:t>
             </a:r>
             <a:endParaRPr lang="pt-BR" sz="2800" b="0" strike="noStrike" spc="-1">
               <a:latin typeface="Arial"/>
@@ -6614,7 +6599,7 @@
               </a:lnSpc>
               <a:defRPr/>
             </a:pPr>
-            <a:fld id="{CE9CEFC7-91FA-439E-A167-4847C87E42BD}" type="slidenum">
+            <a:fld id="{28C4651F-FFAC-465A-9F15-DF651E8F3145}" type="slidenum">
               <a:rPr lang="pt-BR" sz="1000" b="0" strike="noStrike" spc="-1">
                 <a:solidFill>
                   <a:srgbClr val="B2B2B2"/>
@@ -6677,7 +6662,7 @@
                 <a:latin typeface="Arial"/>
                 <a:ea typeface="DejaVu Sans"/>
               </a:rPr>
-              <a:t>Desvantagens:</a:t>
+              <a:t>Vantagens:</a:t>
             </a:r>
             <a:endParaRPr lang="pt-BR" sz="2800" b="0" strike="noStrike" spc="-1">
               <a:latin typeface="Arial"/>
@@ -6703,19 +6688,8 @@
                 <a:latin typeface="Arial"/>
                 <a:ea typeface="DejaVu Sans"/>
               </a:rPr>
-              <a:t>Esconde todos os detalhes</a:t>
-            </a:r>
-            <a:endParaRPr lang="pt-BR" sz="2800" b="0" strike="noStrike" spc="-1">
-              <a:latin typeface="Arial"/>
-            </a:endParaRPr>
-          </a:p>
-          <a:p>
-            <a:pPr>
-              <a:lnSpc>
-                <a:spcPct val="200000"/>
-              </a:lnSpc>
-              <a:defRPr/>
-            </a:pPr>
+              <a:t>Código mais expressivo</a:t>
+            </a:r>
             <a:endParaRPr lang="pt-BR" sz="2800" b="0" strike="noStrike" spc="-1">
               <a:latin typeface="Arial"/>
             </a:endParaRPr>
@@ -6740,7 +6714,59 @@
                 <a:latin typeface="Arial"/>
                 <a:ea typeface="DejaVu Sans"/>
               </a:rPr>
-              <a:t>Não permite usos mais avançados ou diferentes do original</a:t>
+              <a:t>Diminui erros por repetição</a:t>
+            </a:r>
+            <a:endParaRPr lang="pt-BR" sz="2800" b="0" strike="noStrike" spc="-1">
+              <a:latin typeface="Arial"/>
+            </a:endParaRPr>
+          </a:p>
+          <a:p>
+            <a:pPr marL="1371600" lvl="2" indent="-456840">
+              <a:lnSpc>
+                <a:spcPct val="200000"/>
+              </a:lnSpc>
+              <a:buClr>
+                <a:srgbClr val="000000"/>
+              </a:buClr>
+              <a:buFont typeface="Arial"/>
+              <a:buChar char="•"/>
+              <a:defRPr/>
+            </a:pPr>
+            <a:r>
+              <a:rPr lang="pt-BR" sz="2800" b="0" strike="noStrike" spc="-1">
+                <a:solidFill>
+                  <a:srgbClr val="000000"/>
+                </a:solidFill>
+                <a:latin typeface="Arial"/>
+                <a:ea typeface="DejaVu Sans"/>
+              </a:rPr>
+              <a:t>Evita deixar struct em estado inconsistente</a:t>
+            </a:r>
+            <a:endParaRPr lang="pt-BR" sz="2800" b="0" strike="noStrike" spc="-1">
+              <a:latin typeface="Arial"/>
+            </a:endParaRPr>
+          </a:p>
+          <a:p>
+            <a:pPr marL="1371600" lvl="2" indent="-456840">
+              <a:lnSpc>
+                <a:spcPct val="200000"/>
+              </a:lnSpc>
+              <a:buClr>
+                <a:srgbClr val="000000"/>
+              </a:buClr>
+              <a:buFont typeface="Arial"/>
+              <a:buChar char="•"/>
+              <a:defRPr/>
+            </a:pPr>
+            <a:r>
+              <a:rPr lang="pt-BR" sz="2800" b="0" strike="noStrike" spc="-1">
+                <a:solidFill>
+                  <a:srgbClr val="000000"/>
+                </a:solidFill>
+                <a:latin typeface="Arial"/>
+                <a:ea typeface="DejaVu Sans"/>
+              </a:rPr>
+              <a:t>Versionamento</a:t>
             </a:r>
             <a:endParaRPr lang="pt-BR" sz="2800" b="0" strike="noStrike" spc="-1">
               <a:latin typeface="Arial"/>
@@ -6783,13 +6809,13 @@
       </p:grpSpPr>
       <p:sp>
         <p:nvSpPr>
-          <p:cNvPr id="4" name="Google Shape;347;p64" hidden="0"/>
+          <p:cNvPr id="4" name="CustomShape 1" hidden="0"/>
           <p:cNvSpPr/>
           <p:nvPr isPhoto="0" userDrawn="0"/>
         </p:nvSpPr>
         <p:spPr bwMode="auto">
           <a:xfrm>
-            <a:off x="457200" y="2920653"/>
+            <a:off x="457200" y="781200"/>
             <a:ext cx="8228520" cy="618120"/>
           </a:xfrm>
           <a:prstGeom prst="rect">
@@ -6800,57 +6826,47 @@
             <a:noFill/>
           </a:ln>
         </p:spPr>
-        <p:txBody>
-          <a:bodyPr spcFirstLastPara="1" wrap="square" lIns="90000" tIns="45000" rIns="90000" bIns="45000" anchor="t" anchorCtr="0">
-            <a:noAutofit/>
-          </a:bodyPr>
-          <a:lstStyle/>
-          <a:p>
-            <a:pPr marL="0" marR="0" lvl="0" indent="0" algn="ctr">
+        <p:style>
+          <a:lnRef idx="0"/>
+          <a:fillRef idx="0"/>
+          <a:effectRef idx="0"/>
+          <a:fontRef idx="minor"/>
+        </p:style>
+        <p:txBody>
+          <a:bodyPr lIns="90000" tIns="45000" rIns="90000" bIns="45000"/>
+          <a:p>
+            <a:pPr>
               <a:lnSpc>
                 <a:spcPct val="100000"/>
               </a:lnSpc>
-              <a:spcBef>
-                <a:spcPts val="0"/>
-              </a:spcBef>
-              <a:spcAft>
-                <a:spcPts val="0"/>
-              </a:spcAft>
-              <a:buNone/>
-              <a:defRPr/>
-            </a:pPr>
-            <a:r>
-              <a:rPr lang="pt-BR" sz="3600" b="1" i="0" u="none" strike="noStrike" cap="none">
+              <a:defRPr/>
+            </a:pPr>
+            <a:r>
+              <a:rPr lang="pt-BR" sz="3200" b="0" strike="noStrike" spc="-1">
                 <a:solidFill>
                   <a:srgbClr val="C00026"/>
                 </a:solidFill>
                 <a:latin typeface="Verdana"/>
                 <a:ea typeface="Verdana"/>
-                <a:cs typeface="Verdana"/>
-              </a:rPr>
-              <a:t>Atividade prática</a:t>
-            </a:r>
-            <a:endParaRPr sz="3600" b="1" i="0" u="none" strike="noStrike" cap="none">
-              <a:solidFill>
-                <a:schemeClr val="dk1"/>
-              </a:solidFill>
-              <a:latin typeface="Arial"/>
-              <a:ea typeface="Arial"/>
-              <a:cs typeface="Arial"/>
-            </a:endParaRPr>
-          </a:p>
-        </p:txBody>
-      </p:sp>
-      <p:sp>
-        <p:nvSpPr>
-          <p:cNvPr id="5" name="Google Shape;348;p64" hidden="0"/>
+              </a:rPr>
+              <a:t>Tipos Abstratos de Dados</a:t>
+            </a:r>
+            <a:endParaRPr lang="pt-BR" sz="3200" b="0" strike="noStrike" spc="-1">
+              <a:latin typeface="Arial"/>
+            </a:endParaRPr>
+          </a:p>
+        </p:txBody>
+      </p:sp>
+      <p:sp>
+        <p:nvSpPr>
+          <p:cNvPr id="5" name="CustomShape 2" hidden="0"/>
           <p:cNvSpPr/>
           <p:nvPr isPhoto="0" userDrawn="0"/>
         </p:nvSpPr>
         <p:spPr bwMode="auto">
           <a:xfrm>
-            <a:off x="162000" y="85680"/>
-            <a:ext cx="7228440" cy="351360"/>
+            <a:off x="657360" y="1486080"/>
+            <a:ext cx="8028360" cy="4723200"/>
           </a:xfrm>
           <a:prstGeom prst="rect">
             <a:avLst/>
@@ -6860,36 +6876,54 @@
             <a:noFill/>
           </a:ln>
         </p:spPr>
-        <p:txBody>
-          <a:bodyPr spcFirstLastPara="1" wrap="square" lIns="91422" tIns="91422" rIns="91422" bIns="91422" anchor="ctr" anchorCtr="0">
-            <a:noAutofit/>
-          </a:bodyPr>
-          <a:lstStyle/>
-          <a:p>
-            <a:pPr marL="0" lvl="0" indent="0" algn="l">
+        <p:style>
+          <a:lnRef idx="0"/>
+          <a:fillRef idx="0"/>
+          <a:effectRef idx="0"/>
+          <a:fontRef idx="minor"/>
+        </p:style>
+        <p:txBody>
+          <a:bodyPr lIns="90000" tIns="45000" rIns="90000" bIns="45000"/>
+          <a:p>
+            <a:pPr>
+              <a:lnSpc>
+                <a:spcPct val="100000"/>
+              </a:lnSpc>
               <a:spcBef>
-                <a:spcPts val="0"/>
+                <a:spcPts val="479"/>
               </a:spcBef>
-              <a:spcAft>
-                <a:spcPts val="0"/>
-              </a:spcAft>
-              <a:buNone/>
-              <a:defRPr/>
-            </a:pPr>
-            <a:endParaRPr/>
-          </a:p>
-        </p:txBody>
-      </p:sp>
-      <p:sp>
-        <p:nvSpPr>
-          <p:cNvPr id="6" name="Google Shape;349;p64" hidden="0"/>
+              <a:defRPr/>
+            </a:pPr>
+            <a:endParaRPr lang="pt-BR" sz="1800" b="0" strike="noStrike" spc="-1">
+              <a:latin typeface="Arial"/>
+            </a:endParaRPr>
+          </a:p>
+          <a:p>
+            <a:pPr>
+              <a:lnSpc>
+                <a:spcPct val="100000"/>
+              </a:lnSpc>
+              <a:spcBef>
+                <a:spcPts val="479"/>
+              </a:spcBef>
+              <a:defRPr/>
+            </a:pPr>
+            <a:endParaRPr lang="pt-BR" sz="1800" b="0" strike="noStrike" spc="-1">
+              <a:latin typeface="Arial"/>
+            </a:endParaRPr>
+          </a:p>
+        </p:txBody>
+      </p:sp>
+      <p:sp>
+        <p:nvSpPr>
+          <p:cNvPr id="6" name="CustomShape 3" hidden="0"/>
           <p:cNvSpPr/>
           <p:nvPr isPhoto="0" userDrawn="0"/>
         </p:nvSpPr>
         <p:spPr bwMode="auto">
           <a:xfrm>
-            <a:off x="84240" y="6402240"/>
-            <a:ext cx="640440" cy="363960"/>
+            <a:off x="162000" y="85680"/>
+            <a:ext cx="7228440" cy="351360"/>
           </a:xfrm>
           <a:prstGeom prst="rect">
             <a:avLst/>
@@ -6899,122 +6933,178 @@
             <a:noFill/>
           </a:ln>
         </p:spPr>
-        <p:txBody>
-          <a:bodyPr spcFirstLastPara="1" wrap="square" lIns="90000" tIns="45000" rIns="90000" bIns="45000" anchor="ctr" anchorCtr="0">
-            <a:noAutofit/>
-          </a:bodyPr>
-          <a:lstStyle/>
-          <a:p>
-            <a:pPr marL="0" marR="0" lvl="0" indent="0" algn="r">
+        <p:style>
+          <a:lnRef idx="0"/>
+          <a:fillRef idx="0"/>
+          <a:effectRef idx="0"/>
+          <a:fontRef idx="minor"/>
+        </p:style>
+      </p:sp>
+      <p:sp>
+        <p:nvSpPr>
+          <p:cNvPr id="7" name="CustomShape 4" hidden="0"/>
+          <p:cNvSpPr/>
+          <p:nvPr isPhoto="0" userDrawn="0"/>
+        </p:nvSpPr>
+        <p:spPr bwMode="auto">
+          <a:xfrm>
+            <a:off x="84240" y="6402240"/>
+            <a:ext cx="640440" cy="363960"/>
+          </a:xfrm>
+          <a:prstGeom prst="rect">
+            <a:avLst/>
+          </a:prstGeom>
+          <a:noFill/>
+          <a:ln>
+            <a:noFill/>
+          </a:ln>
+        </p:spPr>
+        <p:style>
+          <a:lnRef idx="0"/>
+          <a:fillRef idx="0"/>
+          <a:effectRef idx="0"/>
+          <a:fontRef idx="minor"/>
+        </p:style>
+        <p:txBody>
+          <a:bodyPr lIns="90000" tIns="45000" rIns="90000" bIns="45000" anchor="ctr"/>
+          <a:p>
+            <a:pPr algn="r">
               <a:lnSpc>
                 <a:spcPct val="100000"/>
               </a:lnSpc>
-              <a:spcBef>
-                <a:spcPts val="0"/>
-              </a:spcBef>
-              <a:spcAft>
-                <a:spcPts val="0"/>
-              </a:spcAft>
-              <a:buNone/>
-              <a:defRPr/>
-            </a:pPr>
-            <a:fld id="{B234D151-7A77-6E37-169E-00A19B0134C2}" type="slidenum">
-              <a:rPr lang="pt-BR" sz="1000" b="0" i="0" u="none" strike="noStrike" cap="none">
+              <a:defRPr/>
+            </a:pPr>
+            <a:fld id="{CE9CEFC7-91FA-439E-A167-4847C87E42BD}" type="slidenum">
+              <a:rPr lang="pt-BR" sz="1000" b="0" strike="noStrike" spc="-1">
                 <a:solidFill>
                   <a:srgbClr val="B2B2B2"/>
                 </a:solidFill>
                 <a:latin typeface="Verdana"/>
                 <a:ea typeface="Verdana"/>
-                <a:cs typeface="Verdana"/>
               </a:rPr>
               <a:t/>
             </a:fld>
-            <a:endParaRPr sz="1000" b="0" i="0" u="none" strike="noStrike" cap="none">
-              <a:solidFill>
-                <a:schemeClr val="dk1"/>
-              </a:solidFill>
-              <a:latin typeface="Arial"/>
-              <a:ea typeface="Arial"/>
-              <a:cs typeface="Arial"/>
-            </a:endParaRPr>
-          </a:p>
-        </p:txBody>
-      </p:sp>
-      <p:sp>
-        <p:nvSpPr>
-          <p:cNvPr id="7" name="" hidden="0"/>
+            <a:endParaRPr lang="pt-BR" sz="1000" b="0" strike="noStrike" spc="-1">
+              <a:latin typeface="Arial"/>
+            </a:endParaRPr>
+          </a:p>
+        </p:txBody>
+      </p:sp>
+      <p:sp>
+        <p:nvSpPr>
+          <p:cNvPr id="8" name="CustomShape 5" hidden="0"/>
           <p:cNvSpPr/>
           <p:nvPr isPhoto="0" userDrawn="0"/>
         </p:nvSpPr>
         <p:spPr bwMode="auto">
-          <a:xfrm flipH="0" flipV="0">
-            <a:off x="724672" y="4088421"/>
-            <a:ext cx="8137926" cy="363447"/>
+          <a:xfrm>
+            <a:off x="165960" y="1934280"/>
+            <a:ext cx="8637480" cy="4357080"/>
           </a:xfrm>
           <a:prstGeom prst="rect">
             <a:avLst/>
           </a:prstGeom>
           <a:noFill/>
-        </p:spPr>
-        <p:txBody>
-          <a:bodyPr vertOverflow="overflow" horzOverflow="clip" vert="horz" wrap="square" lIns="91440" tIns="45720" rIns="91440" bIns="45720" numCol="1" spcCol="0" rtlCol="0" fromWordArt="0" anchor="t" anchorCtr="0" forceAA="0" upright="0" compatLnSpc="0">
-            <a:noAutofit/>
-          </a:bodyPr>
-          <a:p>
-            <a:pPr>
-              <a:defRPr/>
-            </a:pPr>
-            <a:r>
-              <a:rPr sz="2000" b="1"/>
-              <a:t>Implementação de Point2D</a:t>
-            </a:r>
-            <a:r>
-              <a:rPr sz="2000" b="1"/>
-              <a:t> (30 minutos)</a:t>
-            </a:r>
-            <a:endParaRPr sz="2000" b="1"/>
-          </a:p>
-          <a:p>
-            <a:pPr>
-              <a:defRPr/>
-            </a:pPr>
-            <a:endParaRPr sz="2000"/>
-          </a:p>
-          <a:p>
-            <a:pPr marL="305899" indent="-305899">
-              <a:buAutoNum type="arabicPeriod"/>
-              <a:defRPr/>
-            </a:pPr>
-            <a:r>
-              <a:rPr sz="2000" b="0"/>
-              <a:t>Revisão de malloc</a:t>
-            </a:r>
-            <a:endParaRPr sz="2000" b="0"/>
-          </a:p>
-          <a:p>
-            <a:pPr marL="305899" indent="-305899">
-              <a:buAutoNum type="arabicPeriod"/>
-              <a:defRPr/>
-            </a:pPr>
-            <a:r>
-              <a:rPr sz="2000" b="0"/>
-              <a:t>Compilação de programas com mais de um arquivo .c</a:t>
-            </a:r>
-            <a:endParaRPr sz="2000" b="0"/>
-          </a:p>
-          <a:p>
-            <a:pPr marL="305899" indent="-305899">
-              <a:buAutoNum type="arabicPeriod"/>
-              <a:defRPr/>
-            </a:pPr>
-            <a:endParaRPr sz="2000" b="0"/>
-          </a:p>
-          <a:p>
-            <a:pPr marL="305899" indent="-305899">
-              <a:buAutoNum type="arabicPeriod"/>
-              <a:defRPr/>
-            </a:pPr>
-            <a:endParaRPr sz="2000" b="0"/>
+          <a:ln>
+            <a:noFill/>
+          </a:ln>
+        </p:spPr>
+        <p:style>
+          <a:lnRef idx="0"/>
+          <a:fillRef idx="0"/>
+          <a:effectRef idx="0"/>
+          <a:fontRef idx="minor"/>
+        </p:style>
+        <p:txBody>
+          <a:bodyPr/>
+          <a:p>
+            <a:pPr marL="457200" indent="-456840">
+              <a:lnSpc>
+                <a:spcPct val="200000"/>
+              </a:lnSpc>
+              <a:buClr>
+                <a:srgbClr val="000000"/>
+              </a:buClr>
+              <a:buFont typeface="Arial"/>
+              <a:buChar char="•"/>
+              <a:defRPr/>
+            </a:pPr>
+            <a:r>
+              <a:rPr lang="pt-BR" sz="2800" b="0" strike="noStrike" spc="-1">
+                <a:solidFill>
+                  <a:srgbClr val="000000"/>
+                </a:solidFill>
+                <a:latin typeface="Arial"/>
+                <a:ea typeface="DejaVu Sans"/>
+              </a:rPr>
+              <a:t>Desvantagens:</a:t>
+            </a:r>
+            <a:endParaRPr lang="pt-BR" sz="2800" b="0" strike="noStrike" spc="-1">
+              <a:latin typeface="Arial"/>
+            </a:endParaRPr>
+          </a:p>
+          <a:p>
+            <a:pPr marL="1371600" lvl="2" indent="-456840">
+              <a:lnSpc>
+                <a:spcPct val="200000"/>
+              </a:lnSpc>
+              <a:buClr>
+                <a:srgbClr val="000000"/>
+              </a:buClr>
+              <a:buFont typeface="Arial"/>
+              <a:buChar char="•"/>
+              <a:defRPr/>
+            </a:pPr>
+            <a:r>
+              <a:rPr lang="pt-BR" sz="2800" b="0" strike="noStrike" spc="-1">
+                <a:solidFill>
+                  <a:srgbClr val="000000"/>
+                </a:solidFill>
+                <a:latin typeface="Arial"/>
+                <a:ea typeface="DejaVu Sans"/>
+              </a:rPr>
+              <a:t>Esconde todos os detalhes</a:t>
+            </a:r>
+            <a:endParaRPr lang="pt-BR" sz="2800" b="0" strike="noStrike" spc="-1">
+              <a:latin typeface="Arial"/>
+            </a:endParaRPr>
+          </a:p>
+          <a:p>
+            <a:pPr>
+              <a:lnSpc>
+                <a:spcPct val="200000"/>
+              </a:lnSpc>
+              <a:defRPr/>
+            </a:pPr>
+            <a:endParaRPr lang="pt-BR" sz="2800" b="0" strike="noStrike" spc="-1">
+              <a:latin typeface="Arial"/>
+            </a:endParaRPr>
+          </a:p>
+          <a:p>
+            <a:pPr marL="1371600" lvl="2" indent="-456840">
+              <a:lnSpc>
+                <a:spcPct val="200000"/>
+              </a:lnSpc>
+              <a:buClr>
+                <a:srgbClr val="000000"/>
+              </a:buClr>
+              <a:buFont typeface="Arial"/>
+              <a:buChar char="•"/>
+              <a:defRPr/>
+            </a:pPr>
+            <a:r>
+              <a:rPr lang="pt-BR" sz="2800" b="0" strike="noStrike" spc="-1">
+                <a:solidFill>
+                  <a:srgbClr val="000000"/>
+                </a:solidFill>
+                <a:latin typeface="Arial"/>
+                <a:ea typeface="DejaVu Sans"/>
+              </a:rPr>
+              <a:t>Não permite usos mais avançados ou diferentes do original</a:t>
+            </a:r>
+            <a:endParaRPr lang="pt-BR" sz="2800" b="0" strike="noStrike" spc="-1">
+              <a:latin typeface="Arial"/>
+            </a:endParaRPr>
           </a:p>
         </p:txBody>
       </p:sp>
@@ -7053,13 +7143,13 @@
       </p:grpSpPr>
       <p:sp>
         <p:nvSpPr>
-          <p:cNvPr id="4" name="CustomShape 1" hidden="0"/>
+          <p:cNvPr id="4" name="Google Shape;347;p64" hidden="0"/>
           <p:cNvSpPr/>
           <p:nvPr isPhoto="0" userDrawn="0"/>
         </p:nvSpPr>
         <p:spPr bwMode="auto">
           <a:xfrm>
-            <a:off x="457200" y="781200"/>
+            <a:off x="457200" y="2920653"/>
             <a:ext cx="8228520" cy="618120"/>
           </a:xfrm>
           <a:prstGeom prst="rect">
@@ -7070,47 +7160,57 @@
             <a:noFill/>
           </a:ln>
         </p:spPr>
-        <p:style>
-          <a:lnRef idx="0"/>
-          <a:fillRef idx="0"/>
-          <a:effectRef idx="0"/>
-          <a:fontRef idx="minor"/>
-        </p:style>
-        <p:txBody>
-          <a:bodyPr lIns="90000" tIns="45000" rIns="90000" bIns="45000"/>
-          <a:p>
-            <a:pPr>
+        <p:txBody>
+          <a:bodyPr spcFirstLastPara="1" wrap="square" lIns="90000" tIns="45000" rIns="90000" bIns="45000" anchor="t" anchorCtr="0">
+            <a:noAutofit/>
+          </a:bodyPr>
+          <a:lstStyle/>
+          <a:p>
+            <a:pPr marL="0" marR="0" lvl="0" indent="0" algn="ctr">
               <a:lnSpc>
                 <a:spcPct val="100000"/>
               </a:lnSpc>
-              <a:defRPr/>
-            </a:pPr>
-            <a:r>
-              <a:rPr lang="pt-BR" sz="3200" b="0" strike="noStrike" spc="-1">
+              <a:spcBef>
+                <a:spcPts val="0"/>
+              </a:spcBef>
+              <a:spcAft>
+                <a:spcPts val="0"/>
+              </a:spcAft>
+              <a:buNone/>
+              <a:defRPr/>
+            </a:pPr>
+            <a:r>
+              <a:rPr lang="pt-BR" sz="3600" b="1" i="0" u="none" strike="noStrike" cap="none">
                 <a:solidFill>
                   <a:srgbClr val="C00026"/>
                 </a:solidFill>
                 <a:latin typeface="Verdana"/>
                 <a:ea typeface="Verdana"/>
-              </a:rPr>
-              <a:t>Vetor dinâmico</a:t>
-            </a:r>
-            <a:endParaRPr lang="pt-BR" sz="3200" b="0" strike="noStrike" spc="-1">
-              <a:latin typeface="Arial"/>
-            </a:endParaRPr>
-          </a:p>
-        </p:txBody>
-      </p:sp>
-      <p:sp>
-        <p:nvSpPr>
-          <p:cNvPr id="5" name="CustomShape 2" hidden="0"/>
+                <a:cs typeface="Verdana"/>
+              </a:rPr>
+              <a:t>Atividade prática</a:t>
+            </a:r>
+            <a:endParaRPr sz="3600" b="1" i="0" u="none" strike="noStrike" cap="none">
+              <a:solidFill>
+                <a:schemeClr val="dk1"/>
+              </a:solidFill>
+              <a:latin typeface="Arial"/>
+              <a:ea typeface="Arial"/>
+              <a:cs typeface="Arial"/>
+            </a:endParaRPr>
+          </a:p>
+        </p:txBody>
+      </p:sp>
+      <p:sp>
+        <p:nvSpPr>
+          <p:cNvPr id="5" name="Google Shape;348;p64" hidden="0"/>
           <p:cNvSpPr/>
           <p:nvPr isPhoto="0" userDrawn="0"/>
         </p:nvSpPr>
         <p:spPr bwMode="auto">
           <a:xfrm>
-            <a:off x="657360" y="1486080"/>
-            <a:ext cx="8028360" cy="4723200"/>
+            <a:off x="162000" y="85680"/>
+            <a:ext cx="7228440" cy="351360"/>
           </a:xfrm>
           <a:prstGeom prst="rect">
             <a:avLst/>
@@ -7120,54 +7220,36 @@
             <a:noFill/>
           </a:ln>
         </p:spPr>
-        <p:style>
-          <a:lnRef idx="0"/>
-          <a:fillRef idx="0"/>
-          <a:effectRef idx="0"/>
-          <a:fontRef idx="minor"/>
-        </p:style>
-        <p:txBody>
-          <a:bodyPr lIns="90000" tIns="45000" rIns="90000" bIns="45000"/>
-          <a:p>
-            <a:pPr>
-              <a:lnSpc>
-                <a:spcPct val="100000"/>
-              </a:lnSpc>
+        <p:txBody>
+          <a:bodyPr spcFirstLastPara="1" wrap="square" lIns="91422" tIns="91422" rIns="91422" bIns="91422" anchor="ctr" anchorCtr="0">
+            <a:noAutofit/>
+          </a:bodyPr>
+          <a:lstStyle/>
+          <a:p>
+            <a:pPr marL="0" lvl="0" indent="0" algn="l">
               <a:spcBef>
-                <a:spcPts val="479"/>
+                <a:spcPts val="0"/>
               </a:spcBef>
-              <a:defRPr/>
-            </a:pPr>
-            <a:endParaRPr lang="pt-BR" sz="1800" b="0" strike="noStrike" spc="-1">
-              <a:latin typeface="Arial"/>
-            </a:endParaRPr>
-          </a:p>
-          <a:p>
-            <a:pPr>
-              <a:lnSpc>
-                <a:spcPct val="100000"/>
-              </a:lnSpc>
-              <a:spcBef>
-                <a:spcPts val="479"/>
-              </a:spcBef>
-              <a:defRPr/>
-            </a:pPr>
-            <a:endParaRPr lang="pt-BR" sz="1800" b="0" strike="noStrike" spc="-1">
-              <a:latin typeface="Arial"/>
-            </a:endParaRPr>
-          </a:p>
-        </p:txBody>
-      </p:sp>
-      <p:sp>
-        <p:nvSpPr>
-          <p:cNvPr id="6" name="CustomShape 3" hidden="0"/>
+              <a:spcAft>
+                <a:spcPts val="0"/>
+              </a:spcAft>
+              <a:buNone/>
+              <a:defRPr/>
+            </a:pPr>
+            <a:endParaRPr/>
+          </a:p>
+        </p:txBody>
+      </p:sp>
+      <p:sp>
+        <p:nvSpPr>
+          <p:cNvPr id="6" name="Google Shape;349;p64" hidden="0"/>
           <p:cNvSpPr/>
           <p:nvPr isPhoto="0" userDrawn="0"/>
         </p:nvSpPr>
         <p:spPr bwMode="auto">
           <a:xfrm>
-            <a:off x="162000" y="85680"/>
-            <a:ext cx="7228440" cy="351360"/>
+            <a:off x="84240" y="6402240"/>
+            <a:ext cx="640440" cy="363960"/>
           </a:xfrm>
           <a:prstGeom prst="rect">
             <a:avLst/>
@@ -7177,229 +7259,122 @@
             <a:noFill/>
           </a:ln>
         </p:spPr>
-        <p:style>
-          <a:lnRef idx="0"/>
-          <a:fillRef idx="0"/>
-          <a:effectRef idx="0"/>
-          <a:fontRef idx="minor"/>
-        </p:style>
-      </p:sp>
-      <p:sp>
-        <p:nvSpPr>
-          <p:cNvPr id="7" name="CustomShape 4" hidden="0"/>
+        <p:txBody>
+          <a:bodyPr spcFirstLastPara="1" wrap="square" lIns="90000" tIns="45000" rIns="90000" bIns="45000" anchor="ctr" anchorCtr="0">
+            <a:noAutofit/>
+          </a:bodyPr>
+          <a:lstStyle/>
+          <a:p>
+            <a:pPr marL="0" marR="0" lvl="0" indent="0" algn="r">
+              <a:lnSpc>
+                <a:spcPct val="100000"/>
+              </a:lnSpc>
+              <a:spcBef>
+                <a:spcPts val="0"/>
+              </a:spcBef>
+              <a:spcAft>
+                <a:spcPts val="0"/>
+              </a:spcAft>
+              <a:buNone/>
+              <a:defRPr/>
+            </a:pPr>
+            <a:fld id="{B234D151-7A77-6E37-169E-00A19B0134C2}" type="slidenum">
+              <a:rPr lang="pt-BR" sz="1000" b="0" i="0" u="none" strike="noStrike" cap="none">
+                <a:solidFill>
+                  <a:srgbClr val="B2B2B2"/>
+                </a:solidFill>
+                <a:latin typeface="Verdana"/>
+                <a:ea typeface="Verdana"/>
+                <a:cs typeface="Verdana"/>
+              </a:rPr>
+              <a:t/>
+            </a:fld>
+            <a:endParaRPr sz="1000" b="0" i="0" u="none" strike="noStrike" cap="none">
+              <a:solidFill>
+                <a:schemeClr val="dk1"/>
+              </a:solidFill>
+              <a:latin typeface="Arial"/>
+              <a:ea typeface="Arial"/>
+              <a:cs typeface="Arial"/>
+            </a:endParaRPr>
+          </a:p>
+        </p:txBody>
+      </p:sp>
+      <p:sp>
+        <p:nvSpPr>
+          <p:cNvPr id="7" name="" hidden="0"/>
           <p:cNvSpPr/>
           <p:nvPr isPhoto="0" userDrawn="0"/>
         </p:nvSpPr>
         <p:spPr bwMode="auto">
-          <a:xfrm>
-            <a:off x="84240" y="6402240"/>
-            <a:ext cx="640440" cy="363960"/>
+          <a:xfrm flipH="0" flipV="0">
+            <a:off x="724672" y="4088421"/>
+            <a:ext cx="8137926" cy="363447"/>
           </a:xfrm>
           <a:prstGeom prst="rect">
             <a:avLst/>
           </a:prstGeom>
           <a:noFill/>
-          <a:ln>
-            <a:noFill/>
-          </a:ln>
-        </p:spPr>
-        <p:style>
-          <a:lnRef idx="0"/>
-          <a:fillRef idx="0"/>
-          <a:effectRef idx="0"/>
-          <a:fontRef idx="minor"/>
-        </p:style>
-        <p:txBody>
-          <a:bodyPr lIns="90000" tIns="45000" rIns="90000" bIns="45000" anchor="ctr"/>
-          <a:p>
-            <a:pPr algn="r">
-              <a:lnSpc>
-                <a:spcPct val="100000"/>
-              </a:lnSpc>
-              <a:defRPr/>
-            </a:pPr>
-            <a:fld id="{0994E7CB-B7F9-4D09-A46C-934CDBDA0B89}" type="slidenum">
-              <a:rPr lang="pt-BR" sz="1000" b="0" strike="noStrike" spc="-1">
-                <a:solidFill>
-                  <a:srgbClr val="B2B2B2"/>
-                </a:solidFill>
-                <a:latin typeface="Verdana"/>
-                <a:ea typeface="Verdana"/>
-              </a:rPr>
-              <a:t/>
-            </a:fld>
-            <a:endParaRPr lang="pt-BR" sz="1000" b="0" strike="noStrike" spc="-1">
-              <a:latin typeface="Arial"/>
-            </a:endParaRPr>
-          </a:p>
-        </p:txBody>
-      </p:sp>
-      <p:sp>
-        <p:nvSpPr>
-          <p:cNvPr id="8" name="CustomShape 5" hidden="0"/>
-          <p:cNvSpPr/>
-          <p:nvPr isPhoto="0" userDrawn="0"/>
-        </p:nvSpPr>
-        <p:spPr bwMode="auto">
-          <a:xfrm>
-            <a:off x="165960" y="1430280"/>
-            <a:ext cx="8637480" cy="4357080"/>
-          </a:xfrm>
-          <a:prstGeom prst="rect">
-            <a:avLst/>
-          </a:prstGeom>
-          <a:noFill/>
-          <a:ln>
-            <a:noFill/>
-          </a:ln>
-        </p:spPr>
-        <p:style>
-          <a:lnRef idx="0"/>
-          <a:fillRef idx="0"/>
-          <a:effectRef idx="0"/>
-          <a:fontRef idx="minor"/>
-        </p:style>
-        <p:txBody>
-          <a:bodyPr/>
-          <a:p>
-            <a:pPr>
-              <a:lnSpc>
-                <a:spcPct val="200000"/>
-              </a:lnSpc>
-              <a:defRPr/>
-            </a:pPr>
-            <a:r>
-              <a:rPr lang="pt-BR" sz="2800" b="0" strike="noStrike" spc="-1">
-                <a:solidFill>
-                  <a:srgbClr val="000000"/>
-                </a:solidFill>
-                <a:latin typeface="Arial"/>
-                <a:ea typeface="DejaVu Sans"/>
-              </a:rPr>
-              <a:t>O tipo de dados </a:t>
-            </a:r>
-            <a:r>
-              <a:rPr lang="pt-BR" sz="2800" b="1" u="sng" strike="noStrike" spc="-1">
-                <a:solidFill>
-                  <a:srgbClr val="000000"/>
-                </a:solidFill>
-                <a:latin typeface="Arial"/>
-                <a:ea typeface="DejaVu Sans"/>
-              </a:rPr>
-              <a:t>vetor dinâmico</a:t>
-            </a:r>
-            <a:r>
-              <a:rPr lang="pt-BR" sz="2800" b="0" strike="noStrike" spc="-1">
-                <a:solidFill>
-                  <a:srgbClr val="000000"/>
-                </a:solidFill>
-                <a:latin typeface="Arial"/>
-                <a:ea typeface="DejaVu Sans"/>
-              </a:rPr>
-              <a:t> é implementado em diversas linguagens de alto nível.</a:t>
-            </a:r>
-            <a:endParaRPr lang="pt-BR" sz="2800" b="0" strike="noStrike" spc="-1">
-              <a:latin typeface="Arial"/>
-            </a:endParaRPr>
-          </a:p>
-          <a:p>
-            <a:pPr marL="394023" indent="-394023">
-              <a:lnSpc>
-                <a:spcPct val="200000"/>
-              </a:lnSpc>
-              <a:buFont typeface="Arial"/>
-              <a:buChar char="•"/>
-              <a:defRPr/>
-            </a:pPr>
-            <a:r>
-              <a:rPr lang="pt-BR" sz="2800" b="0" strike="noStrike" spc="-1">
-                <a:solidFill>
-                  <a:srgbClr val="000000"/>
-                </a:solidFill>
-                <a:latin typeface="Arial"/>
-                <a:ea typeface="DejaVu Sans"/>
-              </a:rPr>
-              <a:t>Python: </a:t>
-            </a:r>
-            <a:r>
-              <a:rPr lang="pt-BR" sz="2800" b="0" strike="noStrike" spc="-1">
-                <a:solidFill>
-                  <a:srgbClr val="000000"/>
-                </a:solidFill>
-                <a:latin typeface="Courier New"/>
-                <a:ea typeface="DejaVu Sans"/>
-              </a:rPr>
-              <a:t>list</a:t>
-            </a:r>
-            <a:endParaRPr lang="pt-BR" sz="2800" b="0" strike="noStrike" spc="-1">
-              <a:latin typeface="Arial"/>
-            </a:endParaRPr>
-          </a:p>
-          <a:p>
-            <a:pPr marL="394023" indent="-394023">
-              <a:lnSpc>
-                <a:spcPct val="200000"/>
-              </a:lnSpc>
-              <a:buFont typeface="Arial"/>
-              <a:buChar char="•"/>
-              <a:defRPr/>
-            </a:pPr>
-            <a:r>
-              <a:rPr lang="pt-BR" sz="2800" b="0" strike="noStrike" spc="-1">
-                <a:solidFill>
-                  <a:srgbClr val="000000"/>
-                </a:solidFill>
-                <a:latin typeface="Arial"/>
-                <a:ea typeface="DejaVu Sans"/>
-              </a:rPr>
-              <a:t>Java: </a:t>
-            </a:r>
-            <a:r>
-              <a:rPr lang="pt-BR" sz="2800" b="0" strike="noStrike" spc="-1">
-                <a:solidFill>
-                  <a:srgbClr val="000000"/>
-                </a:solidFill>
-                <a:latin typeface="Courier New"/>
-                <a:ea typeface="DejaVu Sans"/>
-              </a:rPr>
-              <a:t>ArrayList</a:t>
-            </a:r>
-            <a:endParaRPr lang="pt-BR" sz="2800" b="0" strike="noStrike" spc="-1">
-              <a:latin typeface="Arial"/>
-            </a:endParaRPr>
-          </a:p>
-          <a:p>
-            <a:pPr marL="394023" indent="-394023">
-              <a:lnSpc>
-                <a:spcPct val="200000"/>
-              </a:lnSpc>
-              <a:buFont typeface="Arial"/>
-              <a:buChar char="•"/>
-              <a:defRPr/>
-            </a:pPr>
-            <a:r>
-              <a:rPr lang="pt-BR" sz="2800" b="0" strike="noStrike" spc="-1">
-                <a:solidFill>
-                  <a:srgbClr val="000000"/>
-                </a:solidFill>
-                <a:latin typeface="Arial"/>
-                <a:ea typeface="DejaVu Sans"/>
-              </a:rPr>
-              <a:t>C++: </a:t>
-            </a:r>
-            <a:r>
-              <a:rPr lang="pt-BR" sz="2800" b="0" strike="noStrike" spc="-1">
-                <a:solidFill>
-                  <a:srgbClr val="000000"/>
-                </a:solidFill>
-                <a:latin typeface="Courier New"/>
-                <a:ea typeface="DejaVu Sans"/>
-              </a:rPr>
-              <a:t>std::vector</a:t>
-            </a:r>
-            <a:endParaRPr lang="pt-BR" sz="2800" b="0" strike="noStrike" spc="-1">
-              <a:latin typeface="Arial"/>
-            </a:endParaRPr>
+        </p:spPr>
+        <p:txBody>
+          <a:bodyPr vertOverflow="overflow" horzOverflow="clip" vert="horz" wrap="square" lIns="91440" tIns="45720" rIns="91440" bIns="45720" numCol="1" spcCol="0" rtlCol="0" fromWordArt="0" anchor="t" anchorCtr="0" forceAA="0" upright="0" compatLnSpc="0">
+            <a:noAutofit/>
+          </a:bodyPr>
+          <a:p>
+            <a:pPr>
+              <a:defRPr/>
+            </a:pPr>
+            <a:r>
+              <a:rPr sz="2000" b="1"/>
+              <a:t>Implementação de Point2D</a:t>
+            </a:r>
+            <a:r>
+              <a:rPr sz="2000" b="1"/>
+              <a:t> (30 minutos)</a:t>
+            </a:r>
+            <a:endParaRPr sz="2000" b="1"/>
+          </a:p>
+          <a:p>
+            <a:pPr>
+              <a:defRPr/>
+            </a:pPr>
+            <a:endParaRPr sz="2000"/>
+          </a:p>
+          <a:p>
+            <a:pPr marL="305899" indent="-305899">
+              <a:buAutoNum type="arabicPeriod"/>
+              <a:defRPr/>
+            </a:pPr>
+            <a:r>
+              <a:rPr sz="2000" b="0"/>
+              <a:t>Revisão de malloc</a:t>
+            </a:r>
+            <a:endParaRPr sz="2000" b="0"/>
+          </a:p>
+          <a:p>
+            <a:pPr marL="305899" indent="-305899">
+              <a:buAutoNum type="arabicPeriod"/>
+              <a:defRPr/>
+            </a:pPr>
+            <a:r>
+              <a:rPr sz="2000" b="0"/>
+              <a:t>Compilação de programas com mais de um arquivo .c</a:t>
+            </a:r>
+            <a:endParaRPr sz="2000" b="0"/>
+          </a:p>
+          <a:p>
+            <a:pPr marL="305899" indent="-305899">
+              <a:buAutoNum type="arabicPeriod"/>
+              <a:defRPr/>
+            </a:pPr>
+            <a:endParaRPr sz="2000" b="0"/>
+          </a:p>
+          <a:p>
+            <a:pPr marL="305899" indent="-305899">
+              <a:buAutoNum type="arabicPeriod"/>
+              <a:defRPr/>
+            </a:pPr>
+            <a:endParaRPr sz="2000" b="0"/>
           </a:p>
         </p:txBody>
       </p:sp>
@@ -7603,7 +7578,7 @@
               </a:lnSpc>
               <a:defRPr/>
             </a:pPr>
-            <a:fld id="{FC3E638F-DBE0-485B-8CBF-3B7B32FABA5A}" type="slidenum">
+            <a:fld id="{0994E7CB-B7F9-4D09-A46C-934CDBDA0B89}" type="slidenum">
               <a:rPr lang="pt-BR" sz="1000" b="0" strike="noStrike" spc="-1">
                 <a:solidFill>
                   <a:srgbClr val="B2B2B2"/>
@@ -7628,7 +7603,7 @@
         <p:spPr bwMode="auto">
           <a:xfrm>
             <a:off x="165960" y="1430280"/>
-            <a:ext cx="8637480" cy="4569120"/>
+            <a:ext cx="8637480" cy="4357080"/>
           </a:xfrm>
           <a:prstGeom prst="rect">
             <a:avLst/>
@@ -7649,7 +7624,7 @@
           <a:p>
             <a:pPr>
               <a:lnSpc>
-                <a:spcPct val="150000"/>
+                <a:spcPct val="200000"/>
               </a:lnSpc>
               <a:defRPr/>
             </a:pPr>
@@ -7661,64 +7636,41 @@
                 <a:latin typeface="Arial"/>
                 <a:ea typeface="DejaVu Sans"/>
               </a:rPr>
-              <a:t>Suas principais operações são</a:t>
-            </a:r>
-            <a:endParaRPr lang="pt-BR" sz="2800" b="0" strike="noStrike" spc="-1">
-              <a:latin typeface="Arial"/>
-              <a:ea typeface="Noto Sans CJK SC"/>
-            </a:endParaRPr>
-          </a:p>
-          <a:p>
-            <a:pPr marL="216000" indent="-216000">
-              <a:lnSpc>
-                <a:spcPct val="150000"/>
-              </a:lnSpc>
-              <a:buClr>
-                <a:srgbClr val="000000"/>
-              </a:buClr>
-              <a:buSzPct val="45000"/>
-              <a:buFont typeface="Wingdings"/>
-              <a:buChar char=""/>
-              <a:defRPr/>
-            </a:pPr>
-            <a:r>
-              <a:rPr lang="pt-BR" sz="2800" b="0" strike="noStrike" spc="-1">
+              <a:t>O tipo de dados </a:t>
+            </a:r>
+            <a:r>
+              <a:rPr lang="pt-BR" sz="2800" b="1" u="sng" strike="noStrike" spc="-1">
                 <a:solidFill>
                   <a:srgbClr val="000000"/>
                 </a:solidFill>
                 <a:latin typeface="Arial"/>
                 <a:ea typeface="DejaVu Sans"/>
               </a:rPr>
-              <a:t>criação/destruição</a:t>
-            </a:r>
-            <a:endParaRPr lang="pt-BR" sz="2800" b="0" strike="noStrike" spc="-1">
-              <a:latin typeface="Arial"/>
-              <a:ea typeface="Noto Sans CJK SC"/>
-            </a:endParaRPr>
-          </a:p>
-          <a:p>
-            <a:pPr marL="216000" indent="-216000">
-              <a:lnSpc>
-                <a:spcPct val="150000"/>
-              </a:lnSpc>
-              <a:buClr>
-                <a:srgbClr val="000000"/>
-              </a:buClr>
-              <a:buSzPct val="45000"/>
-              <a:buFont typeface="Wingdings"/>
-              <a:buChar char=""/>
-              <a:defRPr/>
-            </a:pPr>
-            <a:r>
-              <a:rPr lang="pt-BR" sz="2800" b="1" strike="noStrike" spc="-1">
+              <a:t>vetor dinâmico</a:t>
+            </a:r>
+            <a:r>
+              <a:rPr lang="pt-BR" sz="2800" b="0" strike="noStrike" spc="-1">
                 <a:solidFill>
                   <a:srgbClr val="000000"/>
                 </a:solidFill>
                 <a:latin typeface="Arial"/>
                 <a:ea typeface="DejaVu Sans"/>
               </a:rPr>
-              <a:t>at(i)</a:t>
-            </a:r>
+              <a:t> é implementado em diversas linguagens de alto nível.</a:t>
+            </a:r>
+            <a:endParaRPr lang="pt-BR" sz="2800" b="0" strike="noStrike" spc="-1">
+              <a:latin typeface="Arial"/>
+            </a:endParaRPr>
+          </a:p>
+          <a:p>
+            <a:pPr marL="394023" indent="-394023">
+              <a:lnSpc>
+                <a:spcPct val="200000"/>
+              </a:lnSpc>
+              <a:buFont typeface="Arial"/>
+              <a:buChar char="•"/>
+              <a:defRPr/>
+            </a:pPr>
             <a:r>
               <a:rPr lang="pt-BR" sz="2800" b="0" strike="noStrike" spc="-1">
                 <a:solidFill>
@@ -7727,36 +7679,64 @@
                 <a:latin typeface="Arial"/>
                 <a:ea typeface="DejaVu Sans"/>
               </a:rPr>
-              <a:t> – devolve elemento na posição i</a:t>
+              <a:t>Python: </a:t>
+            </a:r>
+            <a:r>
+              <a:rPr lang="pt-BR" sz="2800" b="0" strike="noStrike" spc="-1">
+                <a:solidFill>
+                  <a:srgbClr val="000000"/>
+                </a:solidFill>
+                <a:latin typeface="Courier New"/>
+                <a:ea typeface="DejaVu Sans"/>
+              </a:rPr>
+              <a:t>list</a:t>
             </a:r>
             <a:endParaRPr lang="pt-BR" sz="2800" b="0" strike="noStrike" spc="-1">
               <a:latin typeface="Arial"/>
-              <a:ea typeface="Noto Sans CJK SC"/>
-            </a:endParaRPr>
-          </a:p>
-          <a:p>
-            <a:pPr marL="216000" indent="-216000">
-              <a:lnSpc>
-                <a:spcPct val="150000"/>
-              </a:lnSpc>
-              <a:buClr>
-                <a:srgbClr val="000000"/>
-              </a:buClr>
-              <a:buSzPct val="45000"/>
-              <a:buFont typeface="Wingdings"/>
-              <a:buChar char=""/>
-              <a:defRPr/>
-            </a:pPr>
-            <a:r>
-              <a:rPr lang="pt-BR" sz="2800" b="1" strike="noStrike" spc="-1">
+            </a:endParaRPr>
+          </a:p>
+          <a:p>
+            <a:pPr marL="394023" indent="-394023">
+              <a:lnSpc>
+                <a:spcPct val="200000"/>
+              </a:lnSpc>
+              <a:buFont typeface="Arial"/>
+              <a:buChar char="•"/>
+              <a:defRPr/>
+            </a:pPr>
+            <a:r>
+              <a:rPr lang="pt-BR" sz="2800" b="0" strike="noStrike" spc="-1">
                 <a:solidFill>
                   <a:srgbClr val="000000"/>
                 </a:solidFill>
                 <a:latin typeface="Arial"/>
                 <a:ea typeface="DejaVu Sans"/>
               </a:rPr>
-              <a:t>remove(i)</a:t>
-            </a:r>
+              <a:t>Java: </a:t>
+            </a:r>
+            <a:r>
+              <a:rPr lang="pt-BR" sz="2800" b="0" strike="noStrike" spc="-1">
+                <a:solidFill>
+                  <a:srgbClr val="000000"/>
+                </a:solidFill>
+                <a:latin typeface="Courier New"/>
+                <a:ea typeface="DejaVu Sans"/>
+              </a:rPr>
+              <a:t>ArrayList</a:t>
+            </a:r>
+            <a:endParaRPr lang="pt-BR" sz="2800" b="0" strike="noStrike" spc="-1">
+              <a:latin typeface="Arial"/>
+            </a:endParaRPr>
+          </a:p>
+          <a:p>
+            <a:pPr marL="394023" indent="-394023">
+              <a:lnSpc>
+                <a:spcPct val="200000"/>
+              </a:lnSpc>
+              <a:buFont typeface="Arial"/>
+              <a:buChar char="•"/>
+              <a:defRPr/>
+            </a:pPr>
             <a:r>
               <a:rPr lang="pt-BR" sz="2800" b="0" strike="noStrike" spc="-1">
                 <a:solidFill>
@@ -7765,49 +7745,20 @@
                 <a:latin typeface="Arial"/>
                 <a:ea typeface="DejaVu Sans"/>
               </a:rPr>
-              <a:t> – remove o elemento na posição i, deslocando todos os outros para a esquerda</a:t>
+              <a:t>C++: </a:t>
+            </a:r>
+            <a:r>
+              <a:rPr lang="pt-BR" sz="2800" b="0" strike="noStrike" spc="-1">
+                <a:solidFill>
+                  <a:srgbClr val="000000"/>
+                </a:solidFill>
+                <a:latin typeface="Courier New"/>
+                <a:ea typeface="DejaVu Sans"/>
+              </a:rPr>
+              <a:t>std::vector</a:t>
             </a:r>
             <a:endParaRPr lang="pt-BR" sz="2800" b="0" strike="noStrike" spc="-1">
               <a:latin typeface="Arial"/>
-              <a:ea typeface="Noto Sans CJK SC"/>
-            </a:endParaRPr>
-          </a:p>
-          <a:p>
-            <a:pPr marL="216000" indent="-216000">
-              <a:lnSpc>
-                <a:spcPct val="150000"/>
-              </a:lnSpc>
-              <a:buClr>
-                <a:srgbClr val="000000"/>
-              </a:buClr>
-              <a:buSzPct val="45000"/>
-              <a:buFont typeface="Wingdings"/>
-              <a:buChar char=""/>
-              <a:defRPr/>
-            </a:pPr>
-            <a:r>
-              <a:rPr lang="pt-BR" sz="2800" b="1" strike="noStrike" spc="-1">
-                <a:solidFill>
-                  <a:srgbClr val="000000"/>
-                </a:solidFill>
-                <a:latin typeface="Arial"/>
-                <a:ea typeface="DejaVu Sans"/>
-              </a:rPr>
-              <a:t>insert(i)</a:t>
-            </a:r>
-            <a:r>
-              <a:rPr lang="pt-BR" sz="2800" b="0" strike="noStrike" spc="-1">
-                <a:solidFill>
-                  <a:srgbClr val="000000"/>
-                </a:solidFill>
-                <a:latin typeface="Arial"/>
-                <a:ea typeface="DejaVu Sans"/>
-              </a:rPr>
-              <a:t> – insere um elemento na posição i, deslocando todos os elementos para a direita </a:t>
-            </a:r>
-            <a:endParaRPr lang="pt-BR" sz="2800" b="0" strike="noStrike" spc="-1">
-              <a:latin typeface="Arial"/>
-              <a:ea typeface="Noto Sans CJK SC"/>
             </a:endParaRPr>
           </a:p>
         </p:txBody>
@@ -8012,7 +7963,7 @@
               </a:lnSpc>
               <a:defRPr/>
             </a:pPr>
-            <a:fld id="{D6E31790-1C64-4951-AAF1-6F5AF5D4146B}" type="slidenum">
+            <a:fld id="{FC3E638F-DBE0-485B-8CBF-3B7B32FABA5A}" type="slidenum">
               <a:rPr lang="pt-BR" sz="1000" b="0" strike="noStrike" spc="-1">
                 <a:solidFill>
                   <a:srgbClr val="B2B2B2"/>
@@ -8037,7 +7988,7 @@
         <p:spPr bwMode="auto">
           <a:xfrm>
             <a:off x="165960" y="1430280"/>
-            <a:ext cx="8834040" cy="5208840"/>
+            <a:ext cx="8637480" cy="4569120"/>
           </a:xfrm>
           <a:prstGeom prst="rect">
             <a:avLst/>
@@ -8070,20 +8021,8 @@
                 <a:latin typeface="Arial"/>
                 <a:ea typeface="DejaVu Sans"/>
               </a:rPr>
-              <a:t>As operações abaixo mudam o tamanho do vetor!</a:t>
-            </a:r>
-            <a:endParaRPr lang="pt-BR" sz="2800" b="0" strike="noStrike" spc="-1">
-              <a:latin typeface="Arial"/>
-              <a:ea typeface="Noto Sans CJK SC"/>
-            </a:endParaRPr>
-          </a:p>
-          <a:p>
-            <a:pPr>
-              <a:lnSpc>
-                <a:spcPct val="150000"/>
-              </a:lnSpc>
-              <a:defRPr/>
-            </a:pPr>
+              <a:t>Suas principais operações são</a:t>
+            </a:r>
             <a:endParaRPr lang="pt-BR" sz="2800" b="0" strike="noStrike" spc="-1">
               <a:latin typeface="Arial"/>
               <a:ea typeface="Noto Sans CJK SC"/>
@@ -8103,24 +8042,14 @@
               <a:defRPr/>
             </a:pPr>
             <a:r>
-              <a:rPr lang="pt-BR" sz="2800" b="1" strike="noStrike" spc="-1">
+              <a:rPr lang="pt-BR" sz="2800" b="0" strike="noStrike" spc="-1">
                 <a:solidFill>
                   <a:srgbClr val="000000"/>
                 </a:solidFill>
                 <a:latin typeface="Arial"/>
                 <a:ea typeface="DejaVu Sans"/>
               </a:rPr>
-              <a:t>remove(i)</a:t>
-            </a:r>
-            <a:r>
-              <a:rPr lang="pt-BR" sz="2800" b="0" strike="noStrike" spc="-1">
-                <a:solidFill>
-                  <a:srgbClr val="000000"/>
-                </a:solidFill>
-                <a:latin typeface="Arial"/>
-                <a:ea typeface="DejaVu Sans"/>
-              </a:rPr>
-              <a:t> – remove o elemento na posição i, deslocando todos os outros para a esquerda</a:t>
+              <a:t>criação/destruição</a:t>
             </a:r>
             <a:endParaRPr lang="pt-BR" sz="2800" b="0" strike="noStrike" spc="-1">
               <a:latin typeface="Arial"/>
@@ -8148,7 +8077,7 @@
                 <a:latin typeface="Arial"/>
                 <a:ea typeface="DejaVu Sans"/>
               </a:rPr>
-              <a:t>insert(i)</a:t>
+              <a:t>at(i)</a:t>
             </a:r>
             <a:r>
               <a:rPr lang="pt-BR" sz="2800" b="0" strike="noStrike" spc="-1">
@@ -8158,7 +8087,7 @@
                 <a:latin typeface="Arial"/>
                 <a:ea typeface="DejaVu Sans"/>
               </a:rPr>
-              <a:t> – insere um elemento na posição i, deslocando todos os elementos para a direita </a:t>
+              <a:t> – devolve elemento na posição i</a:t>
             </a:r>
             <a:endParaRPr lang="pt-BR" sz="2800" b="0" strike="noStrike" spc="-1">
               <a:latin typeface="Arial"/>
@@ -8166,33 +8095,75 @@
             </a:endParaRPr>
           </a:p>
           <a:p>
-            <a:pPr>
+            <a:pPr marL="216000" indent="-216000">
               <a:lnSpc>
                 <a:spcPct val="150000"/>
               </a:lnSpc>
-              <a:defRPr/>
-            </a:pPr>
-            <a:endParaRPr lang="pt-BR" sz="2800" b="0" strike="noStrike" spc="-1">
-              <a:latin typeface="Arial"/>
-              <a:ea typeface="Noto Sans CJK SC"/>
-            </a:endParaRPr>
-          </a:p>
-          <a:p>
-            <a:pPr>
-              <a:lnSpc>
-                <a:spcPct val="150000"/>
-              </a:lnSpc>
-              <a:defRPr/>
-            </a:pPr>
-            <a:r>
-              <a:rPr lang="pt-BR" sz="2800" b="0" u="sng" strike="noStrike" spc="-1">
-                <a:solidFill>
-                  <a:srgbClr val="CE181E"/>
+              <a:buClr>
+                <a:srgbClr val="000000"/>
+              </a:buClr>
+              <a:buSzPct val="45000"/>
+              <a:buFont typeface="Wingdings"/>
+              <a:buChar char=""/>
+              <a:defRPr/>
+            </a:pPr>
+            <a:r>
+              <a:rPr lang="pt-BR" sz="2800" b="1" strike="noStrike" spc="-1">
+                <a:solidFill>
+                  <a:srgbClr val="000000"/>
                 </a:solidFill>
                 <a:latin typeface="Arial"/>
                 <a:ea typeface="DejaVu Sans"/>
               </a:rPr>
-              <a:t>Não é preciso declarar tamanho para o vetor dinâmico</a:t>
+              <a:t>remove(i)</a:t>
+            </a:r>
+            <a:r>
+              <a:rPr lang="pt-BR" sz="2800" b="0" strike="noStrike" spc="-1">
+                <a:solidFill>
+                  <a:srgbClr val="000000"/>
+                </a:solidFill>
+                <a:latin typeface="Arial"/>
+                <a:ea typeface="DejaVu Sans"/>
+              </a:rPr>
+              <a:t> – remove o elemento na posição i, deslocando todos os outros para a esquerda</a:t>
+            </a:r>
+            <a:endParaRPr lang="pt-BR" sz="2800" b="0" strike="noStrike" spc="-1">
+              <a:latin typeface="Arial"/>
+              <a:ea typeface="Noto Sans CJK SC"/>
+            </a:endParaRPr>
+          </a:p>
+          <a:p>
+            <a:pPr marL="216000" indent="-216000">
+              <a:lnSpc>
+                <a:spcPct val="150000"/>
+              </a:lnSpc>
+              <a:buClr>
+                <a:srgbClr val="000000"/>
+              </a:buClr>
+              <a:buSzPct val="45000"/>
+              <a:buFont typeface="Wingdings"/>
+              <a:buChar char=""/>
+              <a:defRPr/>
+            </a:pPr>
+            <a:r>
+              <a:rPr lang="pt-BR" sz="2800" b="1" strike="noStrike" spc="-1">
+                <a:solidFill>
+                  <a:srgbClr val="000000"/>
+                </a:solidFill>
+                <a:latin typeface="Arial"/>
+                <a:ea typeface="DejaVu Sans"/>
+              </a:rPr>
+              <a:t>insert(i)</a:t>
+            </a:r>
+            <a:r>
+              <a:rPr lang="pt-BR" sz="2800" b="0" strike="noStrike" spc="-1">
+                <a:solidFill>
+                  <a:srgbClr val="000000"/>
+                </a:solidFill>
+                <a:latin typeface="Arial"/>
+                <a:ea typeface="DejaVu Sans"/>
+              </a:rPr>
+              <a:t> – insere um elemento na posição i, deslocando todos os elementos para a direita </a:t>
             </a:r>
             <a:endParaRPr lang="pt-BR" sz="2800" b="0" strike="noStrike" spc="-1">
               <a:latin typeface="Arial"/>
@@ -8276,7 +8247,7 @@
                 <a:latin typeface="Verdana"/>
                 <a:ea typeface="Verdana"/>
               </a:rPr>
-              <a:t>Vetor dinâmico - capacidade</a:t>
+              <a:t>Vetor dinâmico</a:t>
             </a:r>
             <a:endParaRPr lang="pt-BR" sz="3200" b="0" strike="noStrike" spc="-1">
               <a:latin typeface="Arial"/>
@@ -8401,7 +8372,7 @@
               </a:lnSpc>
               <a:defRPr/>
             </a:pPr>
-            <a:fld id="{5DC3DE1E-1301-4DAD-9BCB-3039D25E1FFD}" type="slidenum">
+            <a:fld id="{D6E31790-1C64-4951-AAF1-6F5AF5D4146B}" type="slidenum">
               <a:rPr lang="pt-BR" sz="1000" b="0" strike="noStrike" spc="-1">
                 <a:solidFill>
                   <a:srgbClr val="B2B2B2"/>
@@ -8426,7 +8397,7 @@
         <p:spPr bwMode="auto">
           <a:xfrm>
             <a:off x="165960" y="1430280"/>
-            <a:ext cx="8978040" cy="4569840"/>
+            <a:ext cx="8834040" cy="5208840"/>
           </a:xfrm>
           <a:prstGeom prst="rect">
             <a:avLst/>
@@ -8459,78 +8430,48 @@
                 <a:latin typeface="Arial"/>
                 <a:ea typeface="DejaVu Sans"/>
               </a:rPr>
-              <a:t>Relembrando </a:t>
-            </a:r>
-            <a:r>
-              <a:rPr lang="pt-BR" sz="2800" b="0" i="1" strike="noStrike" spc="-1">
+              <a:t>As operações abaixo mudam o tamanho do vetor!</a:t>
+            </a:r>
+            <a:endParaRPr lang="pt-BR" sz="2800" b="0" strike="noStrike" spc="-1">
+              <a:latin typeface="Arial"/>
+              <a:ea typeface="Noto Sans CJK SC"/>
+            </a:endParaRPr>
+          </a:p>
+          <a:p>
+            <a:pPr>
+              <a:lnSpc>
+                <a:spcPct val="150000"/>
+              </a:lnSpc>
+              <a:defRPr/>
+            </a:pPr>
+            <a:endParaRPr lang="pt-BR" sz="2800" b="0" strike="noStrike" spc="-1">
+              <a:latin typeface="Arial"/>
+              <a:ea typeface="Noto Sans CJK SC"/>
+            </a:endParaRPr>
+          </a:p>
+          <a:p>
+            <a:pPr marL="216000" indent="-216000">
+              <a:lnSpc>
+                <a:spcPct val="150000"/>
+              </a:lnSpc>
+              <a:buClr>
+                <a:srgbClr val="000000"/>
+              </a:buClr>
+              <a:buSzPct val="45000"/>
+              <a:buFont typeface="Wingdings"/>
+              <a:buChar char=""/>
+              <a:defRPr/>
+            </a:pPr>
+            <a:r>
+              <a:rPr lang="pt-BR" sz="2800" b="1" strike="noStrike" spc="-1">
                 <a:solidFill>
                   <a:srgbClr val="000000"/>
                 </a:solidFill>
                 <a:latin typeface="Arial"/>
                 <a:ea typeface="DejaVu Sans"/>
               </a:rPr>
-              <a:t>Desafios</a:t>
-            </a:r>
-            <a:endParaRPr lang="pt-BR" sz="2800" b="0" strike="noStrike" spc="-1">
-              <a:latin typeface="Arial"/>
-              <a:ea typeface="Noto Sans CJK SC"/>
-            </a:endParaRPr>
-          </a:p>
-          <a:p>
-            <a:pPr>
-              <a:lnSpc>
-                <a:spcPct val="150000"/>
-              </a:lnSpc>
-              <a:defRPr/>
-            </a:pPr>
-            <a:endParaRPr lang="pt-BR" sz="2800" b="0" strike="noStrike" spc="-1">
-              <a:latin typeface="Arial"/>
-              <a:ea typeface="Noto Sans CJK SC"/>
-            </a:endParaRPr>
-          </a:p>
-          <a:p>
-            <a:pPr>
-              <a:lnSpc>
-                <a:spcPct val="150000"/>
-              </a:lnSpc>
-              <a:defRPr/>
-            </a:pPr>
-            <a:endParaRPr lang="pt-BR" sz="2800" b="0" strike="noStrike" spc="-1">
-              <a:latin typeface="Arial"/>
-              <a:ea typeface="Noto Sans CJK SC"/>
-            </a:endParaRPr>
-          </a:p>
-          <a:p>
-            <a:pPr>
-              <a:lnSpc>
-                <a:spcPct val="150000"/>
-              </a:lnSpc>
-              <a:defRPr/>
-            </a:pPr>
-            <a:endParaRPr lang="pt-BR" sz="2800" b="0" strike="noStrike" spc="-1">
-              <a:latin typeface="Arial"/>
-              <a:ea typeface="Noto Sans CJK SC"/>
-            </a:endParaRPr>
-          </a:p>
-          <a:p>
-            <a:pPr>
-              <a:lnSpc>
-                <a:spcPct val="150000"/>
-              </a:lnSpc>
-              <a:defRPr/>
-            </a:pPr>
-            <a:endParaRPr lang="pt-BR" sz="2800" b="0" strike="noStrike" spc="-1">
-              <a:latin typeface="Arial"/>
-              <a:ea typeface="Noto Sans CJK SC"/>
-            </a:endParaRPr>
-          </a:p>
-          <a:p>
-            <a:pPr>
-              <a:lnSpc>
-                <a:spcPct val="150000"/>
-              </a:lnSpc>
-              <a:defRPr/>
-            </a:pPr>
+              <a:t>remove(i)</a:t>
+            </a:r>
             <a:r>
               <a:rPr lang="pt-BR" sz="2800" b="0" strike="noStrike" spc="-1">
                 <a:solidFill>
@@ -8539,61 +8480,87 @@
                 <a:latin typeface="Arial"/>
                 <a:ea typeface="DejaVu Sans"/>
               </a:rPr>
-              <a:t>Supondo que soubéssemos o tamanho máximo que o vetor dinâmico assumiria, podemos aplicar esta técnica</a:t>
+              <a:t> – remove o elemento na posição i, deslocando todos os outros para a esquerda</a:t>
             </a:r>
             <a:endParaRPr lang="pt-BR" sz="2800" b="0" strike="noStrike" spc="-1">
               <a:latin typeface="Arial"/>
               <a:ea typeface="Noto Sans CJK SC"/>
             </a:endParaRPr>
           </a:p>
-        </p:txBody>
-      </p:sp>
-      <p:pic>
-        <p:nvPicPr>
-          <p:cNvPr id="9" name="" descr="" hidden="0"/>
-          <p:cNvPicPr/>
-          <p:nvPr isPhoto="0" userDrawn="0"/>
-        </p:nvPicPr>
-        <p:blipFill>
-          <a:blip r:embed="rId2"/>
-          <a:stretch/>
-        </p:blipFill>
-        <p:spPr bwMode="auto">
-          <a:xfrm>
-            <a:off x="792000" y="2808000"/>
-            <a:ext cx="4552560" cy="1123560"/>
-          </a:xfrm>
-          <a:prstGeom prst="rect">
-            <a:avLst/>
-          </a:prstGeom>
-          <a:ln>
-            <a:noFill/>
-          </a:ln>
-        </p:spPr>
-      </p:pic>
-      <p:pic>
-        <p:nvPicPr>
-          <p:cNvPr id="10" name="" descr="" hidden="0"/>
-          <p:cNvPicPr/>
-          <p:nvPr isPhoto="0" userDrawn="0"/>
-        </p:nvPicPr>
-        <p:blipFill>
-          <a:blip r:embed="rId3"/>
-          <a:stretch/>
-        </p:blipFill>
-        <p:spPr bwMode="auto">
-          <a:xfrm>
-            <a:off x="792000" y="2808000"/>
-            <a:ext cx="7293600" cy="1800000"/>
-          </a:xfrm>
-          <a:prstGeom prst="rect">
-            <a:avLst/>
-          </a:prstGeom>
-          <a:ln>
-            <a:noFill/>
-          </a:ln>
-        </p:spPr>
-      </p:pic>
+          <a:p>
+            <a:pPr marL="216000" indent="-216000">
+              <a:lnSpc>
+                <a:spcPct val="150000"/>
+              </a:lnSpc>
+              <a:buClr>
+                <a:srgbClr val="000000"/>
+              </a:buClr>
+              <a:buSzPct val="45000"/>
+              <a:buFont typeface="Wingdings"/>
+              <a:buChar char=""/>
+              <a:defRPr/>
+            </a:pPr>
+            <a:r>
+              <a:rPr lang="pt-BR" sz="2800" b="1" strike="noStrike" spc="-1">
+                <a:solidFill>
+                  <a:srgbClr val="000000"/>
+                </a:solidFill>
+                <a:latin typeface="Arial"/>
+                <a:ea typeface="DejaVu Sans"/>
+              </a:rPr>
+              <a:t>insert(i)</a:t>
+            </a:r>
+            <a:r>
+              <a:rPr lang="pt-BR" sz="2800" b="0" strike="noStrike" spc="-1">
+                <a:solidFill>
+                  <a:srgbClr val="000000"/>
+                </a:solidFill>
+                <a:latin typeface="Arial"/>
+                <a:ea typeface="DejaVu Sans"/>
+              </a:rPr>
+              <a:t> – insere um elemento na posição i, deslocando todos os elementos para a direita </a:t>
+            </a:r>
+            <a:endParaRPr lang="pt-BR" sz="2800" b="0" strike="noStrike" spc="-1">
+              <a:latin typeface="Arial"/>
+              <a:ea typeface="Noto Sans CJK SC"/>
+            </a:endParaRPr>
+          </a:p>
+          <a:p>
+            <a:pPr>
+              <a:lnSpc>
+                <a:spcPct val="150000"/>
+              </a:lnSpc>
+              <a:defRPr/>
+            </a:pPr>
+            <a:endParaRPr lang="pt-BR" sz="2800" b="0" strike="noStrike" spc="-1">
+              <a:latin typeface="Arial"/>
+              <a:ea typeface="Noto Sans CJK SC"/>
+            </a:endParaRPr>
+          </a:p>
+          <a:p>
+            <a:pPr>
+              <a:lnSpc>
+                <a:spcPct val="150000"/>
+              </a:lnSpc>
+              <a:defRPr/>
+            </a:pPr>
+            <a:r>
+              <a:rPr lang="pt-BR" sz="2800" b="0" u="sng" strike="noStrike" spc="-1">
+                <a:solidFill>
+                  <a:srgbClr val="CE181E"/>
+                </a:solidFill>
+                <a:latin typeface="Arial"/>
+                <a:ea typeface="DejaVu Sans"/>
+              </a:rPr>
+              <a:t>Não é preciso declarar tamanho para o vetor dinâmico</a:t>
+            </a:r>
+            <a:endParaRPr lang="pt-BR" sz="2800" b="0" strike="noStrike" spc="-1">
+              <a:latin typeface="Arial"/>
+              <a:ea typeface="Noto Sans CJK SC"/>
+            </a:endParaRPr>
+          </a:p>
+        </p:txBody>
+      </p:sp>
     </p:spTree>
   </p:cSld>
   <p:clrMapOvr>
@@ -8794,7 +8761,7 @@
               </a:lnSpc>
               <a:defRPr/>
             </a:pPr>
-            <a:fld id="{0E2FBB3A-0D4B-4B55-BC87-BDA7A5FCFF4D}" type="slidenum">
+            <a:fld id="{5DC3DE1E-1301-4DAD-9BCB-3039D25E1FFD}" type="slidenum">
               <a:rPr lang="pt-BR" sz="1000" b="0" strike="noStrike" spc="-1">
                 <a:solidFill>
                   <a:srgbClr val="B2B2B2"/>
@@ -8819,7 +8786,7 @@
         <p:spPr bwMode="auto">
           <a:xfrm>
             <a:off x="165960" y="1430280"/>
-            <a:ext cx="8978040" cy="4569120"/>
+            <a:ext cx="8978040" cy="4569840"/>
           </a:xfrm>
           <a:prstGeom prst="rect">
             <a:avLst/>
@@ -8852,27 +8819,17 @@
                 <a:latin typeface="Arial"/>
                 <a:ea typeface="DejaVu Sans"/>
               </a:rPr>
-              <a:t>E se </a:t>
-            </a:r>
-            <a:r>
-              <a:rPr lang="pt-BR" sz="2800" b="0" strike="noStrike" spc="-1">
-                <a:solidFill>
-                  <a:srgbClr val="000000"/>
-                </a:solidFill>
-                <a:latin typeface="Courier New"/>
-                <a:ea typeface="DejaVu Sans"/>
-              </a:rPr>
-              <a:t>tamanho == capacidade</a:t>
-            </a:r>
-            <a:r>
-              <a:rPr lang="pt-BR" sz="2800" b="0" strike="noStrike" spc="-1">
+              <a:t>Relembrando </a:t>
+            </a:r>
+            <a:r>
+              <a:rPr lang="pt-BR" sz="2800" b="0" i="1" strike="noStrike" spc="-1">
                 <a:solidFill>
                   <a:srgbClr val="000000"/>
                 </a:solidFill>
                 <a:latin typeface="Arial"/>
                 <a:ea typeface="DejaVu Sans"/>
               </a:rPr>
-              <a:t>?</a:t>
+              <a:t>Desafios</a:t>
             </a:r>
             <a:endParaRPr lang="pt-BR" sz="2800" b="0" strike="noStrike" spc="-1">
               <a:latin typeface="Arial"/>
@@ -8942,7 +8899,7 @@
                 <a:latin typeface="Arial"/>
                 <a:ea typeface="DejaVu Sans"/>
               </a:rPr>
-              <a:t>Bom, nesse caso precisamos de um espaço de memória maior para nosso vetor!</a:t>
+              <a:t>Supondo que soubéssemos o tamanho máximo que o vetor dinâmico assumiria, podemos aplicar esta técnica</a:t>
             </a:r>
             <a:endParaRPr lang="pt-BR" sz="2800" b="0" strike="noStrike" spc="-1">
               <a:latin typeface="Arial"/>
@@ -9065,14 +9022,14 @@
               <a:defRPr/>
             </a:pPr>
             <a:r>
-              <a:rPr lang="pt-BR" sz="3200" b="1" strike="noStrike" spc="-1">
+              <a:rPr lang="pt-BR" sz="3200" b="0" strike="noStrike" spc="-1">
                 <a:solidFill>
                   <a:srgbClr val="C00026"/>
                 </a:solidFill>
-                <a:latin typeface="Courier New"/>
+                <a:latin typeface="Verdana"/>
                 <a:ea typeface="Verdana"/>
               </a:rPr>
-              <a:t>realloc</a:t>
+              <a:t>Vetor dinâmico - capacidade</a:t>
             </a:r>
             <a:endParaRPr lang="pt-BR" sz="3200" b="0" strike="noStrike" spc="-1">
               <a:latin typeface="Arial"/>
@@ -9117,17 +9074,7 @@
               </a:spcBef>
               <a:defRPr/>
             </a:pPr>
-            <a:r>
-              <a:rPr lang="pt-BR" sz="2400" b="1" strike="noStrike" spc="-1">
-                <a:solidFill>
-                  <a:srgbClr val="000000"/>
-                </a:solidFill>
-                <a:latin typeface="Consolas"/>
-                <a:ea typeface="Verdana"/>
-              </a:rPr>
-              <a:t>#include &lt;stdlib.h&gt;</a:t>
-            </a:r>
-            <a:endParaRPr lang="pt-BR" sz="2400" b="0" strike="noStrike" spc="-1">
+            <a:endParaRPr lang="pt-BR" sz="1800" b="0" strike="noStrike" spc="-1">
               <a:latin typeface="Arial"/>
             </a:endParaRPr>
           </a:p>
@@ -9141,221 +9088,7 @@
               </a:spcBef>
               <a:defRPr/>
             </a:pPr>
-            <a:r>
-              <a:rPr lang="pt-BR" sz="2400" b="1" strike="noStrike" spc="-1">
-                <a:solidFill>
-                  <a:srgbClr val="000000"/>
-                </a:solidFill>
-                <a:latin typeface="Consolas"/>
-                <a:ea typeface="Verdana"/>
-              </a:rPr>
-              <a:t>void *realloc(void *ptr, size_t new_size)</a:t>
-            </a:r>
-            <a:endParaRPr lang="pt-BR" sz="2400" b="0" strike="noStrike" spc="-1">
-              <a:latin typeface="Arial"/>
-            </a:endParaRPr>
-          </a:p>
-          <a:p>
-            <a:pPr>
-              <a:lnSpc>
-                <a:spcPct val="100000"/>
-              </a:lnSpc>
-              <a:spcBef>
-                <a:spcPts val="479"/>
-              </a:spcBef>
-              <a:defRPr/>
-            </a:pPr>
-            <a:endParaRPr lang="pt-BR" sz="2400" b="0" strike="noStrike" spc="-1">
-              <a:latin typeface="Arial"/>
-            </a:endParaRPr>
-          </a:p>
-          <a:p>
-            <a:pPr>
-              <a:lnSpc>
-                <a:spcPct val="100000"/>
-              </a:lnSpc>
-              <a:spcBef>
-                <a:spcPts val="479"/>
-              </a:spcBef>
-              <a:defRPr/>
-            </a:pPr>
-            <a:endParaRPr lang="pt-BR" sz="2400" b="0" strike="noStrike" spc="-1">
-              <a:latin typeface="Arial"/>
-            </a:endParaRPr>
-          </a:p>
-          <a:p>
-            <a:pPr>
-              <a:lnSpc>
-                <a:spcPct val="100000"/>
-              </a:lnSpc>
-              <a:spcBef>
-                <a:spcPts val="479"/>
-              </a:spcBef>
-              <a:defRPr/>
-            </a:pPr>
-            <a:r>
-              <a:rPr lang="pt-BR" sz="2400" b="1" strike="noStrike" spc="-1">
-                <a:solidFill>
-                  <a:srgbClr val="376092"/>
-                </a:solidFill>
-                <a:latin typeface="Verdana"/>
-                <a:ea typeface="Verdana"/>
-              </a:rPr>
-              <a:t>Se bem sucedido</a:t>
-            </a:r>
-            <a:r>
-              <a:rPr lang="pt-BR" sz="2400" b="0" strike="noStrike" spc="-1">
-                <a:solidFill>
-                  <a:srgbClr val="000000"/>
-                </a:solidFill>
-                <a:latin typeface="Verdana"/>
-                <a:ea typeface="Verdana"/>
-              </a:rPr>
-              <a:t>: aloca um novo bloco de tamanho new_size, c</a:t>
-            </a:r>
-            <a:r>
-              <a:rPr lang="pt-BR" sz="2400" b="0" strike="noStrike" spc="-1">
-                <a:solidFill>
-                  <a:srgbClr val="000000"/>
-                </a:solidFill>
-                <a:latin typeface="Verdana"/>
-                <a:ea typeface="Verdana"/>
-              </a:rPr>
-              <a:t>opia o conteúdo apontado por </a:t>
-            </a:r>
-            <a:r>
-              <a:rPr lang="pt-BR" sz="2400" b="0" strike="noStrike" spc="-1">
-                <a:solidFill>
-                  <a:srgbClr val="000000"/>
-                </a:solidFill>
-                <a:latin typeface="Courier New"/>
-                <a:ea typeface="Verdana"/>
-              </a:rPr>
-              <a:t>ptr </a:t>
-            </a:r>
-            <a:r>
-              <a:rPr lang="pt-BR" sz="2400" b="0" strike="noStrike" spc="-1">
-                <a:solidFill>
-                  <a:srgbClr val="000000"/>
-                </a:solidFill>
-                <a:latin typeface="Verdana"/>
-                <a:ea typeface="Verdana"/>
-              </a:rPr>
-              <a:t>para o novo bloco e retorna seu endereço. Antes de retornar chama </a:t>
-            </a:r>
-            <a:r>
-              <a:rPr lang="pt-BR" sz="2400" b="0" strike="noStrike" spc="-1">
-                <a:solidFill>
-                  <a:srgbClr val="000000"/>
-                </a:solidFill>
-                <a:latin typeface="Courier New"/>
-                <a:ea typeface="Verdana"/>
-              </a:rPr>
-              <a:t>free(ptr)</a:t>
-            </a:r>
-            <a:r>
-              <a:rPr lang="pt-BR" sz="2400" b="0" strike="noStrike" spc="-1">
-                <a:solidFill>
-                  <a:srgbClr val="000000"/>
-                </a:solidFill>
-                <a:latin typeface="Verdana"/>
-                <a:ea typeface="Verdana"/>
-              </a:rPr>
-              <a:t>.</a:t>
-            </a:r>
-            <a:endParaRPr lang="pt-BR" sz="2400" b="0" strike="noStrike" spc="-1">
-              <a:latin typeface="Arial"/>
-            </a:endParaRPr>
-          </a:p>
-          <a:p>
-            <a:pPr>
-              <a:lnSpc>
-                <a:spcPct val="100000"/>
-              </a:lnSpc>
-              <a:spcBef>
-                <a:spcPts val="479"/>
-              </a:spcBef>
-              <a:defRPr/>
-            </a:pPr>
-            <a:endParaRPr lang="pt-BR" sz="2400" b="0" strike="noStrike" spc="-1">
-              <a:latin typeface="Arial"/>
-            </a:endParaRPr>
-          </a:p>
-          <a:p>
-            <a:pPr>
-              <a:lnSpc>
-                <a:spcPct val="100000"/>
-              </a:lnSpc>
-              <a:spcBef>
-                <a:spcPts val="479"/>
-              </a:spcBef>
-              <a:defRPr/>
-            </a:pPr>
-            <a:endParaRPr lang="pt-BR" sz="2400" b="0" strike="noStrike" spc="-1">
-              <a:latin typeface="Arial"/>
-            </a:endParaRPr>
-          </a:p>
-          <a:p>
-            <a:pPr>
-              <a:lnSpc>
-                <a:spcPct val="100000"/>
-              </a:lnSpc>
-              <a:spcBef>
-                <a:spcPts val="479"/>
-              </a:spcBef>
-              <a:defRPr/>
-            </a:pPr>
-            <a:r>
-              <a:rPr lang="pt-BR" sz="2400" b="1" strike="noStrike" spc="-1">
-                <a:solidFill>
-                  <a:srgbClr val="376092"/>
-                </a:solidFill>
-                <a:latin typeface="Verdana"/>
-                <a:ea typeface="Verdana"/>
-              </a:rPr>
-              <a:t>Se falhou</a:t>
-            </a:r>
-            <a:r>
-              <a:rPr lang="pt-BR" sz="2400" b="0" strike="noStrike" spc="-1">
-                <a:solidFill>
-                  <a:srgbClr val="000000"/>
-                </a:solidFill>
-                <a:latin typeface="Verdana"/>
-                <a:ea typeface="Verdana"/>
-              </a:rPr>
-              <a:t>: retorna </a:t>
-            </a:r>
-            <a:r>
-              <a:rPr lang="pt-BR" sz="2400" b="1" strike="noStrike" spc="-1">
-                <a:solidFill>
-                  <a:srgbClr val="000000"/>
-                </a:solidFill>
-                <a:latin typeface="Courier New"/>
-                <a:ea typeface="Verdana"/>
-              </a:rPr>
-              <a:t>NULL</a:t>
-            </a:r>
-            <a:r>
-              <a:rPr lang="pt-BR" sz="2400" b="0" strike="noStrike" spc="-1">
-                <a:solidFill>
-                  <a:srgbClr val="000000"/>
-                </a:solidFill>
-                <a:latin typeface="Verdana"/>
-                <a:ea typeface="Verdana"/>
-              </a:rPr>
-              <a:t> e preenche </a:t>
-            </a:r>
-            <a:r>
-              <a:rPr lang="pt-BR" sz="2400" b="1" strike="noStrike" spc="-1">
-                <a:solidFill>
-                  <a:srgbClr val="000000"/>
-                </a:solidFill>
-                <a:latin typeface="Courier New"/>
-                <a:ea typeface="Verdana"/>
-              </a:rPr>
-              <a:t>errno</a:t>
-            </a:r>
-            <a:endParaRPr lang="pt-BR" sz="2400" b="0" strike="noStrike" spc="-1">
+            <a:endParaRPr lang="pt-BR" sz="1800" b="0" strike="noStrike" spc="-1">
               <a:latin typeface="Arial"/>
             </a:endParaRPr>
           </a:p>
@@ -9421,7 +9154,7 @@
               </a:lnSpc>
               <a:defRPr/>
             </a:pPr>
-            <a:fld id="{CE8A166A-612F-4082-81DD-EEE5FDE2C570}" type="slidenum">
+            <a:fld id="{0E2FBB3A-0D4B-4B55-BC87-BDA7A5FCFF4D}" type="slidenum">
               <a:rPr lang="pt-BR" sz="1000" b="0" strike="noStrike" spc="-1">
                 <a:solidFill>
                   <a:srgbClr val="B2B2B2"/>
@@ -9437,6 +9170,193 @@
           </a:p>
         </p:txBody>
       </p:sp>
+      <p:sp>
+        <p:nvSpPr>
+          <p:cNvPr id="8" name="CustomShape 5" hidden="0"/>
+          <p:cNvSpPr/>
+          <p:nvPr isPhoto="0" userDrawn="0"/>
+        </p:nvSpPr>
+        <p:spPr bwMode="auto">
+          <a:xfrm>
+            <a:off x="165960" y="1430280"/>
+            <a:ext cx="8978040" cy="4569120"/>
+          </a:xfrm>
+          <a:prstGeom prst="rect">
+            <a:avLst/>
+          </a:prstGeom>
+          <a:noFill/>
+          <a:ln>
+            <a:noFill/>
+          </a:ln>
+        </p:spPr>
+        <p:style>
+          <a:lnRef idx="0"/>
+          <a:fillRef idx="0"/>
+          <a:effectRef idx="0"/>
+          <a:fontRef idx="minor"/>
+        </p:style>
+        <p:txBody>
+          <a:bodyPr/>
+          <a:p>
+            <a:pPr>
+              <a:lnSpc>
+                <a:spcPct val="150000"/>
+              </a:lnSpc>
+              <a:defRPr/>
+            </a:pPr>
+            <a:r>
+              <a:rPr lang="pt-BR" sz="2800" b="0" strike="noStrike" spc="-1">
+                <a:solidFill>
+                  <a:srgbClr val="000000"/>
+                </a:solidFill>
+                <a:latin typeface="Arial"/>
+                <a:ea typeface="DejaVu Sans"/>
+              </a:rPr>
+              <a:t>E se </a:t>
+            </a:r>
+            <a:r>
+              <a:rPr lang="pt-BR" sz="2800" b="0" strike="noStrike" spc="-1">
+                <a:solidFill>
+                  <a:srgbClr val="000000"/>
+                </a:solidFill>
+                <a:latin typeface="Courier New"/>
+                <a:ea typeface="DejaVu Sans"/>
+              </a:rPr>
+              <a:t>tamanho == capacidade</a:t>
+            </a:r>
+            <a:r>
+              <a:rPr lang="pt-BR" sz="2800" b="0" strike="noStrike" spc="-1">
+                <a:solidFill>
+                  <a:srgbClr val="000000"/>
+                </a:solidFill>
+                <a:latin typeface="Arial"/>
+                <a:ea typeface="DejaVu Sans"/>
+              </a:rPr>
+              <a:t>?</a:t>
+            </a:r>
+            <a:endParaRPr lang="pt-BR" sz="2800" b="0" strike="noStrike" spc="-1">
+              <a:latin typeface="Arial"/>
+              <a:ea typeface="Noto Sans CJK SC"/>
+            </a:endParaRPr>
+          </a:p>
+          <a:p>
+            <a:pPr>
+              <a:lnSpc>
+                <a:spcPct val="150000"/>
+              </a:lnSpc>
+              <a:defRPr/>
+            </a:pPr>
+            <a:endParaRPr lang="pt-BR" sz="2800" b="0" strike="noStrike" spc="-1">
+              <a:latin typeface="Arial"/>
+              <a:ea typeface="Noto Sans CJK SC"/>
+            </a:endParaRPr>
+          </a:p>
+          <a:p>
+            <a:pPr>
+              <a:lnSpc>
+                <a:spcPct val="150000"/>
+              </a:lnSpc>
+              <a:defRPr/>
+            </a:pPr>
+            <a:endParaRPr lang="pt-BR" sz="2800" b="0" strike="noStrike" spc="-1">
+              <a:latin typeface="Arial"/>
+              <a:ea typeface="Noto Sans CJK SC"/>
+            </a:endParaRPr>
+          </a:p>
+          <a:p>
+            <a:pPr>
+              <a:lnSpc>
+                <a:spcPct val="150000"/>
+              </a:lnSpc>
+              <a:defRPr/>
+            </a:pPr>
+            <a:endParaRPr lang="pt-BR" sz="2800" b="0" strike="noStrike" spc="-1">
+              <a:latin typeface="Arial"/>
+              <a:ea typeface="Noto Sans CJK SC"/>
+            </a:endParaRPr>
+          </a:p>
+          <a:p>
+            <a:pPr>
+              <a:lnSpc>
+                <a:spcPct val="150000"/>
+              </a:lnSpc>
+              <a:defRPr/>
+            </a:pPr>
+            <a:endParaRPr lang="pt-BR" sz="2800" b="0" strike="noStrike" spc="-1">
+              <a:latin typeface="Arial"/>
+              <a:ea typeface="Noto Sans CJK SC"/>
+            </a:endParaRPr>
+          </a:p>
+          <a:p>
+            <a:pPr>
+              <a:lnSpc>
+                <a:spcPct val="150000"/>
+              </a:lnSpc>
+              <a:defRPr/>
+            </a:pPr>
+            <a:r>
+              <a:rPr lang="pt-BR" sz="2800" b="0" strike="noStrike" spc="-1">
+                <a:solidFill>
+                  <a:srgbClr val="000000"/>
+                </a:solidFill>
+                <a:latin typeface="Arial"/>
+                <a:ea typeface="DejaVu Sans"/>
+              </a:rPr>
+              <a:t>Bom, nesse caso precisamos de um espaço de memória maior para nosso vetor!</a:t>
+            </a:r>
+            <a:endParaRPr lang="pt-BR" sz="2800" b="0" strike="noStrike" spc="-1">
+              <a:latin typeface="Arial"/>
+              <a:ea typeface="Noto Sans CJK SC"/>
+            </a:endParaRPr>
+          </a:p>
+        </p:txBody>
+      </p:sp>
+      <p:pic>
+        <p:nvPicPr>
+          <p:cNvPr id="9" name="" descr="" hidden="0"/>
+          <p:cNvPicPr/>
+          <p:nvPr isPhoto="0" userDrawn="0"/>
+        </p:nvPicPr>
+        <p:blipFill>
+          <a:blip r:embed="rId2"/>
+          <a:stretch/>
+        </p:blipFill>
+        <p:spPr bwMode="auto">
+          <a:xfrm>
+            <a:off x="792000" y="2808000"/>
+            <a:ext cx="4552560" cy="1123560"/>
+          </a:xfrm>
+          <a:prstGeom prst="rect">
+            <a:avLst/>
+          </a:prstGeom>
+          <a:ln>
+            <a:noFill/>
+          </a:ln>
+        </p:spPr>
+      </p:pic>
+      <p:pic>
+        <p:nvPicPr>
+          <p:cNvPr id="10" name="" descr="" hidden="0"/>
+          <p:cNvPicPr/>
+          <p:nvPr isPhoto="0" userDrawn="0"/>
+        </p:nvPicPr>
+        <p:blipFill>
+          <a:blip r:embed="rId3"/>
+          <a:stretch/>
+        </p:blipFill>
+        <p:spPr bwMode="auto">
+          <a:xfrm>
+            <a:off x="792000" y="2808000"/>
+            <a:ext cx="7293600" cy="1800000"/>
+          </a:xfrm>
+          <a:prstGeom prst="rect">
+            <a:avLst/>
+          </a:prstGeom>
+          <a:ln>
+            <a:noFill/>
+          </a:ln>
+        </p:spPr>
+      </p:pic>
     </p:spTree>
   </p:cSld>
   <p:clrMapOvr>
@@ -9505,14 +9425,14 @@
               <a:defRPr/>
             </a:pPr>
             <a:r>
-              <a:rPr lang="pt-BR" sz="3200" b="0" strike="noStrike" spc="-1">
+              <a:rPr lang="pt-BR" sz="3200" b="1" strike="noStrike" spc="-1">
                 <a:solidFill>
                   <a:srgbClr val="C00026"/>
                 </a:solidFill>
-                <a:latin typeface="Verdana"/>
+                <a:latin typeface="Courier New"/>
                 <a:ea typeface="Verdana"/>
               </a:rPr>
-              <a:t>Vetor dinâmico - capacidade</a:t>
+              <a:t>realloc</a:t>
             </a:r>
             <a:endParaRPr lang="pt-BR" sz="3200" b="0" strike="noStrike" spc="-1">
               <a:latin typeface="Arial"/>
@@ -9557,7 +9477,17 @@
               </a:spcBef>
               <a:defRPr/>
             </a:pPr>
-            <a:endParaRPr lang="pt-BR" sz="1800" b="0" strike="noStrike" spc="-1">
+            <a:r>
+              <a:rPr lang="pt-BR" sz="2400" b="1" strike="noStrike" spc="-1">
+                <a:solidFill>
+                  <a:srgbClr val="000000"/>
+                </a:solidFill>
+                <a:latin typeface="Consolas"/>
+                <a:ea typeface="Verdana"/>
+              </a:rPr>
+              <a:t>#include &lt;stdlib.h&gt;</a:t>
+            </a:r>
+            <a:endParaRPr lang="pt-BR" sz="2400" b="0" strike="noStrike" spc="-1">
               <a:latin typeface="Arial"/>
             </a:endParaRPr>
           </a:p>
@@ -9571,7 +9501,221 @@
               </a:spcBef>
               <a:defRPr/>
             </a:pPr>
-            <a:endParaRPr lang="pt-BR" sz="1800" b="0" strike="noStrike" spc="-1">
+            <a:r>
+              <a:rPr lang="pt-BR" sz="2400" b="1" strike="noStrike" spc="-1">
+                <a:solidFill>
+                  <a:srgbClr val="000000"/>
+                </a:solidFill>
+                <a:latin typeface="Consolas"/>
+                <a:ea typeface="Verdana"/>
+              </a:rPr>
+              <a:t>void *realloc(void *ptr, size_t new_size)</a:t>
+            </a:r>
+            <a:endParaRPr lang="pt-BR" sz="2400" b="0" strike="noStrike" spc="-1">
+              <a:latin typeface="Arial"/>
+            </a:endParaRPr>
+          </a:p>
+          <a:p>
+            <a:pPr>
+              <a:lnSpc>
+                <a:spcPct val="100000"/>
+              </a:lnSpc>
+              <a:spcBef>
+                <a:spcPts val="479"/>
+              </a:spcBef>
+              <a:defRPr/>
+            </a:pPr>
+            <a:endParaRPr lang="pt-BR" sz="2400" b="0" strike="noStrike" spc="-1">
+              <a:latin typeface="Arial"/>
+            </a:endParaRPr>
+          </a:p>
+          <a:p>
+            <a:pPr>
+              <a:lnSpc>
+                <a:spcPct val="100000"/>
+              </a:lnSpc>
+              <a:spcBef>
+                <a:spcPts val="479"/>
+              </a:spcBef>
+              <a:defRPr/>
+            </a:pPr>
+            <a:endParaRPr lang="pt-BR" sz="2400" b="0" strike="noStrike" spc="-1">
+              <a:latin typeface="Arial"/>
+            </a:endParaRPr>
+          </a:p>
+          <a:p>
+            <a:pPr>
+              <a:lnSpc>
+                <a:spcPct val="100000"/>
+              </a:lnSpc>
+              <a:spcBef>
+                <a:spcPts val="479"/>
+              </a:spcBef>
+              <a:defRPr/>
+            </a:pPr>
+            <a:r>
+              <a:rPr lang="pt-BR" sz="2400" b="1" strike="noStrike" spc="-1">
+                <a:solidFill>
+                  <a:srgbClr val="376092"/>
+                </a:solidFill>
+                <a:latin typeface="Verdana"/>
+                <a:ea typeface="Verdana"/>
+              </a:rPr>
+              <a:t>Se bem sucedido</a:t>
+            </a:r>
+            <a:r>
+              <a:rPr lang="pt-BR" sz="2400" b="0" strike="noStrike" spc="-1">
+                <a:solidFill>
+                  <a:srgbClr val="000000"/>
+                </a:solidFill>
+                <a:latin typeface="Verdana"/>
+                <a:ea typeface="Verdana"/>
+              </a:rPr>
+              <a:t>: aloca um novo bloco de tamanho new_size, c</a:t>
+            </a:r>
+            <a:r>
+              <a:rPr lang="pt-BR" sz="2400" b="0" strike="noStrike" spc="-1">
+                <a:solidFill>
+                  <a:srgbClr val="000000"/>
+                </a:solidFill>
+                <a:latin typeface="Verdana"/>
+                <a:ea typeface="Verdana"/>
+              </a:rPr>
+              <a:t>opia o conteúdo apontado por </a:t>
+            </a:r>
+            <a:r>
+              <a:rPr lang="pt-BR" sz="2400" b="0" strike="noStrike" spc="-1">
+                <a:solidFill>
+                  <a:srgbClr val="000000"/>
+                </a:solidFill>
+                <a:latin typeface="Courier New"/>
+                <a:ea typeface="Verdana"/>
+              </a:rPr>
+              <a:t>ptr </a:t>
+            </a:r>
+            <a:r>
+              <a:rPr lang="pt-BR" sz="2400" b="0" strike="noStrike" spc="-1">
+                <a:solidFill>
+                  <a:srgbClr val="000000"/>
+                </a:solidFill>
+                <a:latin typeface="Verdana"/>
+                <a:ea typeface="Verdana"/>
+              </a:rPr>
+              <a:t>para o novo bloco e retorna seu endereço. Antes de retornar chama </a:t>
+            </a:r>
+            <a:r>
+              <a:rPr lang="pt-BR" sz="2400" b="0" strike="noStrike" spc="-1">
+                <a:solidFill>
+                  <a:srgbClr val="000000"/>
+                </a:solidFill>
+                <a:latin typeface="Courier New"/>
+                <a:ea typeface="Verdana"/>
+              </a:rPr>
+              <a:t>free(ptr)</a:t>
+            </a:r>
+            <a:r>
+              <a:rPr lang="pt-BR" sz="2400" b="0" strike="noStrike" spc="-1">
+                <a:solidFill>
+                  <a:srgbClr val="000000"/>
+                </a:solidFill>
+                <a:latin typeface="Verdana"/>
+                <a:ea typeface="Verdana"/>
+              </a:rPr>
+              <a:t>.</a:t>
+            </a:r>
+            <a:endParaRPr lang="pt-BR" sz="2400" b="0" strike="noStrike" spc="-1">
+              <a:latin typeface="Arial"/>
+            </a:endParaRPr>
+          </a:p>
+          <a:p>
+            <a:pPr>
+              <a:lnSpc>
+                <a:spcPct val="100000"/>
+              </a:lnSpc>
+              <a:spcBef>
+                <a:spcPts val="479"/>
+              </a:spcBef>
+              <a:defRPr/>
+            </a:pPr>
+            <a:endParaRPr lang="pt-BR" sz="2400" b="0" strike="noStrike" spc="-1">
+              <a:latin typeface="Arial"/>
+            </a:endParaRPr>
+          </a:p>
+          <a:p>
+            <a:pPr>
+              <a:lnSpc>
+                <a:spcPct val="100000"/>
+              </a:lnSpc>
+              <a:spcBef>
+                <a:spcPts val="479"/>
+              </a:spcBef>
+              <a:defRPr/>
+            </a:pPr>
+            <a:endParaRPr lang="pt-BR" sz="2400" b="0" strike="noStrike" spc="-1">
+              <a:latin typeface="Arial"/>
+            </a:endParaRPr>
+          </a:p>
+          <a:p>
+            <a:pPr>
+              <a:lnSpc>
+                <a:spcPct val="100000"/>
+              </a:lnSpc>
+              <a:spcBef>
+                <a:spcPts val="479"/>
+              </a:spcBef>
+              <a:defRPr/>
+            </a:pPr>
+            <a:r>
+              <a:rPr lang="pt-BR" sz="2400" b="1" strike="noStrike" spc="-1">
+                <a:solidFill>
+                  <a:srgbClr val="376092"/>
+                </a:solidFill>
+                <a:latin typeface="Verdana"/>
+                <a:ea typeface="Verdana"/>
+              </a:rPr>
+              <a:t>Se falhou</a:t>
+            </a:r>
+            <a:r>
+              <a:rPr lang="pt-BR" sz="2400" b="0" strike="noStrike" spc="-1">
+                <a:solidFill>
+                  <a:srgbClr val="000000"/>
+                </a:solidFill>
+                <a:latin typeface="Verdana"/>
+                <a:ea typeface="Verdana"/>
+              </a:rPr>
+              <a:t>: retorna </a:t>
+            </a:r>
+            <a:r>
+              <a:rPr lang="pt-BR" sz="2400" b="1" strike="noStrike" spc="-1">
+                <a:solidFill>
+                  <a:srgbClr val="000000"/>
+                </a:solidFill>
+                <a:latin typeface="Courier New"/>
+                <a:ea typeface="Verdana"/>
+              </a:rPr>
+              <a:t>NULL</a:t>
+            </a:r>
+            <a:r>
+              <a:rPr lang="pt-BR" sz="2400" b="0" strike="noStrike" spc="-1">
+                <a:solidFill>
+                  <a:srgbClr val="000000"/>
+                </a:solidFill>
+                <a:latin typeface="Verdana"/>
+                <a:ea typeface="Verdana"/>
+              </a:rPr>
+              <a:t> e preenche </a:t>
+            </a:r>
+            <a:r>
+              <a:rPr lang="pt-BR" sz="2400" b="1" strike="noStrike" spc="-1">
+                <a:solidFill>
+                  <a:srgbClr val="000000"/>
+                </a:solidFill>
+                <a:latin typeface="Courier New"/>
+                <a:ea typeface="Verdana"/>
+              </a:rPr>
+              <a:t>errno</a:t>
+            </a:r>
+            <a:endParaRPr lang="pt-BR" sz="2400" b="0" strike="noStrike" spc="-1">
               <a:latin typeface="Arial"/>
             </a:endParaRPr>
           </a:p>
@@ -9637,7 +9781,7 @@
               </a:lnSpc>
               <a:defRPr/>
             </a:pPr>
-            <a:fld id="{E0664E89-38EB-4161-95BE-1D67A2CCDC2F}" type="slidenum">
+            <a:fld id="{CE8A166A-612F-4082-81DD-EEE5FDE2C570}" type="slidenum">
               <a:rPr lang="pt-BR" sz="1000" b="0" strike="noStrike" spc="-1">
                 <a:solidFill>
                   <a:srgbClr val="B2B2B2"/>
@@ -9653,234 +9797,6 @@
           </a:p>
         </p:txBody>
       </p:sp>
-      <p:sp>
-        <p:nvSpPr>
-          <p:cNvPr id="8" name="CustomShape 5" hidden="0"/>
-          <p:cNvSpPr/>
-          <p:nvPr isPhoto="0" userDrawn="0"/>
-        </p:nvSpPr>
-        <p:spPr bwMode="auto">
-          <a:xfrm>
-            <a:off x="165960" y="1430280"/>
-            <a:ext cx="8978040" cy="3289680"/>
-          </a:xfrm>
-          <a:prstGeom prst="rect">
-            <a:avLst/>
-          </a:prstGeom>
-          <a:noFill/>
-          <a:ln>
-            <a:noFill/>
-          </a:ln>
-        </p:spPr>
-        <p:style>
-          <a:lnRef idx="0"/>
-          <a:fillRef idx="0"/>
-          <a:effectRef idx="0"/>
-          <a:fontRef idx="minor"/>
-        </p:style>
-        <p:txBody>
-          <a:bodyPr/>
-          <a:p>
-            <a:pPr>
-              <a:lnSpc>
-                <a:spcPct val="150000"/>
-              </a:lnSpc>
-              <a:defRPr/>
-            </a:pPr>
-            <a:r>
-              <a:rPr lang="pt-BR" sz="2800" b="0" strike="noStrike" spc="-1">
-                <a:solidFill>
-                  <a:srgbClr val="000000"/>
-                </a:solidFill>
-                <a:latin typeface="Arial"/>
-                <a:ea typeface="DejaVu Sans"/>
-              </a:rPr>
-              <a:t>E se </a:t>
-            </a:r>
-            <a:r>
-              <a:rPr lang="pt-BR" sz="2800" b="0" strike="noStrike" spc="-1">
-                <a:solidFill>
-                  <a:srgbClr val="000000"/>
-                </a:solidFill>
-                <a:latin typeface="Courier New"/>
-                <a:ea typeface="DejaVu Sans"/>
-              </a:rPr>
-              <a:t>tamanho == capacidade</a:t>
-            </a:r>
-            <a:r>
-              <a:rPr lang="pt-BR" sz="2800" b="0" strike="noStrike" spc="-1">
-                <a:solidFill>
-                  <a:srgbClr val="000000"/>
-                </a:solidFill>
-                <a:latin typeface="Arial"/>
-                <a:ea typeface="DejaVu Sans"/>
-              </a:rPr>
-              <a:t>?</a:t>
-            </a:r>
-            <a:endParaRPr lang="pt-BR" sz="2800" b="0" strike="noStrike" spc="-1">
-              <a:latin typeface="Arial"/>
-              <a:ea typeface="Noto Sans CJK SC"/>
-            </a:endParaRPr>
-          </a:p>
-          <a:p>
-            <a:pPr marL="216000" indent="-216000">
-              <a:lnSpc>
-                <a:spcPct val="150000"/>
-              </a:lnSpc>
-              <a:buClr>
-                <a:srgbClr val="000000"/>
-              </a:buClr>
-              <a:buFont typeface="StarSymbol"/>
-              <a:buAutoNum type="arabicParenR"/>
-              <a:defRPr/>
-            </a:pPr>
-            <a:r>
-              <a:rPr lang="pt-BR" sz="2800" b="0" strike="noStrike" spc="-1">
-                <a:solidFill>
-                  <a:srgbClr val="000000"/>
-                </a:solidFill>
-                <a:latin typeface="Arial"/>
-                <a:ea typeface="DejaVu Sans"/>
-              </a:rPr>
-              <a:t> </a:t>
-            </a:r>
-            <a:r>
-              <a:rPr lang="pt-BR" sz="2800" b="0" strike="noStrike" spc="-1">
-                <a:solidFill>
-                  <a:srgbClr val="000000"/>
-                </a:solidFill>
-                <a:latin typeface="Arial"/>
-                <a:ea typeface="DejaVu Sans"/>
-              </a:rPr>
-              <a:t>Criamos um novo espaço de memória e copiamos o conteúdo para lá com realloc</a:t>
-            </a:r>
-            <a:endParaRPr lang="pt-BR" sz="2800" b="0" strike="noStrike" spc="-1">
-              <a:latin typeface="Arial"/>
-              <a:ea typeface="Noto Sans CJK SC"/>
-            </a:endParaRPr>
-          </a:p>
-          <a:p>
-            <a:pPr marL="216000" indent="-216000">
-              <a:lnSpc>
-                <a:spcPct val="150000"/>
-              </a:lnSpc>
-              <a:buClr>
-                <a:srgbClr val="000000"/>
-              </a:buClr>
-              <a:buFont typeface="StarSymbol"/>
-              <a:buAutoNum type="arabicParenR"/>
-              <a:defRPr/>
-            </a:pPr>
-            <a:r>
-              <a:rPr lang="pt-BR" sz="2800" b="0" strike="noStrike" spc="-1">
-                <a:solidFill>
-                  <a:srgbClr val="000000"/>
-                </a:solidFill>
-                <a:latin typeface="Arial"/>
-                <a:ea typeface="DejaVu Sans"/>
-              </a:rPr>
-              <a:t> </a:t>
-            </a:r>
-            <a:r>
-              <a:rPr lang="pt-BR" sz="2800" b="0" strike="noStrike" spc="-1">
-                <a:solidFill>
-                  <a:srgbClr val="000000"/>
-                </a:solidFill>
-                <a:latin typeface="Arial"/>
-                <a:ea typeface="DejaVu Sans"/>
-              </a:rPr>
-              <a:t>Atualizamos a nova capacidade</a:t>
-            </a:r>
-            <a:endParaRPr lang="pt-BR" sz="2800" b="0" strike="noStrike" spc="-1">
-              <a:latin typeface="Arial"/>
-              <a:ea typeface="Noto Sans CJK SC"/>
-            </a:endParaRPr>
-          </a:p>
-          <a:p>
-            <a:pPr marL="216000" indent="-216000">
-              <a:lnSpc>
-                <a:spcPct val="150000"/>
-              </a:lnSpc>
-              <a:buClr>
-                <a:srgbClr val="000000"/>
-              </a:buClr>
-              <a:buFont typeface="StarSymbol"/>
-              <a:buAutoNum type="arabicParenR"/>
-              <a:defRPr/>
-            </a:pPr>
-            <a:r>
-              <a:rPr lang="pt-BR" sz="2800" b="0" strike="noStrike" spc="-1">
-                <a:solidFill>
-                  <a:srgbClr val="000000"/>
-                </a:solidFill>
-                <a:latin typeface="Arial"/>
-                <a:ea typeface="DejaVu Sans"/>
-              </a:rPr>
-              <a:t> </a:t>
-            </a:r>
-            <a:r>
-              <a:rPr lang="pt-BR" sz="2800" b="0" strike="noStrike" spc="-1">
-                <a:solidFill>
-                  <a:srgbClr val="000000"/>
-                </a:solidFill>
-                <a:latin typeface="Arial"/>
-                <a:ea typeface="DejaVu Sans"/>
-              </a:rPr>
-              <a:t>Atualizamos o ponteiro para os novos dados</a:t>
-            </a:r>
-            <a:endParaRPr lang="pt-BR" sz="2800" b="0" strike="noStrike" spc="-1">
-              <a:latin typeface="Arial"/>
-              <a:ea typeface="Noto Sans CJK SC"/>
-            </a:endParaRPr>
-          </a:p>
-        </p:txBody>
-      </p:sp>
-      <p:pic>
-        <p:nvPicPr>
-          <p:cNvPr id="9" name="" descr="" hidden="0"/>
-          <p:cNvPicPr/>
-          <p:nvPr isPhoto="0" userDrawn="0"/>
-        </p:nvPicPr>
-        <p:blipFill>
-          <a:blip r:embed="rId2"/>
-          <a:stretch/>
-        </p:blipFill>
-        <p:spPr bwMode="auto">
-          <a:xfrm>
-            <a:off x="1224000" y="4996440"/>
-            <a:ext cx="4552560" cy="1123560"/>
-          </a:xfrm>
-          <a:prstGeom prst="rect">
-            <a:avLst/>
-          </a:prstGeom>
-          <a:ln>
-            <a:noFill/>
-          </a:ln>
-        </p:spPr>
-      </p:pic>
-      <p:pic>
-        <p:nvPicPr>
-          <p:cNvPr id="10" name="" descr="" hidden="0"/>
-          <p:cNvPicPr/>
-          <p:nvPr isPhoto="0" userDrawn="0"/>
-        </p:nvPicPr>
-        <p:blipFill>
-          <a:blip r:embed="rId3"/>
-          <a:stretch/>
-        </p:blipFill>
-        <p:spPr bwMode="auto">
-          <a:xfrm>
-            <a:off x="1404000" y="4996440"/>
-            <a:ext cx="6302880" cy="1555560"/>
-          </a:xfrm>
-          <a:prstGeom prst="rect">
-            <a:avLst/>
-          </a:prstGeom>
-          <a:ln>
-            <a:noFill/>
-          </a:ln>
-        </p:spPr>
-      </p:pic>
     </p:spTree>
   </p:cSld>
   <p:clrMapOvr>
@@ -9956,7 +9872,7 @@
                 <a:latin typeface="Courier New"/>
                 <a:ea typeface="Verdana"/>
               </a:rPr>
-              <a:t>malloc</a:t>
+              <a:t>Avaliação docente</a:t>
             </a:r>
             <a:endParaRPr lang="pt-BR" sz="3200" b="0" strike="noStrike" spc="-1">
               <a:latin typeface="Arial"/>
@@ -9992,265 +9908,97 @@
         <p:txBody>
           <a:bodyPr lIns="90000" tIns="45000" rIns="90000" bIns="45000"/>
           <a:p>
-            <a:pPr>
-              <a:lnSpc>
-                <a:spcPct val="100000"/>
-              </a:lnSpc>
-              <a:spcBef>
-                <a:spcPts val="479"/>
-              </a:spcBef>
-              <a:defRPr/>
-            </a:pPr>
-            <a:r>
-              <a:rPr lang="pt-BR" sz="2400" b="1" strike="noStrike" spc="-1">
-                <a:solidFill>
-                  <a:srgbClr val="000000"/>
-                </a:solidFill>
-                <a:latin typeface="Consolas"/>
-                <a:ea typeface="Verdana"/>
-              </a:rPr>
-              <a:t>#include &lt;stdlib.h&gt;</a:t>
-            </a:r>
-            <a:endParaRPr lang="pt-BR" sz="2400" b="0" strike="noStrike" spc="-1">
-              <a:latin typeface="Arial"/>
-            </a:endParaRPr>
-          </a:p>
-          <a:p>
-            <a:pPr>
-              <a:lnSpc>
-                <a:spcPct val="100000"/>
-              </a:lnSpc>
-              <a:spcBef>
-                <a:spcPts val="479"/>
-              </a:spcBef>
-              <a:defRPr/>
-            </a:pPr>
-            <a:r>
-              <a:rPr lang="pt-BR" sz="2400" b="1" strike="noStrike" spc="-1">
-                <a:solidFill>
-                  <a:srgbClr val="000000"/>
-                </a:solidFill>
-                <a:latin typeface="Consolas"/>
-                <a:ea typeface="Verdana"/>
-              </a:rPr>
-              <a:t>void *malloc(size_t size)</a:t>
-            </a:r>
-            <a:endParaRPr lang="pt-BR" sz="2400" b="0" strike="noStrike" spc="-1">
-              <a:latin typeface="Arial"/>
-            </a:endParaRPr>
-          </a:p>
-          <a:p>
-            <a:pPr>
-              <a:lnSpc>
-                <a:spcPct val="100000"/>
-              </a:lnSpc>
-              <a:spcBef>
-                <a:spcPts val="479"/>
-              </a:spcBef>
-              <a:defRPr/>
-            </a:pPr>
-            <a:endParaRPr lang="pt-BR" sz="2400" b="0" strike="noStrike" spc="-1">
-              <a:latin typeface="Arial"/>
-            </a:endParaRPr>
-          </a:p>
-          <a:p>
-            <a:pPr>
-              <a:lnSpc>
-                <a:spcPct val="100000"/>
-              </a:lnSpc>
-              <a:spcBef>
-                <a:spcPts val="479"/>
-              </a:spcBef>
-              <a:defRPr/>
-            </a:pPr>
-            <a:endParaRPr lang="pt-BR" sz="2400" b="0" strike="noStrike" spc="-1">
-              <a:latin typeface="Arial"/>
-            </a:endParaRPr>
-          </a:p>
-          <a:p>
-            <a:pPr>
-              <a:lnSpc>
-                <a:spcPct val="100000"/>
-              </a:lnSpc>
-              <a:spcBef>
-                <a:spcPts val="479"/>
-              </a:spcBef>
-              <a:defRPr/>
-            </a:pPr>
-            <a:r>
-              <a:rPr lang="pt-BR" sz="2400" b="1" strike="noStrike" spc="-1">
-                <a:solidFill>
-                  <a:srgbClr val="376092"/>
+            <a:pPr algn="ctr">
+              <a:defRPr/>
+            </a:pPr>
+            <a:endParaRPr sz="2000">
+              <a:latin typeface="Verdana"/>
+              <a:ea typeface="Verdana"/>
+              <a:cs typeface="Verdana"/>
+            </a:endParaRPr>
+          </a:p>
+          <a:p>
+            <a:pPr algn="ctr">
+              <a:defRPr/>
+            </a:pPr>
+            <a:r>
+              <a:rPr sz="2000" b="0" i="0" u="none">
+                <a:solidFill>
+                  <a:srgbClr val="000000"/>
                 </a:solidFill>
                 <a:latin typeface="Verdana"/>
                 <a:ea typeface="Verdana"/>
-              </a:rPr>
-              <a:t>Se bem sucedido</a:t>
-            </a:r>
-            <a:r>
-              <a:rPr lang="pt-BR" sz="2400" b="0" strike="noStrike" spc="-1">
+                <a:cs typeface="Verdana"/>
+              </a:rPr>
+              <a:t>Link para avaliação: </a:t>
+            </a:r>
+            <a:r>
+              <a:rPr sz="2000" b="0" i="0" u="sng">
                 <a:solidFill>
                   <a:srgbClr val="000000"/>
                 </a:solidFill>
                 <a:latin typeface="Verdana"/>
                 <a:ea typeface="Verdana"/>
-              </a:rPr>
-              <a:t>: retorna ponteiro para bloco de memória com pelo menos </a:t>
-            </a:r>
-            <a:r>
-              <a:rPr lang="pt-BR" sz="2400" b="1" strike="noStrike" spc="-1">
-                <a:solidFill>
-                  <a:srgbClr val="000000"/>
-                </a:solidFill>
-                <a:latin typeface="Courier New"/>
-                <a:ea typeface="Verdana"/>
-              </a:rPr>
-              <a:t>size </a:t>
-            </a:r>
-            <a:r>
-              <a:rPr lang="pt-BR" sz="2400" b="0" strike="noStrike" spc="-1">
+                <a:cs typeface="Verdana"/>
+                <a:hlinkClick r:id="rId2" tooltip="https://insper.avaliar.org/"/>
+              </a:rPr>
+              <a:t>https://insper.avaliar.org/</a:t>
+            </a:r>
+            <a:endParaRPr sz="2000" b="0" i="0" u="none">
+              <a:solidFill>
+                <a:srgbClr val="000000"/>
+              </a:solidFill>
+              <a:latin typeface="Verdana"/>
+              <a:ea typeface="Verdana"/>
+              <a:cs typeface="Verdana"/>
+            </a:endParaRPr>
+          </a:p>
+          <a:p>
+            <a:pPr algn="ctr">
+              <a:defRPr/>
+            </a:pPr>
+            <a:r>
+              <a:rPr sz="2000" b="0" i="0" u="none">
                 <a:solidFill>
                   <a:srgbClr val="000000"/>
                 </a:solidFill>
                 <a:latin typeface="Verdana"/>
                 <a:ea typeface="Verdana"/>
-              </a:rPr>
-              <a:t>bytes reservados, e com alinhamento de 8 bytes em x86, ou 16 bytes em x86-64. Se </a:t>
-            </a:r>
-            <a:r>
-              <a:rPr lang="pt-BR" sz="2400" b="1" strike="noStrike" spc="-1">
-                <a:solidFill>
-                  <a:srgbClr val="000000"/>
-                </a:solidFill>
-                <a:latin typeface="Courier New"/>
-                <a:ea typeface="Verdana"/>
-              </a:rPr>
-              <a:t>size</a:t>
-            </a:r>
-            <a:r>
-              <a:rPr lang="pt-BR" sz="2400" b="0" strike="noStrike" spc="-1">
+                <a:cs typeface="Verdana"/>
+              </a:rPr>
+              <a:t>Código da avaliação: 57175 </a:t>
+            </a:r>
+            <a:endParaRPr sz="2000" b="0" i="0" u="none">
+              <a:solidFill>
+                <a:srgbClr val="000000"/>
+              </a:solidFill>
+              <a:latin typeface="Verdana"/>
+              <a:ea typeface="Verdana"/>
+              <a:cs typeface="Verdana"/>
+            </a:endParaRPr>
+          </a:p>
+          <a:p>
+            <a:pPr algn="ctr">
+              <a:defRPr/>
+            </a:pPr>
+            <a:r>
+              <a:rPr sz="2000" b="0" i="0" u="none">
                 <a:solidFill>
                   <a:srgbClr val="000000"/>
                 </a:solidFill>
                 <a:latin typeface="Verdana"/>
                 <a:ea typeface="Verdana"/>
-              </a:rPr>
-              <a:t> for zero, retorna </a:t>
-            </a:r>
-            <a:r>
-              <a:rPr lang="pt-BR" sz="2400" b="1" strike="noStrike" spc="-1">
-                <a:solidFill>
-                  <a:srgbClr val="000000"/>
-                </a:solidFill>
-                <a:latin typeface="Courier New"/>
-                <a:ea typeface="Verdana"/>
-              </a:rPr>
-              <a:t>NULL</a:t>
-            </a:r>
-            <a:r>
-              <a:rPr lang="pt-BR" sz="2400" b="0" strike="noStrike" spc="-1">
-                <a:solidFill>
-                  <a:srgbClr val="000000"/>
-                </a:solidFill>
-                <a:latin typeface="Verdana"/>
-                <a:ea typeface="Verdana"/>
-              </a:rPr>
-              <a:t>.</a:t>
-            </a:r>
-            <a:endParaRPr lang="pt-BR" sz="2400" b="0" strike="noStrike" spc="-1">
-              <a:latin typeface="Arial"/>
-            </a:endParaRPr>
-          </a:p>
-          <a:p>
-            <a:pPr>
-              <a:lnSpc>
-                <a:spcPct val="100000"/>
-              </a:lnSpc>
-              <a:spcBef>
-                <a:spcPts val="479"/>
-              </a:spcBef>
-              <a:defRPr/>
-            </a:pPr>
-            <a:endParaRPr lang="pt-BR" sz="2400" b="0" strike="noStrike" spc="-1">
-              <a:latin typeface="Arial"/>
-            </a:endParaRPr>
-          </a:p>
-          <a:p>
-            <a:pPr>
-              <a:lnSpc>
-                <a:spcPct val="100000"/>
-              </a:lnSpc>
-              <a:spcBef>
-                <a:spcPts val="479"/>
-              </a:spcBef>
-              <a:defRPr/>
-            </a:pPr>
-            <a:endParaRPr lang="pt-BR" sz="2400" b="0" strike="noStrike" spc="-1">
-              <a:latin typeface="Arial"/>
-            </a:endParaRPr>
-          </a:p>
-          <a:p>
-            <a:pPr>
-              <a:lnSpc>
-                <a:spcPct val="100000"/>
-              </a:lnSpc>
-              <a:spcBef>
-                <a:spcPts val="479"/>
-              </a:spcBef>
-              <a:defRPr/>
-            </a:pPr>
-            <a:r>
-              <a:rPr lang="pt-BR" sz="2400" b="1" strike="noStrike" spc="-1">
-                <a:solidFill>
-                  <a:srgbClr val="376092"/>
-                </a:solidFill>
-                <a:latin typeface="Verdana"/>
-                <a:ea typeface="Verdana"/>
-              </a:rPr>
-              <a:t>Se falhou</a:t>
-            </a:r>
-            <a:r>
-              <a:rPr lang="pt-BR" sz="2400" b="0" strike="noStrike" spc="-1">
-                <a:solidFill>
-                  <a:srgbClr val="000000"/>
-                </a:solidFill>
-                <a:latin typeface="Verdana"/>
-                <a:ea typeface="Verdana"/>
-              </a:rPr>
-              <a:t>: retorna </a:t>
-            </a:r>
-            <a:r>
-              <a:rPr lang="pt-BR" sz="2400" b="1" strike="noStrike" spc="-1">
-                <a:solidFill>
-                  <a:srgbClr val="000000"/>
-                </a:solidFill>
-                <a:latin typeface="Courier New"/>
-                <a:ea typeface="Verdana"/>
-              </a:rPr>
-              <a:t>NULL</a:t>
-            </a:r>
-            <a:r>
-              <a:rPr lang="pt-BR" sz="2400" b="0" strike="noStrike" spc="-1">
-                <a:solidFill>
-                  <a:srgbClr val="000000"/>
-                </a:solidFill>
-                <a:latin typeface="Verdana"/>
-                <a:ea typeface="Verdana"/>
-              </a:rPr>
-              <a:t> e preenche </a:t>
-            </a:r>
-            <a:r>
-              <a:rPr lang="pt-BR" sz="2400" b="1" strike="noStrike" spc="-1">
-                <a:solidFill>
-                  <a:srgbClr val="000000"/>
-                </a:solidFill>
-                <a:latin typeface="Courier New"/>
-                <a:ea typeface="Verdana"/>
-              </a:rPr>
-              <a:t>errno</a:t>
-            </a:r>
-            <a:endParaRPr lang="pt-BR" sz="2400" b="0" strike="noStrike" spc="-1">
-              <a:latin typeface="Arial"/>
+                <a:cs typeface="Verdana"/>
+              </a:rPr>
+              <a:t>Chave: 136537</a:t>
+            </a:r>
+            <a:endParaRPr sz="2000" b="0" i="0" u="none">
+              <a:solidFill>
+                <a:srgbClr val="000000"/>
+              </a:solidFill>
+              <a:latin typeface="Verdana"/>
+              <a:ea typeface="Verdana"/>
+              <a:cs typeface="Verdana"/>
             </a:endParaRPr>
           </a:p>
         </p:txBody>
@@ -10406,7 +10154,7 @@
                 <a:latin typeface="Verdana"/>
                 <a:ea typeface="Verdana"/>
               </a:rPr>
-              <a:t>Vetor dinâmico – redimensionamento</a:t>
+              <a:t>Vetor dinâmico - capacidade</a:t>
             </a:r>
             <a:endParaRPr lang="pt-BR" sz="3200" b="0" strike="noStrike" spc="-1">
               <a:latin typeface="Arial"/>
@@ -10469,64 +10217,6 @@
               <a:latin typeface="Arial"/>
             </a:endParaRPr>
           </a:p>
-          <a:p>
-            <a:pPr marL="216000" indent="-216000">
-              <a:lnSpc>
-                <a:spcPct val="150000"/>
-              </a:lnSpc>
-              <a:spcBef>
-                <a:spcPts val="479"/>
-              </a:spcBef>
-              <a:buClr>
-                <a:srgbClr val="000000"/>
-              </a:buClr>
-              <a:buFont typeface="Symbol"/>
-              <a:buChar char=""/>
-              <a:defRPr/>
-            </a:pPr>
-            <a:r>
-              <a:rPr lang="pt-BR" sz="3200" b="0" strike="noStrike" spc="-1">
-                <a:solidFill>
-                  <a:srgbClr val="000000"/>
-                </a:solidFill>
-                <a:latin typeface="Arial"/>
-                <a:ea typeface="DejaVu Sans"/>
-              </a:rPr>
-              <a:t>Quando encher, dobrar capacidade</a:t>
-            </a:r>
-            <a:endParaRPr lang="pt-BR" sz="3200" b="0" strike="noStrike" spc="-1">
-              <a:latin typeface="Arial"/>
-            </a:endParaRPr>
-          </a:p>
-          <a:p>
-            <a:pPr marL="216000" indent="-216000">
-              <a:lnSpc>
-                <a:spcPct val="150000"/>
-              </a:lnSpc>
-              <a:spcBef>
-                <a:spcPts val="479"/>
-              </a:spcBef>
-              <a:buClr>
-                <a:srgbClr val="000000"/>
-              </a:buClr>
-              <a:buFont typeface="Symbol"/>
-              <a:buChar char=""/>
-              <a:defRPr/>
-            </a:pPr>
-            <a:r>
-              <a:rPr lang="pt-BR" sz="3200" b="0" strike="noStrike" spc="-1">
-                <a:solidFill>
-                  <a:srgbClr val="000000"/>
-                </a:solidFill>
-                <a:latin typeface="Arial"/>
-                <a:ea typeface="DejaVu Sans"/>
-              </a:rPr>
-              <a:t>Quando ficar com menos de um quarto da capacidade, diminuir a capacidade pela metade</a:t>
-            </a:r>
-            <a:endParaRPr lang="pt-BR" sz="3200" b="0" strike="noStrike" spc="-1">
-              <a:latin typeface="Arial"/>
-            </a:endParaRPr>
-          </a:p>
         </p:txBody>
       </p:sp>
       <p:sp>
@@ -10589,7 +10279,7 @@
               </a:lnSpc>
               <a:defRPr/>
             </a:pPr>
-            <a:fld id="{F369B973-85AD-4130-BF0A-1D3551C6EB3D}" type="slidenum">
+            <a:fld id="{E0664E89-38EB-4161-95BE-1D67A2CCDC2F}" type="slidenum">
               <a:rPr lang="pt-BR" sz="1000" b="0" strike="noStrike" spc="-1">
                 <a:solidFill>
                   <a:srgbClr val="B2B2B2"/>
@@ -10630,7 +10320,209 @@
           <a:effectRef idx="0"/>
           <a:fontRef idx="minor"/>
         </p:style>
-      </p:sp>
+        <p:txBody>
+          <a:bodyPr/>
+          <a:p>
+            <a:pPr>
+              <a:lnSpc>
+                <a:spcPct val="150000"/>
+              </a:lnSpc>
+              <a:defRPr/>
+            </a:pPr>
+            <a:r>
+              <a:rPr lang="pt-BR" sz="2800" b="0" strike="noStrike" spc="-1">
+                <a:solidFill>
+                  <a:srgbClr val="000000"/>
+                </a:solidFill>
+                <a:latin typeface="Arial"/>
+                <a:ea typeface="DejaVu Sans"/>
+              </a:rPr>
+              <a:t>E se </a:t>
+            </a:r>
+            <a:r>
+              <a:rPr lang="pt-BR" sz="2800" b="0" strike="noStrike" spc="-1">
+                <a:solidFill>
+                  <a:srgbClr val="000000"/>
+                </a:solidFill>
+                <a:latin typeface="Courier New"/>
+                <a:ea typeface="DejaVu Sans"/>
+              </a:rPr>
+              <a:t>tamanho == capacidade</a:t>
+            </a:r>
+            <a:r>
+              <a:rPr lang="pt-BR" sz="2800" b="0" strike="noStrike" spc="-1">
+                <a:solidFill>
+                  <a:srgbClr val="000000"/>
+                </a:solidFill>
+                <a:latin typeface="Arial"/>
+                <a:ea typeface="DejaVu Sans"/>
+              </a:rPr>
+              <a:t>?</a:t>
+            </a:r>
+            <a:endParaRPr lang="pt-BR" sz="2800" b="0" strike="noStrike" spc="-1">
+              <a:latin typeface="Arial"/>
+              <a:ea typeface="Noto Sans CJK SC"/>
+            </a:endParaRPr>
+          </a:p>
+          <a:p>
+            <a:pPr marL="216000" indent="-216000">
+              <a:lnSpc>
+                <a:spcPct val="150000"/>
+              </a:lnSpc>
+              <a:buClr>
+                <a:srgbClr val="000000"/>
+              </a:buClr>
+              <a:buFont typeface="StarSymbol"/>
+              <a:buAutoNum type="arabicParenR"/>
+              <a:defRPr/>
+            </a:pPr>
+            <a:r>
+              <a:rPr lang="pt-BR" sz="2800" b="0" strike="noStrike" spc="-1">
+                <a:solidFill>
+                  <a:srgbClr val="000000"/>
+                </a:solidFill>
+                <a:latin typeface="Arial"/>
+                <a:ea typeface="DejaVu Sans"/>
+              </a:rPr>
+              <a:t> </a:t>
+            </a:r>
+            <a:r>
+              <a:rPr lang="pt-BR" sz="2800" b="0" strike="noStrike" spc="-1">
+                <a:solidFill>
+                  <a:srgbClr val="000000"/>
+                </a:solidFill>
+                <a:latin typeface="Arial"/>
+                <a:ea typeface="DejaVu Sans"/>
+              </a:rPr>
+              <a:t>Criamos um novo espaço de memória e copiamos o conteúdo para lá com realloc</a:t>
+            </a:r>
+            <a:endParaRPr lang="pt-BR" sz="2800" b="0" strike="noStrike" spc="-1">
+              <a:latin typeface="Arial"/>
+              <a:ea typeface="Noto Sans CJK SC"/>
+            </a:endParaRPr>
+          </a:p>
+          <a:p>
+            <a:pPr marL="216000" indent="-216000">
+              <a:lnSpc>
+                <a:spcPct val="150000"/>
+              </a:lnSpc>
+              <a:buClr>
+                <a:srgbClr val="000000"/>
+              </a:buClr>
+              <a:buFont typeface="StarSymbol"/>
+              <a:buAutoNum type="arabicParenR"/>
+              <a:defRPr/>
+            </a:pPr>
+            <a:r>
+              <a:rPr lang="pt-BR" sz="2800" b="0" strike="noStrike" spc="-1">
+                <a:solidFill>
+                  <a:srgbClr val="000000"/>
+                </a:solidFill>
+                <a:latin typeface="Arial"/>
+                <a:ea typeface="DejaVu Sans"/>
+              </a:rPr>
+              <a:t> </a:t>
+            </a:r>
+            <a:r>
+              <a:rPr lang="pt-BR" sz="2800" b="0" strike="noStrike" spc="-1">
+                <a:solidFill>
+                  <a:srgbClr val="000000"/>
+                </a:solidFill>
+                <a:latin typeface="Arial"/>
+                <a:ea typeface="DejaVu Sans"/>
+              </a:rPr>
+              <a:t>Atualizamos a nova capacidade</a:t>
+            </a:r>
+            <a:endParaRPr lang="pt-BR" sz="2800" b="0" strike="noStrike" spc="-1">
+              <a:latin typeface="Arial"/>
+              <a:ea typeface="Noto Sans CJK SC"/>
+            </a:endParaRPr>
+          </a:p>
+          <a:p>
+            <a:pPr marL="216000" indent="-216000">
+              <a:lnSpc>
+                <a:spcPct val="150000"/>
+              </a:lnSpc>
+              <a:buClr>
+                <a:srgbClr val="000000"/>
+              </a:buClr>
+              <a:buFont typeface="StarSymbol"/>
+              <a:buAutoNum type="arabicParenR"/>
+              <a:defRPr/>
+            </a:pPr>
+            <a:r>
+              <a:rPr lang="pt-BR" sz="2800" b="0" strike="noStrike" spc="-1">
+                <a:solidFill>
+                  <a:srgbClr val="000000"/>
+                </a:solidFill>
+                <a:latin typeface="Arial"/>
+                <a:ea typeface="DejaVu Sans"/>
+              </a:rPr>
+              <a:t> </a:t>
+            </a:r>
+            <a:r>
+              <a:rPr lang="pt-BR" sz="2800" b="0" strike="noStrike" spc="-1">
+                <a:solidFill>
+                  <a:srgbClr val="000000"/>
+                </a:solidFill>
+                <a:latin typeface="Arial"/>
+                <a:ea typeface="DejaVu Sans"/>
+              </a:rPr>
+              <a:t>Atualizamos o ponteiro para os novos dados</a:t>
+            </a:r>
+            <a:endParaRPr lang="pt-BR" sz="2800" b="0" strike="noStrike" spc="-1">
+              <a:latin typeface="Arial"/>
+              <a:ea typeface="Noto Sans CJK SC"/>
+            </a:endParaRPr>
+          </a:p>
+        </p:txBody>
+      </p:sp>
+      <p:pic>
+        <p:nvPicPr>
+          <p:cNvPr id="9" name="" descr="" hidden="0"/>
+          <p:cNvPicPr/>
+          <p:nvPr isPhoto="0" userDrawn="0"/>
+        </p:nvPicPr>
+        <p:blipFill>
+          <a:blip r:embed="rId2"/>
+          <a:stretch/>
+        </p:blipFill>
+        <p:spPr bwMode="auto">
+          <a:xfrm>
+            <a:off x="1224000" y="4996440"/>
+            <a:ext cx="4552560" cy="1123560"/>
+          </a:xfrm>
+          <a:prstGeom prst="rect">
+            <a:avLst/>
+          </a:prstGeom>
+          <a:ln>
+            <a:noFill/>
+          </a:ln>
+        </p:spPr>
+      </p:pic>
+      <p:pic>
+        <p:nvPicPr>
+          <p:cNvPr id="10" name="" descr="" hidden="0"/>
+          <p:cNvPicPr/>
+          <p:nvPr isPhoto="0" userDrawn="0"/>
+        </p:nvPicPr>
+        <p:blipFill>
+          <a:blip r:embed="rId3"/>
+          <a:stretch/>
+        </p:blipFill>
+        <p:spPr bwMode="auto">
+          <a:xfrm>
+            <a:off x="1404000" y="4996440"/>
+            <a:ext cx="6302880" cy="1555560"/>
+          </a:xfrm>
+          <a:prstGeom prst="rect">
+            <a:avLst/>
+          </a:prstGeom>
+          <a:ln>
+            <a:noFill/>
+          </a:ln>
+        </p:spPr>
+      </p:pic>
     </p:spTree>
   </p:cSld>
   <p:clrMapOvr>
@@ -10666,13 +10558,13 @@
       </p:grpSpPr>
       <p:sp>
         <p:nvSpPr>
-          <p:cNvPr id="4" name="Google Shape;347;p64" hidden="0"/>
+          <p:cNvPr id="4" name="CustomShape 1" hidden="0"/>
           <p:cNvSpPr/>
           <p:nvPr isPhoto="0" userDrawn="0"/>
         </p:nvSpPr>
         <p:spPr bwMode="auto">
           <a:xfrm>
-            <a:off x="457200" y="2920653"/>
+            <a:off x="457200" y="781200"/>
             <a:ext cx="8228520" cy="618120"/>
           </a:xfrm>
           <a:prstGeom prst="rect">
@@ -10683,57 +10575,47 @@
             <a:noFill/>
           </a:ln>
         </p:spPr>
-        <p:txBody>
-          <a:bodyPr spcFirstLastPara="1" wrap="square" lIns="90000" tIns="45000" rIns="90000" bIns="45000" anchor="t" anchorCtr="0">
-            <a:noAutofit/>
-          </a:bodyPr>
-          <a:lstStyle/>
-          <a:p>
-            <a:pPr marL="0" marR="0" lvl="0" indent="0" algn="ctr">
+        <p:style>
+          <a:lnRef idx="0"/>
+          <a:fillRef idx="0"/>
+          <a:effectRef idx="0"/>
+          <a:fontRef idx="minor"/>
+        </p:style>
+        <p:txBody>
+          <a:bodyPr lIns="90000" tIns="45000" rIns="90000" bIns="45000"/>
+          <a:p>
+            <a:pPr>
               <a:lnSpc>
                 <a:spcPct val="100000"/>
               </a:lnSpc>
-              <a:spcBef>
-                <a:spcPts val="0"/>
-              </a:spcBef>
-              <a:spcAft>
-                <a:spcPts val="0"/>
-              </a:spcAft>
-              <a:buNone/>
-              <a:defRPr/>
-            </a:pPr>
-            <a:r>
-              <a:rPr lang="pt-BR" sz="3600" b="1" i="0" u="none" strike="noStrike" cap="none">
+              <a:defRPr/>
+            </a:pPr>
+            <a:r>
+              <a:rPr lang="pt-BR" sz="3200" b="0" strike="noStrike" spc="-1">
                 <a:solidFill>
                   <a:srgbClr val="C00026"/>
                 </a:solidFill>
                 <a:latin typeface="Verdana"/>
                 <a:ea typeface="Verdana"/>
-                <a:cs typeface="Verdana"/>
-              </a:rPr>
-              <a:t>Atividade prática</a:t>
-            </a:r>
-            <a:endParaRPr sz="3600" b="1" i="0" u="none" strike="noStrike" cap="none">
-              <a:solidFill>
-                <a:schemeClr val="dk1"/>
-              </a:solidFill>
-              <a:latin typeface="Arial"/>
-              <a:ea typeface="Arial"/>
-              <a:cs typeface="Arial"/>
-            </a:endParaRPr>
-          </a:p>
-        </p:txBody>
-      </p:sp>
-      <p:sp>
-        <p:nvSpPr>
-          <p:cNvPr id="5" name="Google Shape;348;p64" hidden="0"/>
+              </a:rPr>
+              <a:t>Vetor dinâmico – redimensionamento</a:t>
+            </a:r>
+            <a:endParaRPr lang="pt-BR" sz="3200" b="0" strike="noStrike" spc="-1">
+              <a:latin typeface="Arial"/>
+            </a:endParaRPr>
+          </a:p>
+        </p:txBody>
+      </p:sp>
+      <p:sp>
+        <p:nvSpPr>
+          <p:cNvPr id="5" name="CustomShape 2" hidden="0"/>
           <p:cNvSpPr/>
           <p:nvPr isPhoto="0" userDrawn="0"/>
         </p:nvSpPr>
         <p:spPr bwMode="auto">
           <a:xfrm>
-            <a:off x="162000" y="85680"/>
-            <a:ext cx="7228440" cy="351360"/>
+            <a:off x="657360" y="1486080"/>
+            <a:ext cx="8028360" cy="4723200"/>
           </a:xfrm>
           <a:prstGeom prst="rect">
             <a:avLst/>
@@ -10743,36 +10625,112 @@
             <a:noFill/>
           </a:ln>
         </p:spPr>
-        <p:txBody>
-          <a:bodyPr spcFirstLastPara="1" wrap="square" lIns="91422" tIns="91422" rIns="91422" bIns="91422" anchor="ctr" anchorCtr="0">
-            <a:noAutofit/>
-          </a:bodyPr>
-          <a:lstStyle/>
-          <a:p>
-            <a:pPr marL="0" lvl="0" indent="0" algn="l">
+        <p:style>
+          <a:lnRef idx="0"/>
+          <a:fillRef idx="0"/>
+          <a:effectRef idx="0"/>
+          <a:fontRef idx="minor"/>
+        </p:style>
+        <p:txBody>
+          <a:bodyPr lIns="90000" tIns="45000" rIns="90000" bIns="45000"/>
+          <a:p>
+            <a:pPr>
+              <a:lnSpc>
+                <a:spcPct val="100000"/>
+              </a:lnSpc>
               <a:spcBef>
-                <a:spcPts val="0"/>
+                <a:spcPts val="479"/>
               </a:spcBef>
-              <a:spcAft>
-                <a:spcPts val="0"/>
-              </a:spcAft>
-              <a:buNone/>
-              <a:defRPr/>
-            </a:pPr>
-            <a:endParaRPr/>
-          </a:p>
-        </p:txBody>
-      </p:sp>
-      <p:sp>
-        <p:nvSpPr>
-          <p:cNvPr id="6" name="Google Shape;349;p64" hidden="0"/>
+              <a:defRPr/>
+            </a:pPr>
+            <a:endParaRPr lang="pt-BR" sz="1800" b="0" strike="noStrike" spc="-1">
+              <a:latin typeface="Arial"/>
+            </a:endParaRPr>
+          </a:p>
+          <a:p>
+            <a:pPr>
+              <a:lnSpc>
+                <a:spcPct val="100000"/>
+              </a:lnSpc>
+              <a:spcBef>
+                <a:spcPts val="479"/>
+              </a:spcBef>
+              <a:defRPr/>
+            </a:pPr>
+            <a:endParaRPr lang="pt-BR" sz="1800" b="0" strike="noStrike" spc="-1">
+              <a:latin typeface="Arial"/>
+            </a:endParaRPr>
+          </a:p>
+          <a:p>
+            <a:pPr marL="216000" indent="-216000">
+              <a:lnSpc>
+                <a:spcPct val="150000"/>
+              </a:lnSpc>
+              <a:spcBef>
+                <a:spcPts val="479"/>
+              </a:spcBef>
+              <a:buClr>
+                <a:srgbClr val="000000"/>
+              </a:buClr>
+              <a:buFont typeface="Symbol"/>
+              <a:buChar char=""/>
+              <a:defRPr/>
+            </a:pPr>
+            <a:r>
+              <a:rPr lang="pt-BR" sz="3200" b="0" strike="noStrike" spc="-1">
+                <a:solidFill>
+                  <a:srgbClr val="000000"/>
+                </a:solidFill>
+                <a:latin typeface="Arial"/>
+                <a:ea typeface="DejaVu Sans"/>
+              </a:rPr>
+              <a:t>Quando encher, dobrar capacidade</a:t>
+            </a:r>
+            <a:endParaRPr lang="pt-BR" sz="3200" b="0" strike="noStrike" spc="-1">
+              <a:latin typeface="Arial"/>
+            </a:endParaRPr>
+          </a:p>
+          <a:p>
+            <a:pPr marL="216000" indent="-216000">
+              <a:lnSpc>
+                <a:spcPct val="150000"/>
+              </a:lnSpc>
+              <a:spcBef>
+                <a:spcPts val="479"/>
+              </a:spcBef>
+              <a:buClr>
+                <a:srgbClr val="000000"/>
+              </a:buClr>
+              <a:buFont typeface="Symbol"/>
+              <a:buChar char=""/>
+              <a:defRPr/>
+            </a:pPr>
+            <a:r>
+              <a:rPr lang="pt-BR" sz="3200" b="0" strike="noStrike" spc="-1">
+                <a:solidFill>
+                  <a:srgbClr val="000000"/>
+                </a:solidFill>
+                <a:latin typeface="Arial"/>
+                <a:ea typeface="DejaVu Sans"/>
+              </a:rPr>
+              <a:t>Quando ficar com menos de um quarto da capacidade, diminuir a capacidade pela metade</a:t>
+            </a:r>
+            <a:endParaRPr lang="pt-BR" sz="3200" b="0" strike="noStrike" spc="-1">
+              <a:latin typeface="Arial"/>
+            </a:endParaRPr>
+          </a:p>
+        </p:txBody>
+      </p:sp>
+      <p:sp>
+        <p:nvSpPr>
+          <p:cNvPr id="6" name="CustomShape 3" hidden="0"/>
           <p:cNvSpPr/>
           <p:nvPr isPhoto="0" userDrawn="0"/>
         </p:nvSpPr>
         <p:spPr bwMode="auto">
           <a:xfrm>
-            <a:off x="84240" y="6402240"/>
-            <a:ext cx="640440" cy="363960"/>
+            <a:off x="162000" y="85680"/>
+            <a:ext cx="7228440" cy="351360"/>
           </a:xfrm>
           <a:prstGeom prst="rect">
             <a:avLst/>
@@ -10782,135 +10740,88 @@
             <a:noFill/>
           </a:ln>
         </p:spPr>
-        <p:txBody>
-          <a:bodyPr spcFirstLastPara="1" wrap="square" lIns="90000" tIns="45000" rIns="90000" bIns="45000" anchor="ctr" anchorCtr="0">
-            <a:noAutofit/>
-          </a:bodyPr>
-          <a:lstStyle/>
-          <a:p>
-            <a:pPr marL="0" marR="0" lvl="0" indent="0" algn="r">
+        <p:style>
+          <a:lnRef idx="0"/>
+          <a:fillRef idx="0"/>
+          <a:effectRef idx="0"/>
+          <a:fontRef idx="minor"/>
+        </p:style>
+      </p:sp>
+      <p:sp>
+        <p:nvSpPr>
+          <p:cNvPr id="7" name="CustomShape 4" hidden="0"/>
+          <p:cNvSpPr/>
+          <p:nvPr isPhoto="0" userDrawn="0"/>
+        </p:nvSpPr>
+        <p:spPr bwMode="auto">
+          <a:xfrm>
+            <a:off x="84240" y="6402240"/>
+            <a:ext cx="640440" cy="363960"/>
+          </a:xfrm>
+          <a:prstGeom prst="rect">
+            <a:avLst/>
+          </a:prstGeom>
+          <a:noFill/>
+          <a:ln>
+            <a:noFill/>
+          </a:ln>
+        </p:spPr>
+        <p:style>
+          <a:lnRef idx="0"/>
+          <a:fillRef idx="0"/>
+          <a:effectRef idx="0"/>
+          <a:fontRef idx="minor"/>
+        </p:style>
+        <p:txBody>
+          <a:bodyPr lIns="90000" tIns="45000" rIns="90000" bIns="45000" anchor="ctr"/>
+          <a:p>
+            <a:pPr algn="r">
               <a:lnSpc>
                 <a:spcPct val="100000"/>
               </a:lnSpc>
-              <a:spcBef>
-                <a:spcPts val="0"/>
-              </a:spcBef>
-              <a:spcAft>
-                <a:spcPts val="0"/>
-              </a:spcAft>
-              <a:buNone/>
-              <a:defRPr/>
-            </a:pPr>
-            <a:fld id="{B09C79B7-0EDD-DDBF-0058-B9677AA2CE30}" type="slidenum">
-              <a:rPr lang="pt-BR" sz="1000" b="0" i="0" u="none" strike="noStrike" cap="none">
+              <a:defRPr/>
+            </a:pPr>
+            <a:fld id="{F369B973-85AD-4130-BF0A-1D3551C6EB3D}" type="slidenum">
+              <a:rPr lang="pt-BR" sz="1000" b="0" strike="noStrike" spc="-1">
                 <a:solidFill>
                   <a:srgbClr val="B2B2B2"/>
                 </a:solidFill>
                 <a:latin typeface="Verdana"/>
                 <a:ea typeface="Verdana"/>
-                <a:cs typeface="Verdana"/>
               </a:rPr>
               <a:t/>
             </a:fld>
-            <a:endParaRPr sz="1000" b="0" i="0" u="none" strike="noStrike" cap="none">
-              <a:solidFill>
-                <a:schemeClr val="dk1"/>
-              </a:solidFill>
-              <a:latin typeface="Arial"/>
-              <a:ea typeface="Arial"/>
-              <a:cs typeface="Arial"/>
-            </a:endParaRPr>
-          </a:p>
-        </p:txBody>
-      </p:sp>
-      <p:sp>
-        <p:nvSpPr>
-          <p:cNvPr id="7" name="" hidden="0"/>
+            <a:endParaRPr lang="pt-BR" sz="1000" b="0" strike="noStrike" spc="-1">
+              <a:latin typeface="Arial"/>
+            </a:endParaRPr>
+          </a:p>
+        </p:txBody>
+      </p:sp>
+      <p:sp>
+        <p:nvSpPr>
+          <p:cNvPr id="8" name="CustomShape 5" hidden="0"/>
           <p:cNvSpPr/>
           <p:nvPr isPhoto="0" userDrawn="0"/>
         </p:nvSpPr>
         <p:spPr bwMode="auto">
-          <a:xfrm flipH="0" flipV="0">
-            <a:off x="724672" y="4088421"/>
-            <a:ext cx="8137926" cy="363447"/>
+          <a:xfrm>
+            <a:off x="165960" y="1430280"/>
+            <a:ext cx="8978040" cy="3289680"/>
           </a:xfrm>
           <a:prstGeom prst="rect">
             <a:avLst/>
           </a:prstGeom>
           <a:noFill/>
-        </p:spPr>
-        <p:txBody>
-          <a:bodyPr vertOverflow="overflow" horzOverflow="clip" vert="horz" wrap="square" lIns="91440" tIns="45720" rIns="91440" bIns="45720" numCol="1" spcCol="0" rtlCol="0" fromWordArt="0" anchor="t" anchorCtr="0" forceAA="0" upright="0" compatLnSpc="0">
-            <a:noAutofit/>
-          </a:bodyPr>
-          <a:p>
-            <a:pPr>
-              <a:defRPr/>
-            </a:pPr>
-            <a:r>
-              <a:rPr sz="2000" b="1"/>
-              <a:t>Implementação de Vetor dinâmico</a:t>
-            </a:r>
-            <a:r>
-              <a:rPr sz="2000" b="1"/>
-              <a:t> (Entrega)</a:t>
-            </a:r>
-            <a:endParaRPr sz="2000" b="1"/>
-          </a:p>
-          <a:p>
-            <a:pPr>
-              <a:defRPr/>
-            </a:pPr>
-            <a:endParaRPr sz="2000"/>
-          </a:p>
-          <a:p>
-            <a:pPr marL="305899" indent="-305899">
-              <a:buAutoNum type="arabicPeriod"/>
-              <a:defRPr/>
-            </a:pPr>
-            <a:r>
-              <a:rPr sz="2000" b="0"/>
-              <a:t>Revisão de malloc</a:t>
-            </a:r>
-            <a:endParaRPr sz="2000" b="0"/>
-          </a:p>
-          <a:p>
-            <a:pPr marL="305899" indent="-305899">
-              <a:buAutoNum type="arabicPeriod"/>
-              <a:defRPr/>
-            </a:pPr>
-            <a:r>
-              <a:rPr sz="2000" b="0"/>
-              <a:t>Compilação de programas com mais de um arquivo .c</a:t>
-            </a:r>
-            <a:endParaRPr sz="2000" b="0"/>
-          </a:p>
-          <a:p>
-            <a:pPr marL="305899" indent="-305899">
-              <a:buAutoNum type="arabicPeriod"/>
-              <a:defRPr/>
-            </a:pPr>
-            <a:r>
-              <a:rPr sz="2000" b="0"/>
-              <a:t>Entender uso de um TAD a partir de exemplos de uso</a:t>
-            </a:r>
-            <a:endParaRPr sz="2000" b="0"/>
-          </a:p>
-          <a:p>
-            <a:pPr marL="305899" indent="-305899">
-              <a:buAutoNum type="arabicPeriod"/>
-              <a:defRPr/>
-            </a:pPr>
-            <a:endParaRPr sz="2000" b="0"/>
-          </a:p>
-          <a:p>
-            <a:pPr marL="305899" indent="-305899">
-              <a:buAutoNum type="arabicPeriod"/>
-              <a:defRPr/>
-            </a:pPr>
-            <a:endParaRPr sz="2000" b="0"/>
-          </a:p>
-        </p:txBody>
+          <a:ln>
+            <a:noFill/>
+          </a:ln>
+        </p:spPr>
+        <p:style>
+          <a:lnRef idx="0"/>
+          <a:fillRef idx="0"/>
+          <a:effectRef idx="0"/>
+          <a:fontRef idx="minor"/>
+        </p:style>
       </p:sp>
     </p:spTree>
   </p:cSld>
@@ -10929,6 +10840,287 @@
 </file>
 
 <file path=ppt/slides/slide22.xml><?xml version="1.0" encoding="utf-8"?>
+<p:sld xmlns:a="http://schemas.openxmlformats.org/drawingml/2006/main" xmlns:r="http://schemas.openxmlformats.org/officeDocument/2006/relationships" xmlns:p="http://schemas.openxmlformats.org/presentationml/2006/main" xmlns:m="http://schemas.openxmlformats.org/officeDocument/2006/math" xmlns:w="http://schemas.openxmlformats.org/wordprocessingml/2006/main" showMasterPhAnim="0" show="1">
+  <p:cSld name="">
+    <p:spTree>
+      <p:nvGrpSpPr>
+        <p:cNvPr id="1" name="" hidden="0"/>
+        <p:cNvGrpSpPr/>
+        <p:nvPr isPhoto="0" userDrawn="0"/>
+      </p:nvGrpSpPr>
+      <p:grpSpPr bwMode="auto">
+        <a:xfrm>
+          <a:off x="0" y="0"/>
+          <a:ext cx="0" cy="0"/>
+          <a:chOff x="0" y="0"/>
+          <a:chExt cx="0" cy="0"/>
+        </a:xfrm>
+      </p:grpSpPr>
+      <p:sp>
+        <p:nvSpPr>
+          <p:cNvPr id="4" name="Google Shape;347;p64" hidden="0"/>
+          <p:cNvSpPr/>
+          <p:nvPr isPhoto="0" userDrawn="0"/>
+        </p:nvSpPr>
+        <p:spPr bwMode="auto">
+          <a:xfrm>
+            <a:off x="457200" y="2920653"/>
+            <a:ext cx="8228520" cy="618120"/>
+          </a:xfrm>
+          <a:prstGeom prst="rect">
+            <a:avLst/>
+          </a:prstGeom>
+          <a:noFill/>
+          <a:ln>
+            <a:noFill/>
+          </a:ln>
+        </p:spPr>
+        <p:txBody>
+          <a:bodyPr spcFirstLastPara="1" wrap="square" lIns="90000" tIns="45000" rIns="90000" bIns="45000" anchor="t" anchorCtr="0">
+            <a:noAutofit/>
+          </a:bodyPr>
+          <a:lstStyle/>
+          <a:p>
+            <a:pPr marL="0" marR="0" lvl="0" indent="0" algn="ctr">
+              <a:lnSpc>
+                <a:spcPct val="100000"/>
+              </a:lnSpc>
+              <a:spcBef>
+                <a:spcPts val="0"/>
+              </a:spcBef>
+              <a:spcAft>
+                <a:spcPts val="0"/>
+              </a:spcAft>
+              <a:buNone/>
+              <a:defRPr/>
+            </a:pPr>
+            <a:r>
+              <a:rPr lang="pt-BR" sz="3600" b="1" i="0" u="none" strike="noStrike" cap="none">
+                <a:solidFill>
+                  <a:srgbClr val="C00026"/>
+                </a:solidFill>
+                <a:latin typeface="Verdana"/>
+                <a:ea typeface="Verdana"/>
+                <a:cs typeface="Verdana"/>
+              </a:rPr>
+              <a:t>Atividade prática</a:t>
+            </a:r>
+            <a:endParaRPr sz="3600" b="1" i="0" u="none" strike="noStrike" cap="none">
+              <a:solidFill>
+                <a:schemeClr val="dk1"/>
+              </a:solidFill>
+              <a:latin typeface="Arial"/>
+              <a:ea typeface="Arial"/>
+              <a:cs typeface="Arial"/>
+            </a:endParaRPr>
+          </a:p>
+        </p:txBody>
+      </p:sp>
+      <p:sp>
+        <p:nvSpPr>
+          <p:cNvPr id="5" name="Google Shape;348;p64" hidden="0"/>
+          <p:cNvSpPr/>
+          <p:nvPr isPhoto="0" userDrawn="0"/>
+        </p:nvSpPr>
+        <p:spPr bwMode="auto">
+          <a:xfrm>
+            <a:off x="162000" y="85680"/>
+            <a:ext cx="7228440" cy="351360"/>
+          </a:xfrm>
+          <a:prstGeom prst="rect">
+            <a:avLst/>
+          </a:prstGeom>
+          <a:noFill/>
+          <a:ln>
+            <a:noFill/>
+          </a:ln>
+        </p:spPr>
+        <p:txBody>
+          <a:bodyPr spcFirstLastPara="1" wrap="square" lIns="91422" tIns="91422" rIns="91422" bIns="91422" anchor="ctr" anchorCtr="0">
+            <a:noAutofit/>
+          </a:bodyPr>
+          <a:lstStyle/>
+          <a:p>
+            <a:pPr marL="0" lvl="0" indent="0" algn="l">
+              <a:spcBef>
+                <a:spcPts val="0"/>
+              </a:spcBef>
+              <a:spcAft>
+                <a:spcPts val="0"/>
+              </a:spcAft>
+              <a:buNone/>
+              <a:defRPr/>
+            </a:pPr>
+            <a:endParaRPr/>
+          </a:p>
+        </p:txBody>
+      </p:sp>
+      <p:sp>
+        <p:nvSpPr>
+          <p:cNvPr id="6" name="Google Shape;349;p64" hidden="0"/>
+          <p:cNvSpPr/>
+          <p:nvPr isPhoto="0" userDrawn="0"/>
+        </p:nvSpPr>
+        <p:spPr bwMode="auto">
+          <a:xfrm>
+            <a:off x="84240" y="6402240"/>
+            <a:ext cx="640440" cy="363960"/>
+          </a:xfrm>
+          <a:prstGeom prst="rect">
+            <a:avLst/>
+          </a:prstGeom>
+          <a:noFill/>
+          <a:ln>
+            <a:noFill/>
+          </a:ln>
+        </p:spPr>
+        <p:txBody>
+          <a:bodyPr spcFirstLastPara="1" wrap="square" lIns="90000" tIns="45000" rIns="90000" bIns="45000" anchor="ctr" anchorCtr="0">
+            <a:noAutofit/>
+          </a:bodyPr>
+          <a:lstStyle/>
+          <a:p>
+            <a:pPr marL="0" marR="0" lvl="0" indent="0" algn="r">
+              <a:lnSpc>
+                <a:spcPct val="100000"/>
+              </a:lnSpc>
+              <a:spcBef>
+                <a:spcPts val="0"/>
+              </a:spcBef>
+              <a:spcAft>
+                <a:spcPts val="0"/>
+              </a:spcAft>
+              <a:buNone/>
+              <a:defRPr/>
+            </a:pPr>
+            <a:fld id="{B09C79B7-0EDD-DDBF-0058-B9677AA2CE30}" type="slidenum">
+              <a:rPr lang="pt-BR" sz="1000" b="0" i="0" u="none" strike="noStrike" cap="none">
+                <a:solidFill>
+                  <a:srgbClr val="B2B2B2"/>
+                </a:solidFill>
+                <a:latin typeface="Verdana"/>
+                <a:ea typeface="Verdana"/>
+                <a:cs typeface="Verdana"/>
+              </a:rPr>
+              <a:t/>
+            </a:fld>
+            <a:endParaRPr sz="1000" b="0" i="0" u="none" strike="noStrike" cap="none">
+              <a:solidFill>
+                <a:schemeClr val="dk1"/>
+              </a:solidFill>
+              <a:latin typeface="Arial"/>
+              <a:ea typeface="Arial"/>
+              <a:cs typeface="Arial"/>
+            </a:endParaRPr>
+          </a:p>
+        </p:txBody>
+      </p:sp>
+      <p:sp>
+        <p:nvSpPr>
+          <p:cNvPr id="7" name="" hidden="0"/>
+          <p:cNvSpPr/>
+          <p:nvPr isPhoto="0" userDrawn="0"/>
+        </p:nvSpPr>
+        <p:spPr bwMode="auto">
+          <a:xfrm flipH="0" flipV="0">
+            <a:off x="724672" y="4088421"/>
+            <a:ext cx="8137926" cy="363447"/>
+          </a:xfrm>
+          <a:prstGeom prst="rect">
+            <a:avLst/>
+          </a:prstGeom>
+          <a:noFill/>
+        </p:spPr>
+        <p:txBody>
+          <a:bodyPr vertOverflow="overflow" horzOverflow="clip" vert="horz" wrap="square" lIns="91440" tIns="45720" rIns="91440" bIns="45720" numCol="1" spcCol="0" rtlCol="0" fromWordArt="0" anchor="t" anchorCtr="0" forceAA="0" upright="0" compatLnSpc="0">
+            <a:noAutofit/>
+          </a:bodyPr>
+          <a:p>
+            <a:pPr>
+              <a:defRPr/>
+            </a:pPr>
+            <a:r>
+              <a:rPr sz="2000" b="1"/>
+              <a:t>Implementação de Vetor dinâmico</a:t>
+            </a:r>
+            <a:r>
+              <a:rPr sz="2000" b="1"/>
+              <a:t> (Entrega)</a:t>
+            </a:r>
+            <a:endParaRPr sz="2000" b="1"/>
+          </a:p>
+          <a:p>
+            <a:pPr>
+              <a:defRPr/>
+            </a:pPr>
+            <a:endParaRPr sz="2000"/>
+          </a:p>
+          <a:p>
+            <a:pPr marL="305899" indent="-305899">
+              <a:buAutoNum type="arabicPeriod"/>
+              <a:defRPr/>
+            </a:pPr>
+            <a:r>
+              <a:rPr sz="2000" b="0"/>
+              <a:t>Revisão de malloc</a:t>
+            </a:r>
+            <a:endParaRPr sz="2000" b="0"/>
+          </a:p>
+          <a:p>
+            <a:pPr marL="305899" indent="-305899">
+              <a:buAutoNum type="arabicPeriod"/>
+              <a:defRPr/>
+            </a:pPr>
+            <a:r>
+              <a:rPr sz="2000" b="0"/>
+              <a:t>Compilação de programas com mais de um arquivo .c</a:t>
+            </a:r>
+            <a:endParaRPr sz="2000" b="0"/>
+          </a:p>
+          <a:p>
+            <a:pPr marL="305899" indent="-305899">
+              <a:buAutoNum type="arabicPeriod"/>
+              <a:defRPr/>
+            </a:pPr>
+            <a:r>
+              <a:rPr sz="2000" b="0"/>
+              <a:t>Entender uso de um TAD a partir de exemplos de uso</a:t>
+            </a:r>
+            <a:endParaRPr sz="2000" b="0"/>
+          </a:p>
+          <a:p>
+            <a:pPr marL="305899" indent="-305899">
+              <a:buAutoNum type="arabicPeriod"/>
+              <a:defRPr/>
+            </a:pPr>
+            <a:endParaRPr sz="2000" b="0"/>
+          </a:p>
+          <a:p>
+            <a:pPr marL="305899" indent="-305899">
+              <a:buAutoNum type="arabicPeriod"/>
+              <a:defRPr/>
+            </a:pPr>
+            <a:endParaRPr sz="2000" b="0"/>
+          </a:p>
+        </p:txBody>
+      </p:sp>
+    </p:spTree>
+  </p:cSld>
+  <p:clrMapOvr>
+    <a:masterClrMapping/>
+  </p:clrMapOvr>
+  <mc:AlternateContent xmlns:mc="http://schemas.openxmlformats.org/markup-compatibility/2006">
+    <mc:Choice xmlns:p14="http://schemas.microsoft.com/office/powerpoint/2010/main" Requires="p14">
+      <p:transition p14:dur="2000" advClick="1"/>
+    </mc:Choice>
+    <mc:Fallback>
+      <p:transition advClick="1"/>
+    </mc:Fallback>
+  </mc:AlternateContent>
+</p:sld>
+</file>
+
+<file path=ppt/slides/slide23.xml><?xml version="1.0" encoding="utf-8"?>
 <p:sld xmlns:a="http://schemas.openxmlformats.org/drawingml/2006/main" xmlns:r="http://schemas.openxmlformats.org/officeDocument/2006/relationships" xmlns:p="http://schemas.openxmlformats.org/presentationml/2006/main" xmlns:m="http://schemas.openxmlformats.org/officeDocument/2006/math" xmlns:w="http://schemas.openxmlformats.org/wordprocessingml/2006/main" showMasterPhAnim="0" show="1">
   <p:cSld name="">
     <p:bg>
@@ -11134,16 +11326,16 @@
               <a:defRPr/>
             </a:pPr>
             <a:r>
-              <a:rPr lang="pt-BR" sz="3200" b="1" strike="noStrike" spc="-1">
+              <a:rPr lang="pt-BR" sz="3200" b="1" strike="noStrike" spc="0">
                 <a:solidFill>
                   <a:srgbClr val="C00026"/>
                 </a:solidFill>
                 <a:latin typeface="Courier New"/>
                 <a:ea typeface="Verdana"/>
               </a:rPr>
-              <a:t>free</a:t>
-            </a:r>
-            <a:endParaRPr lang="pt-BR" sz="3200" b="0" strike="noStrike" spc="-1">
+              <a:t>malloc</a:t>
+            </a:r>
+            <a:endParaRPr lang="pt-BR" sz="3200" b="0" strike="noStrike" spc="0">
               <a:latin typeface="Arial"/>
             </a:endParaRPr>
           </a:p>
@@ -11158,7 +11350,7 @@
         <p:spPr bwMode="auto">
           <a:xfrm>
             <a:off x="657360" y="1486080"/>
-            <a:ext cx="8028360" cy="4723200"/>
+            <a:ext cx="8028360" cy="4723199"/>
           </a:xfrm>
           <a:prstGeom prst="rect">
             <a:avLst/>
@@ -11182,12 +11374,12 @@
                 <a:spcPct val="100000"/>
               </a:lnSpc>
               <a:spcBef>
-                <a:spcPts val="479"/>
+                <a:spcPts val="478"/>
               </a:spcBef>
               <a:defRPr/>
             </a:pPr>
             <a:r>
-              <a:rPr lang="pt-BR" sz="2400" b="1" strike="noStrike" spc="-1">
+              <a:rPr lang="pt-BR" sz="2400" b="1" strike="noStrike" spc="0">
                 <a:solidFill>
                   <a:srgbClr val="000000"/>
                 </a:solidFill>
@@ -11196,7 +11388,7 @@
               </a:rPr>
               <a:t>#include &lt;stdlib.h&gt;</a:t>
             </a:r>
-            <a:endParaRPr lang="pt-BR" sz="2400" b="0" strike="noStrike" spc="-1">
+            <a:endParaRPr lang="pt-BR" sz="2400" b="0" strike="noStrike" spc="0">
               <a:latin typeface="Arial"/>
             </a:endParaRPr>
           </a:p>
@@ -11206,21 +11398,21 @@
                 <a:spcPct val="100000"/>
               </a:lnSpc>
               <a:spcBef>
-                <a:spcPts val="479"/>
+                <a:spcPts val="478"/>
               </a:spcBef>
               <a:defRPr/>
             </a:pPr>
             <a:r>
-              <a:rPr lang="pt-BR" sz="2400" b="1" strike="noStrike" spc="-1">
+              <a:rPr lang="pt-BR" sz="2400" b="1" strike="noStrike" spc="0">
                 <a:solidFill>
                   <a:srgbClr val="000000"/>
                 </a:solidFill>
                 <a:latin typeface="Consolas"/>
                 <a:ea typeface="Verdana"/>
               </a:rPr>
-              <a:t>void free(void *p)</a:t>
-            </a:r>
-            <a:endParaRPr lang="pt-BR" sz="2400" b="0" strike="noStrike" spc="-1">
+              <a:t>void *malloc(size_t size)</a:t>
+            </a:r>
+            <a:endParaRPr lang="pt-BR" sz="2400" b="0" strike="noStrike" spc="0">
               <a:latin typeface="Arial"/>
             </a:endParaRPr>
           </a:p>
@@ -11230,11 +11422,11 @@
                 <a:spcPct val="100000"/>
               </a:lnSpc>
               <a:spcBef>
-                <a:spcPts val="479"/>
+                <a:spcPts val="478"/>
               </a:spcBef>
               <a:defRPr/>
             </a:pPr>
-            <a:endParaRPr lang="pt-BR" sz="2400" b="0" strike="noStrike" spc="-1">
+            <a:endParaRPr lang="pt-BR" sz="2400" b="0" strike="noStrike" spc="0">
               <a:latin typeface="Arial"/>
             </a:endParaRPr>
           </a:p>
@@ -11244,11 +11436,11 @@
                 <a:spcPct val="100000"/>
               </a:lnSpc>
               <a:spcBef>
-                <a:spcPts val="479"/>
+                <a:spcPts val="478"/>
               </a:spcBef>
               <a:defRPr/>
             </a:pPr>
-            <a:endParaRPr lang="pt-BR" sz="2400" b="0" strike="noStrike" spc="-1">
+            <a:endParaRPr lang="pt-BR" sz="2400" b="0" strike="noStrike" spc="0">
               <a:latin typeface="Arial"/>
             </a:endParaRPr>
           </a:p>
@@ -11258,75 +11450,91 @@
                 <a:spcPct val="100000"/>
               </a:lnSpc>
               <a:spcBef>
-                <a:spcPts val="479"/>
+                <a:spcPts val="478"/>
               </a:spcBef>
               <a:defRPr/>
             </a:pPr>
-            <a:endParaRPr lang="pt-BR" sz="2400" b="0" strike="noStrike" spc="-1">
-              <a:latin typeface="Arial"/>
-            </a:endParaRPr>
-          </a:p>
-          <a:p>
-            <a:pPr>
-              <a:lnSpc>
-                <a:spcPct val="100000"/>
-              </a:lnSpc>
-              <a:spcBef>
-                <a:spcPts val="479"/>
-              </a:spcBef>
-              <a:defRPr/>
-            </a:pPr>
-            <a:r>
-              <a:rPr lang="pt-BR" sz="2400" b="0" strike="noStrike" spc="-1">
-                <a:solidFill>
-                  <a:srgbClr val="000000"/>
+            <a:r>
+              <a:rPr lang="pt-BR" sz="2400" b="1" strike="noStrike" spc="0">
+                <a:solidFill>
+                  <a:srgbClr val="376092"/>
                 </a:solidFill>
                 <a:latin typeface="Verdana"/>
                 <a:ea typeface="Verdana"/>
               </a:rPr>
-              <a:t>Devolve o bloco apontado por </a:t>
-            </a:r>
-            <a:r>
-              <a:rPr lang="pt-BR" sz="2400" b="1" strike="noStrike" spc="-1">
+              <a:t>Se bem sucedido</a:t>
+            </a:r>
+            <a:r>
+              <a:rPr lang="pt-BR" sz="2400" b="0" strike="noStrike" spc="0">
+                <a:solidFill>
+                  <a:srgbClr val="000000"/>
+                </a:solidFill>
+                <a:latin typeface="Verdana"/>
+                <a:ea typeface="Verdana"/>
+              </a:rPr>
+              <a:t>: retorna ponteiro para bloco de memória com pelo menos </a:t>
+            </a:r>
+            <a:r>
+              <a:rPr lang="pt-BR" sz="2400" b="1" strike="noStrike" spc="0">
                 <a:solidFill>
                   <a:srgbClr val="000000"/>
                 </a:solidFill>
                 <a:latin typeface="Courier New"/>
                 <a:ea typeface="Verdana"/>
               </a:rPr>
-              <a:t>p</a:t>
-            </a:r>
-            <a:r>
-              <a:rPr lang="pt-BR" sz="2400" b="0" strike="noStrike" spc="-1">
+              <a:t>size </a:t>
+            </a:r>
+            <a:r>
+              <a:rPr lang="pt-BR" sz="2400" b="0" strike="noStrike" spc="0">
                 <a:solidFill>
                   <a:srgbClr val="000000"/>
                 </a:solidFill>
                 <a:latin typeface="Verdana"/>
                 <a:ea typeface="Verdana"/>
               </a:rPr>
-              <a:t> para o </a:t>
-            </a:r>
-            <a:r>
-              <a:rPr lang="pt-BR" sz="2400" b="0" i="1" strike="noStrike" spc="-1">
+              <a:t>bytes reservados, e com alinhamento de 8 bytes em x86, ou 16 bytes em x86-64. Se </a:t>
+            </a:r>
+            <a:r>
+              <a:rPr lang="pt-BR" sz="2400" b="1" strike="noStrike" spc="0">
+                <a:solidFill>
+                  <a:srgbClr val="000000"/>
+                </a:solidFill>
+                <a:latin typeface="Courier New"/>
+                <a:ea typeface="Verdana"/>
+              </a:rPr>
+              <a:t>size</a:t>
+            </a:r>
+            <a:r>
+              <a:rPr lang="pt-BR" sz="2400" b="0" strike="noStrike" spc="0">
                 <a:solidFill>
                   <a:srgbClr val="000000"/>
                 </a:solidFill>
                 <a:latin typeface="Verdana"/>
                 <a:ea typeface="Verdana"/>
               </a:rPr>
-              <a:t>pool </a:t>
-            </a:r>
-            <a:r>
-              <a:rPr lang="pt-BR" sz="2400" b="0" strike="noStrike" spc="-1">
+              <a:t> for zero, retorna </a:t>
+            </a:r>
+            <a:r>
+              <a:rPr lang="pt-BR" sz="2400" b="1" strike="noStrike" spc="0">
+                <a:solidFill>
+                  <a:srgbClr val="000000"/>
+                </a:solidFill>
+                <a:latin typeface="Courier New"/>
+                <a:ea typeface="Verdana"/>
+              </a:rPr>
+              <a:t>NULL</a:t>
+            </a:r>
+            <a:r>
+              <a:rPr lang="pt-BR" sz="2400" b="0" strike="noStrike" spc="0">
                 <a:solidFill>
                   <a:srgbClr val="000000"/>
                 </a:solidFill>
                 <a:latin typeface="Verdana"/>
                 <a:ea typeface="Verdana"/>
               </a:rPr>
-              <a:t>de memória disponível</a:t>
-            </a:r>
-            <a:endParaRPr lang="pt-BR" sz="2400" b="0" strike="noStrike" spc="-1">
+              <a:t>.</a:t>
+            </a:r>
+            <a:endParaRPr lang="pt-BR" sz="2400" b="0" strike="noStrike" spc="0">
               <a:latin typeface="Arial"/>
             </a:endParaRPr>
           </a:p>
@@ -11336,11 +11544,89 @@
                 <a:spcPct val="100000"/>
               </a:lnSpc>
               <a:spcBef>
-                <a:spcPts val="479"/>
+                <a:spcPts val="478"/>
               </a:spcBef>
               <a:defRPr/>
             </a:pPr>
-            <a:endParaRPr lang="pt-BR" sz="2400" b="0" strike="noStrike" spc="-1">
+            <a:endParaRPr lang="pt-BR" sz="2400" b="0" strike="noStrike" spc="0">
+              <a:latin typeface="Arial"/>
+            </a:endParaRPr>
+          </a:p>
+          <a:p>
+            <a:pPr>
+              <a:lnSpc>
+                <a:spcPct val="100000"/>
+              </a:lnSpc>
+              <a:spcBef>
+                <a:spcPts val="478"/>
+              </a:spcBef>
+              <a:defRPr/>
+            </a:pPr>
+            <a:endParaRPr lang="pt-BR" sz="2400" b="0" strike="noStrike" spc="0">
+              <a:latin typeface="Arial"/>
+            </a:endParaRPr>
+          </a:p>
+          <a:p>
+            <a:pPr>
+              <a:lnSpc>
+                <a:spcPct val="100000"/>
+              </a:lnSpc>
+              <a:spcBef>
+                <a:spcPts val="478"/>
+              </a:spcBef>
+              <a:defRPr/>
+            </a:pPr>
+            <a:r>
+              <a:rPr lang="pt-BR" sz="2400" b="1" strike="noStrike" spc="0">
+                <a:solidFill>
+                  <a:srgbClr val="376092"/>
+                </a:solidFill>
+                <a:latin typeface="Verdana"/>
+                <a:ea typeface="Verdana"/>
+              </a:rPr>
+              <a:t>Se falhou</a:t>
+            </a:r>
+            <a:r>
+              <a:rPr lang="pt-BR" sz="2400" b="0" strike="noStrike" spc="0">
+                <a:solidFill>
+                  <a:srgbClr val="000000"/>
+                </a:solidFill>
+                <a:latin typeface="Verdana"/>
+                <a:ea typeface="Verdana"/>
+              </a:rPr>
+              <a:t>: retorna </a:t>
+            </a:r>
+            <a:r>
+              <a:rPr lang="pt-BR" sz="2400" b="1" strike="noStrike" spc="0">
+                <a:solidFill>
+                  <a:srgbClr val="000000"/>
+                </a:solidFill>
+                <a:latin typeface="Courier New"/>
+                <a:ea typeface="Verdana"/>
+              </a:rPr>
+              <a:t>NULL</a:t>
+            </a:r>
+            <a:r>
+              <a:rPr lang="pt-BR" sz="2400" b="0" strike="noStrike" spc="0">
+                <a:solidFill>
+                  <a:srgbClr val="000000"/>
+                </a:solidFill>
+                <a:latin typeface="Verdana"/>
+                <a:ea typeface="Verdana"/>
+              </a:rPr>
+              <a:t> e preenche </a:t>
+            </a:r>
+            <a:r>
+              <a:rPr lang="pt-BR" sz="2400" b="1" strike="noStrike" spc="0">
+                <a:solidFill>
+                  <a:srgbClr val="000000"/>
+                </a:solidFill>
+                <a:latin typeface="Courier New"/>
+                <a:ea typeface="Verdana"/>
+              </a:rPr>
+              <a:t>errno</a:t>
+            </a:r>
+            <a:endParaRPr lang="pt-BR" sz="2400" b="0" strike="noStrike" spc="0">
               <a:latin typeface="Arial"/>
             </a:endParaRPr>
           </a:p>
@@ -11406,8 +11692,8 @@
               </a:lnSpc>
               <a:defRPr/>
             </a:pPr>
-            <a:fld id="{A199D9EB-820D-4AD7-9CE0-0887FBB55B2B}" type="slidenum">
-              <a:rPr lang="pt-BR" sz="1000" b="0" strike="noStrike" spc="-1">
+            <a:fld id="{6F249D25-CF00-773B-BCDA-E6E654B272BA}" type="slidenum">
+              <a:rPr lang="pt-BR" sz="1000" b="0" strike="noStrike" spc="0">
                 <a:solidFill>
                   <a:srgbClr val="B2B2B2"/>
                 </a:solidFill>
@@ -11416,7 +11702,7 @@
               </a:rPr>
               <a:t/>
             </a:fld>
-            <a:endParaRPr lang="pt-BR" sz="1000" b="0" strike="noStrike" spc="-1">
+            <a:endParaRPr lang="pt-BR" sz="1000" b="0" strike="noStrike" spc="0">
               <a:latin typeface="Arial"/>
             </a:endParaRPr>
           </a:p>
@@ -11497,7 +11783,7 @@
                 <a:latin typeface="Courier New"/>
                 <a:ea typeface="Verdana"/>
               </a:rPr>
-              <a:t>Alocação dinâmica</a:t>
+              <a:t>free</a:t>
             </a:r>
             <a:endParaRPr lang="pt-BR" sz="3200" b="0" strike="noStrike" spc="-1">
               <a:latin typeface="Arial"/>
@@ -11533,117 +11819,77 @@
         <p:txBody>
           <a:bodyPr lIns="90000" tIns="45000" rIns="90000" bIns="45000"/>
           <a:p>
-            <a:pPr marL="343080" indent="-342720">
+            <a:pPr>
               <a:lnSpc>
                 <a:spcPct val="100000"/>
               </a:lnSpc>
               <a:spcBef>
                 <a:spcPts val="479"/>
               </a:spcBef>
-              <a:buClr>
-                <a:srgbClr val="000000"/>
-              </a:buClr>
-              <a:buFont typeface="Arial"/>
-              <a:buChar char="•"/>
-              <a:defRPr/>
-            </a:pPr>
-            <a:r>
-              <a:rPr lang="pt-BR" sz="2400" b="0" strike="noStrike" spc="-1">
-                <a:solidFill>
-                  <a:srgbClr val="000000"/>
-                </a:solidFill>
-                <a:latin typeface="Arial Nova"/>
+              <a:defRPr/>
+            </a:pPr>
+            <a:r>
+              <a:rPr lang="pt-BR" sz="2400" b="1" strike="noStrike" spc="-1">
+                <a:solidFill>
+                  <a:srgbClr val="000000"/>
+                </a:solidFill>
+                <a:latin typeface="Consolas"/>
                 <a:ea typeface="Verdana"/>
               </a:rPr>
-              <a:t>Vantagens</a:t>
+              <a:t>#include &lt;stdlib.h&gt;</a:t>
             </a:r>
             <a:endParaRPr lang="pt-BR" sz="2400" b="0" strike="noStrike" spc="-1">
               <a:latin typeface="Arial"/>
             </a:endParaRPr>
           </a:p>
           <a:p>
-            <a:pPr marL="800280" lvl="1" indent="-342720">
+            <a:pPr>
               <a:lnSpc>
                 <a:spcPct val="100000"/>
               </a:lnSpc>
               <a:spcBef>
                 <a:spcPts val="479"/>
               </a:spcBef>
-              <a:buClr>
-                <a:srgbClr val="000000"/>
-              </a:buClr>
-              <a:buFont typeface="Arial"/>
-              <a:buChar char="•"/>
-              <a:defRPr/>
-            </a:pPr>
-            <a:r>
-              <a:rPr lang="pt-BR" sz="2400" b="0" strike="noStrike" spc="-1">
-                <a:solidFill>
-                  <a:srgbClr val="000000"/>
-                </a:solidFill>
-                <a:latin typeface="Arial Nova"/>
+              <a:defRPr/>
+            </a:pPr>
+            <a:r>
+              <a:rPr lang="pt-BR" sz="2400" b="1" strike="noStrike" spc="-1">
+                <a:solidFill>
+                  <a:srgbClr val="000000"/>
+                </a:solidFill>
+                <a:latin typeface="Consolas"/>
                 <a:ea typeface="Verdana"/>
               </a:rPr>
-              <a:t>Controle feito em tempo de execução</a:t>
+              <a:t>void free(void *p)</a:t>
             </a:r>
             <a:endParaRPr lang="pt-BR" sz="2400" b="0" strike="noStrike" spc="-1">
               <a:latin typeface="Arial"/>
             </a:endParaRPr>
           </a:p>
           <a:p>
-            <a:pPr marL="800280" lvl="1" indent="-342720">
+            <a:pPr>
               <a:lnSpc>
                 <a:spcPct val="100000"/>
               </a:lnSpc>
               <a:spcBef>
                 <a:spcPts val="479"/>
               </a:spcBef>
-              <a:buClr>
-                <a:srgbClr val="000000"/>
-              </a:buClr>
-              <a:buFont typeface="Arial"/>
-              <a:buChar char="•"/>
-              <a:defRPr/>
-            </a:pPr>
-            <a:r>
-              <a:rPr lang="pt-BR" sz="2400" b="0" strike="noStrike" spc="-1">
-                <a:solidFill>
-                  <a:srgbClr val="000000"/>
-                </a:solidFill>
-                <a:latin typeface="Arial Nova"/>
-                <a:ea typeface="Verdana"/>
-              </a:rPr>
-              <a:t>Economia de memória</a:t>
-            </a:r>
+              <a:defRPr/>
+            </a:pPr>
             <a:endParaRPr lang="pt-BR" sz="2400" b="0" strike="noStrike" spc="-1">
               <a:latin typeface="Arial"/>
             </a:endParaRPr>
           </a:p>
           <a:p>
-            <a:pPr marL="800280" lvl="1" indent="-342720">
+            <a:pPr>
               <a:lnSpc>
                 <a:spcPct val="100000"/>
               </a:lnSpc>
               <a:spcBef>
                 <a:spcPts val="479"/>
               </a:spcBef>
-              <a:buClr>
-                <a:srgbClr val="000000"/>
-              </a:buClr>
-              <a:buFont typeface="Arial"/>
-              <a:buChar char="•"/>
-              <a:defRPr/>
-            </a:pPr>
-            <a:r>
-              <a:rPr lang="pt-BR" sz="2400" b="0" strike="noStrike" spc="-1">
-                <a:solidFill>
-                  <a:srgbClr val="000000"/>
-                </a:solidFill>
-                <a:latin typeface="Arial Nova"/>
-                <a:ea typeface="Verdana"/>
-              </a:rPr>
-              <a:t>Expandir / diminuir / liberar conforme necessário</a:t>
-            </a:r>
+              <a:defRPr/>
+            </a:pPr>
             <a:endParaRPr lang="pt-BR" sz="2400" b="0" strike="noStrike" spc="-1">
               <a:latin typeface="Arial"/>
             </a:endParaRPr>
@@ -11663,18 +11909,13 @@
             </a:endParaRPr>
           </a:p>
           <a:p>
-            <a:pPr marL="343080" indent="-342720">
+            <a:pPr>
               <a:lnSpc>
                 <a:spcPct val="100000"/>
               </a:lnSpc>
               <a:spcBef>
                 <a:spcPts val="479"/>
               </a:spcBef>
-              <a:buClr>
-                <a:srgbClr val="000000"/>
-              </a:buClr>
-              <a:buFont typeface="Arial"/>
-              <a:buChar char="•"/>
               <a:defRPr/>
             </a:pPr>
             <a:r>
@@ -11682,155 +11923,50 @@
                 <a:solidFill>
                   <a:srgbClr val="000000"/>
                 </a:solidFill>
-                <a:latin typeface="Arial Nova"/>
+                <a:latin typeface="Verdana"/>
                 <a:ea typeface="Verdana"/>
               </a:rPr>
-              <a:t>Desvantagens</a:t>
-            </a:r>
-            <a:endParaRPr lang="pt-BR" sz="2400" b="0" strike="noStrike" spc="-1">
-              <a:latin typeface="Arial"/>
-            </a:endParaRPr>
-          </a:p>
-          <a:p>
-            <a:pPr marL="800280" lvl="1" indent="-342720">
-              <a:lnSpc>
-                <a:spcPct val="100000"/>
-              </a:lnSpc>
-              <a:spcBef>
-                <a:spcPts val="479"/>
-              </a:spcBef>
-              <a:buClr>
-                <a:srgbClr val="000000"/>
-              </a:buClr>
-              <a:buFont typeface="Arial"/>
-              <a:buChar char="•"/>
-              <a:defRPr/>
-            </a:pPr>
+              <a:t>Devolve o bloco apontado por </a:t>
+            </a:r>
+            <a:r>
+              <a:rPr lang="pt-BR" sz="2400" b="1" strike="noStrike" spc="-1">
+                <a:solidFill>
+                  <a:srgbClr val="000000"/>
+                </a:solidFill>
+                <a:latin typeface="Courier New"/>
+                <a:ea typeface="Verdana"/>
+              </a:rPr>
+              <a:t>p</a:t>
+            </a:r>
             <a:r>
               <a:rPr lang="pt-BR" sz="2400" b="0" strike="noStrike" spc="-1">
                 <a:solidFill>
                   <a:srgbClr val="000000"/>
                 </a:solidFill>
-                <a:latin typeface="Arial Nova"/>
+                <a:latin typeface="Verdana"/>
                 <a:ea typeface="Verdana"/>
               </a:rPr>
-              <a:t>Riscos da gerência</a:t>
-            </a:r>
-            <a:endParaRPr lang="pt-BR" sz="2400" b="0" strike="noStrike" spc="-1">
-              <a:latin typeface="Arial"/>
-            </a:endParaRPr>
-          </a:p>
-          <a:p>
-            <a:pPr marL="1257480" lvl="2" indent="-342720">
-              <a:lnSpc>
-                <a:spcPct val="100000"/>
-              </a:lnSpc>
-              <a:spcBef>
-                <a:spcPts val="479"/>
-              </a:spcBef>
-              <a:buClr>
-                <a:srgbClr val="000000"/>
-              </a:buClr>
-              <a:buFont typeface="Arial"/>
-              <a:buChar char="•"/>
-              <a:defRPr/>
-            </a:pPr>
+              <a:t> para o </a:t>
+            </a:r>
+            <a:r>
+              <a:rPr lang="pt-BR" sz="2400" b="0" i="1" strike="noStrike" spc="-1">
+                <a:solidFill>
+                  <a:srgbClr val="000000"/>
+                </a:solidFill>
+                <a:latin typeface="Verdana"/>
+                <a:ea typeface="Verdana"/>
+              </a:rPr>
+              <a:t>pool </a:t>
+            </a:r>
             <a:r>
               <a:rPr lang="pt-BR" sz="2400" b="0" strike="noStrike" spc="-1">
                 <a:solidFill>
                   <a:srgbClr val="000000"/>
                 </a:solidFill>
-                <a:latin typeface="Arial Nova"/>
+                <a:latin typeface="Verdana"/>
                 <a:ea typeface="Verdana"/>
               </a:rPr>
-              <a:t>Liberar espaços não mais necessários</a:t>
-            </a:r>
-            <a:endParaRPr lang="pt-BR" sz="2400" b="0" strike="noStrike" spc="-1">
-              <a:latin typeface="Arial"/>
-            </a:endParaRPr>
-          </a:p>
-          <a:p>
-            <a:pPr marL="1257480" lvl="2" indent="-342720">
-              <a:lnSpc>
-                <a:spcPct val="100000"/>
-              </a:lnSpc>
-              <a:spcBef>
-                <a:spcPts val="479"/>
-              </a:spcBef>
-              <a:buClr>
-                <a:srgbClr val="000000"/>
-              </a:buClr>
-              <a:buFont typeface="Arial"/>
-              <a:buChar char="•"/>
-              <a:defRPr/>
-            </a:pPr>
-            <a:r>
-              <a:rPr lang="pt-BR" sz="2400" b="0" strike="noStrike" spc="-1">
-                <a:solidFill>
-                  <a:srgbClr val="000000"/>
-                </a:solidFill>
-                <a:latin typeface="Arial Nova"/>
-                <a:ea typeface="Verdana"/>
-              </a:rPr>
-              <a:t>Não acessar espaços já liberados</a:t>
-            </a:r>
-            <a:endParaRPr lang="pt-BR" sz="2400" b="0" strike="noStrike" spc="-1">
-              <a:latin typeface="Arial"/>
-            </a:endParaRPr>
-          </a:p>
-          <a:p>
-            <a:pPr marL="1257480" lvl="2" indent="-342720">
-              <a:lnSpc>
-                <a:spcPct val="100000"/>
-              </a:lnSpc>
-              <a:spcBef>
-                <a:spcPts val="479"/>
-              </a:spcBef>
-              <a:buClr>
-                <a:srgbClr val="000000"/>
-              </a:buClr>
-              <a:buFont typeface="Arial"/>
-              <a:buChar char="•"/>
-              <a:defRPr/>
-            </a:pPr>
-            <a:r>
-              <a:rPr lang="pt-BR" sz="2400" b="0" strike="noStrike" spc="-1">
-                <a:solidFill>
-                  <a:srgbClr val="000000"/>
-                </a:solidFill>
-                <a:latin typeface="Arial Nova"/>
-                <a:ea typeface="Verdana"/>
-              </a:rPr>
-              <a:t>Acessar apenas a quantidade requisitada</a:t>
-            </a:r>
-            <a:endParaRPr lang="pt-BR" sz="2400" b="0" strike="noStrike" spc="-1">
-              <a:latin typeface="Arial"/>
-            </a:endParaRPr>
-          </a:p>
-          <a:p>
-            <a:pPr marL="1257480" lvl="2" indent="-342720">
-              <a:lnSpc>
-                <a:spcPct val="100000"/>
-              </a:lnSpc>
-              <a:spcBef>
-                <a:spcPts val="479"/>
-              </a:spcBef>
-              <a:buClr>
-                <a:srgbClr val="000000"/>
-              </a:buClr>
-              <a:buFont typeface="Arial"/>
-              <a:buChar char="•"/>
-              <a:defRPr/>
-            </a:pPr>
-            <a:r>
-              <a:rPr lang="pt-BR" sz="2400" b="0" strike="noStrike" spc="-1">
-                <a:solidFill>
-                  <a:srgbClr val="000000"/>
-                </a:solidFill>
-                <a:latin typeface="Arial Nova"/>
-                <a:ea typeface="Verdana"/>
-              </a:rPr>
-              <a:t>Etc.</a:t>
+              <a:t>de memória disponível</a:t>
             </a:r>
             <a:endParaRPr lang="pt-BR" sz="2400" b="0" strike="noStrike" spc="-1">
               <a:latin typeface="Arial"/>
@@ -11912,7 +12048,7 @@
               </a:lnSpc>
               <a:defRPr/>
             </a:pPr>
-            <a:fld id="{5E9F4008-7573-4128-8D1B-D851E13BA88D}" type="slidenum">
+            <a:fld id="{A199D9EB-820D-4AD7-9CE0-0887FBB55B2B}" type="slidenum">
               <a:rPr lang="pt-BR" sz="1000" b="0" strike="noStrike" spc="-1">
                 <a:solidFill>
                   <a:srgbClr val="B2B2B2"/>
@@ -11996,14 +12132,14 @@
               <a:defRPr/>
             </a:pPr>
             <a:r>
-              <a:rPr lang="pt-BR" sz="3200" b="0" strike="noStrike" spc="-1">
+              <a:rPr lang="pt-BR" sz="3200" b="1" strike="noStrike" spc="-1">
                 <a:solidFill>
                   <a:srgbClr val="C00026"/>
                 </a:solidFill>
-                <a:latin typeface="Verdana"/>
+                <a:latin typeface="Courier New"/>
                 <a:ea typeface="Verdana"/>
               </a:rPr>
-              <a:t>Alocação dinâmica de memória</a:t>
+              <a:t>Alocação dinâmica</a:t>
             </a:r>
             <a:endParaRPr lang="pt-BR" sz="3200" b="0" strike="noStrike" spc="-1">
               <a:latin typeface="Arial"/>
@@ -12039,7 +12175,7 @@
         <p:txBody>
           <a:bodyPr lIns="90000" tIns="45000" rIns="90000" bIns="45000"/>
           <a:p>
-            <a:pPr marL="285840" indent="-284760">
+            <a:pPr marL="343080" indent="-342720">
               <a:lnSpc>
                 <a:spcPct val="100000"/>
               </a:lnSpc>
@@ -12058,61 +12194,17 @@
                 <a:solidFill>
                   <a:srgbClr val="000000"/>
                 </a:solidFill>
-                <a:latin typeface="Verdana"/>
+                <a:latin typeface="Arial Nova"/>
                 <a:ea typeface="Verdana"/>
               </a:rPr>
-              <a:t>Alocadores organizam o heap como uma coleção de blocos de memória que estão </a:t>
-            </a:r>
-            <a:r>
-              <a:rPr lang="pt-BR" sz="2400" b="0" strike="noStrike" spc="-1">
-                <a:solidFill>
-                  <a:srgbClr val="FF0000"/>
-                </a:solidFill>
-                <a:latin typeface="Verdana"/>
-                <a:ea typeface="Verdana"/>
-              </a:rPr>
-              <a:t>alocados</a:t>
-            </a:r>
-            <a:r>
-              <a:rPr lang="pt-BR" sz="2400" b="0" strike="noStrike" spc="-1">
-                <a:solidFill>
-                  <a:srgbClr val="000000"/>
-                </a:solidFill>
-                <a:latin typeface="Verdana"/>
-                <a:ea typeface="Verdana"/>
-              </a:rPr>
-              <a:t> ou </a:t>
-            </a:r>
-            <a:r>
-              <a:rPr lang="pt-BR" sz="2400" b="0" strike="noStrike" spc="-1">
-                <a:solidFill>
-                  <a:srgbClr val="FF0000"/>
-                </a:solidFill>
-                <a:latin typeface="Verdana"/>
-                <a:ea typeface="Verdana"/>
-              </a:rPr>
-              <a:t>disponíveis</a:t>
+              <a:t>Vantagens</a:t>
             </a:r>
             <a:endParaRPr lang="pt-BR" sz="2400" b="0" strike="noStrike" spc="-1">
               <a:latin typeface="Arial"/>
             </a:endParaRPr>
           </a:p>
           <a:p>
-            <a:pPr>
-              <a:lnSpc>
-                <a:spcPct val="100000"/>
-              </a:lnSpc>
-              <a:spcBef>
-                <a:spcPts val="479"/>
-              </a:spcBef>
-              <a:defRPr/>
-            </a:pPr>
-            <a:endParaRPr lang="pt-BR" sz="2400" b="0" strike="noStrike" spc="-1">
-              <a:latin typeface="Arial"/>
-            </a:endParaRPr>
-          </a:p>
-          <a:p>
-            <a:pPr marL="285840" indent="-284760">
+            <a:pPr marL="800280" lvl="1" indent="-342720">
               <a:lnSpc>
                 <a:spcPct val="100000"/>
               </a:lnSpc>
@@ -12131,17 +12223,17 @@
                 <a:solidFill>
                   <a:srgbClr val="000000"/>
                 </a:solidFill>
-                <a:latin typeface="Verdana"/>
+                <a:latin typeface="Arial Nova"/>
                 <a:ea typeface="Verdana"/>
               </a:rPr>
-              <a:t>Tipos de alocadores</a:t>
+              <a:t>Controle feito em tempo de execução</a:t>
             </a:r>
             <a:endParaRPr lang="pt-BR" sz="2400" b="0" strike="noStrike" spc="-1">
               <a:latin typeface="Arial"/>
             </a:endParaRPr>
           </a:p>
           <a:p>
-            <a:pPr marL="1028879" lvl="1" indent="-284760">
+            <a:pPr marL="800280" lvl="1" indent="-342720">
               <a:lnSpc>
                 <a:spcPct val="100000"/>
               </a:lnSpc>
@@ -12160,57 +12252,17 @@
                 <a:solidFill>
                   <a:srgbClr val="000000"/>
                 </a:solidFill>
-                <a:latin typeface="Verdana"/>
+                <a:latin typeface="Arial Nova"/>
                 <a:ea typeface="Verdana"/>
               </a:rPr>
-              <a:t>Explícitos: usuário é responsável por </a:t>
-            </a:r>
-            <a:r>
-              <a:rPr lang="pt-BR" sz="2400" b="0" strike="noStrike" spc="-1">
-                <a:solidFill>
-                  <a:srgbClr val="FF0000"/>
-                </a:solidFill>
-                <a:latin typeface="Verdana"/>
-                <a:ea typeface="Verdana"/>
-              </a:rPr>
-              <a:t>alocar</a:t>
-            </a:r>
-            <a:r>
-              <a:rPr lang="pt-BR" sz="2400" b="0" strike="noStrike" spc="-1">
-                <a:solidFill>
-                  <a:srgbClr val="000000"/>
-                </a:solidFill>
-                <a:latin typeface="Verdana"/>
-                <a:ea typeface="Verdana"/>
-              </a:rPr>
-              <a:t> e </a:t>
-            </a:r>
-            <a:r>
-              <a:rPr lang="pt-BR" sz="2400" b="0" strike="noStrike" spc="-1">
-                <a:solidFill>
-                  <a:srgbClr val="FF0000"/>
-                </a:solidFill>
-                <a:latin typeface="Verdana"/>
-                <a:ea typeface="Verdana"/>
-              </a:rPr>
-              <a:t>dealocar</a:t>
-            </a:r>
-            <a:r>
-              <a:rPr lang="pt-BR" sz="2400" b="0" strike="noStrike" spc="-1">
-                <a:solidFill>
-                  <a:srgbClr val="000000"/>
-                </a:solidFill>
-                <a:latin typeface="Verdana"/>
-                <a:ea typeface="Verdana"/>
-              </a:rPr>
-              <a:t> (ou liberar) a memória. Exemplo: malloc, new</a:t>
+              <a:t>Economia de memória</a:t>
             </a:r>
             <a:endParaRPr lang="pt-BR" sz="2400" b="0" strike="noStrike" spc="-1">
               <a:latin typeface="Arial"/>
             </a:endParaRPr>
           </a:p>
           <a:p>
-            <a:pPr marL="1028879" lvl="1" indent="-284760">
+            <a:pPr marL="800280" lvl="1" indent="-342720">
               <a:lnSpc>
                 <a:spcPct val="100000"/>
               </a:lnSpc>
@@ -12229,51 +12281,213 @@
                 <a:solidFill>
                   <a:srgbClr val="000000"/>
                 </a:solidFill>
-                <a:latin typeface="Verdana"/>
+                <a:latin typeface="Arial Nova"/>
                 <a:ea typeface="Verdana"/>
               </a:rPr>
-              <a:t>Implícitos: usuário não precisa se preocupar com a liberação da memória. Exemplo: </a:t>
-            </a:r>
+              <a:t>Expandir / diminuir / liberar conforme necessário</a:t>
+            </a:r>
+            <a:endParaRPr lang="pt-BR" sz="2400" b="0" strike="noStrike" spc="-1">
+              <a:latin typeface="Arial"/>
+            </a:endParaRPr>
+          </a:p>
+          <a:p>
+            <a:pPr>
+              <a:lnSpc>
+                <a:spcPct val="100000"/>
+              </a:lnSpc>
+              <a:spcBef>
+                <a:spcPts val="479"/>
+              </a:spcBef>
+              <a:defRPr/>
+            </a:pPr>
+            <a:endParaRPr lang="pt-BR" sz="2400" b="0" strike="noStrike" spc="-1">
+              <a:latin typeface="Arial"/>
+            </a:endParaRPr>
+          </a:p>
+          <a:p>
+            <a:pPr marL="343080" indent="-342720">
+              <a:lnSpc>
+                <a:spcPct val="100000"/>
+              </a:lnSpc>
+              <a:spcBef>
+                <a:spcPts val="479"/>
+              </a:spcBef>
+              <a:buClr>
+                <a:srgbClr val="000000"/>
+              </a:buClr>
+              <a:buFont typeface="Arial"/>
+              <a:buChar char="•"/>
+              <a:defRPr/>
+            </a:pPr>
             <a:r>
               <a:rPr lang="pt-BR" sz="2400" b="0" strike="noStrike" spc="-1">
                 <a:solidFill>
-                  <a:srgbClr val="FF0000"/>
-                </a:solidFill>
-                <a:latin typeface="Verdana"/>
+                  <a:srgbClr val="000000"/>
+                </a:solidFill>
+                <a:latin typeface="Arial Nova"/>
                 <a:ea typeface="Verdana"/>
               </a:rPr>
-              <a:t>garbage</a:t>
-            </a:r>
+              <a:t>Desvantagens</a:t>
+            </a:r>
+            <a:endParaRPr lang="pt-BR" sz="2400" b="0" strike="noStrike" spc="-1">
+              <a:latin typeface="Arial"/>
+            </a:endParaRPr>
+          </a:p>
+          <a:p>
+            <a:pPr marL="800280" lvl="1" indent="-342720">
+              <a:lnSpc>
+                <a:spcPct val="100000"/>
+              </a:lnSpc>
+              <a:spcBef>
+                <a:spcPts val="479"/>
+              </a:spcBef>
+              <a:buClr>
+                <a:srgbClr val="000000"/>
+              </a:buClr>
+              <a:buFont typeface="Arial"/>
+              <a:buChar char="•"/>
+              <a:defRPr/>
+            </a:pPr>
             <a:r>
               <a:rPr lang="pt-BR" sz="2400" b="0" strike="noStrike" spc="-1">
                 <a:solidFill>
                   <a:srgbClr val="000000"/>
                 </a:solidFill>
-                <a:latin typeface="Verdana"/>
+                <a:latin typeface="Arial Nova"/>
                 <a:ea typeface="Verdana"/>
               </a:rPr>
-              <a:t> </a:t>
-            </a:r>
+              <a:t>Riscos da gerência</a:t>
+            </a:r>
+            <a:endParaRPr lang="pt-BR" sz="2400" b="0" strike="noStrike" spc="-1">
+              <a:latin typeface="Arial"/>
+            </a:endParaRPr>
+          </a:p>
+          <a:p>
+            <a:pPr marL="1257480" lvl="2" indent="-342720">
+              <a:lnSpc>
+                <a:spcPct val="100000"/>
+              </a:lnSpc>
+              <a:spcBef>
+                <a:spcPts val="479"/>
+              </a:spcBef>
+              <a:buClr>
+                <a:srgbClr val="000000"/>
+              </a:buClr>
+              <a:buFont typeface="Arial"/>
+              <a:buChar char="•"/>
+              <a:defRPr/>
+            </a:pPr>
             <a:r>
               <a:rPr lang="pt-BR" sz="2400" b="0" strike="noStrike" spc="-1">
                 <a:solidFill>
-                  <a:srgbClr val="FF0000"/>
-                </a:solidFill>
-                <a:latin typeface="Verdana"/>
+                  <a:srgbClr val="000000"/>
+                </a:solidFill>
+                <a:latin typeface="Arial Nova"/>
                 <a:ea typeface="Verdana"/>
               </a:rPr>
-              <a:t>collector</a:t>
-            </a:r>
+              <a:t>Liberar espaços não mais necessários</a:t>
+            </a:r>
+            <a:endParaRPr lang="pt-BR" sz="2400" b="0" strike="noStrike" spc="-1">
+              <a:latin typeface="Arial"/>
+            </a:endParaRPr>
+          </a:p>
+          <a:p>
+            <a:pPr marL="1257480" lvl="2" indent="-342720">
+              <a:lnSpc>
+                <a:spcPct val="100000"/>
+              </a:lnSpc>
+              <a:spcBef>
+                <a:spcPts val="479"/>
+              </a:spcBef>
+              <a:buClr>
+                <a:srgbClr val="000000"/>
+              </a:buClr>
+              <a:buFont typeface="Arial"/>
+              <a:buChar char="•"/>
+              <a:defRPr/>
+            </a:pPr>
             <a:r>
               <a:rPr lang="pt-BR" sz="2400" b="0" strike="noStrike" spc="-1">
                 <a:solidFill>
                   <a:srgbClr val="000000"/>
                 </a:solidFill>
-                <a:latin typeface="Verdana"/>
+                <a:latin typeface="Arial Nova"/>
                 <a:ea typeface="Verdana"/>
               </a:rPr>
-              <a:t> em Java</a:t>
-            </a:r>
+              <a:t>Não acessar espaços já liberados</a:t>
+            </a:r>
+            <a:endParaRPr lang="pt-BR" sz="2400" b="0" strike="noStrike" spc="-1">
+              <a:latin typeface="Arial"/>
+            </a:endParaRPr>
+          </a:p>
+          <a:p>
+            <a:pPr marL="1257480" lvl="2" indent="-342720">
+              <a:lnSpc>
+                <a:spcPct val="100000"/>
+              </a:lnSpc>
+              <a:spcBef>
+                <a:spcPts val="479"/>
+              </a:spcBef>
+              <a:buClr>
+                <a:srgbClr val="000000"/>
+              </a:buClr>
+              <a:buFont typeface="Arial"/>
+              <a:buChar char="•"/>
+              <a:defRPr/>
+            </a:pPr>
+            <a:r>
+              <a:rPr lang="pt-BR" sz="2400" b="0" strike="noStrike" spc="-1">
+                <a:solidFill>
+                  <a:srgbClr val="000000"/>
+                </a:solidFill>
+                <a:latin typeface="Arial Nova"/>
+                <a:ea typeface="Verdana"/>
+              </a:rPr>
+              <a:t>Acessar apenas a quantidade requisitada</a:t>
+            </a:r>
+            <a:endParaRPr lang="pt-BR" sz="2400" b="0" strike="noStrike" spc="-1">
+              <a:latin typeface="Arial"/>
+            </a:endParaRPr>
+          </a:p>
+          <a:p>
+            <a:pPr marL="1257480" lvl="2" indent="-342720">
+              <a:lnSpc>
+                <a:spcPct val="100000"/>
+              </a:lnSpc>
+              <a:spcBef>
+                <a:spcPts val="479"/>
+              </a:spcBef>
+              <a:buClr>
+                <a:srgbClr val="000000"/>
+              </a:buClr>
+              <a:buFont typeface="Arial"/>
+              <a:buChar char="•"/>
+              <a:defRPr/>
+            </a:pPr>
+            <a:r>
+              <a:rPr lang="pt-BR" sz="2400" b="0" strike="noStrike" spc="-1">
+                <a:solidFill>
+                  <a:srgbClr val="000000"/>
+                </a:solidFill>
+                <a:latin typeface="Arial Nova"/>
+                <a:ea typeface="Verdana"/>
+              </a:rPr>
+              <a:t>Etc.</a:t>
+            </a:r>
+            <a:endParaRPr lang="pt-BR" sz="2400" b="0" strike="noStrike" spc="-1">
+              <a:latin typeface="Arial"/>
+            </a:endParaRPr>
+          </a:p>
+          <a:p>
+            <a:pPr>
+              <a:lnSpc>
+                <a:spcPct val="100000"/>
+              </a:lnSpc>
+              <a:spcBef>
+                <a:spcPts val="479"/>
+              </a:spcBef>
+              <a:defRPr/>
+            </a:pPr>
             <a:endParaRPr lang="pt-BR" sz="2400" b="0" strike="noStrike" spc="-1">
               <a:latin typeface="Arial"/>
             </a:endParaRPr>
@@ -12340,7 +12554,7 @@
               </a:lnSpc>
               <a:defRPr/>
             </a:pPr>
-            <a:fld id="{6919CBD1-BEBC-4A54-A72C-F71A4383FD13}" type="slidenum">
+            <a:fld id="{5E9F4008-7573-4128-8D1B-D851E13BA88D}" type="slidenum">
               <a:rPr lang="pt-BR" sz="1000" b="0" strike="noStrike" spc="-1">
                 <a:solidFill>
                   <a:srgbClr val="B2B2B2"/>
@@ -12397,7 +12611,7 @@
         </p:nvSpPr>
         <p:spPr bwMode="auto">
           <a:xfrm>
-            <a:off x="328680" y="162000"/>
+            <a:off x="457200" y="781200"/>
             <a:ext cx="8228520" cy="618120"/>
           </a:xfrm>
           <a:prstGeom prst="rect">
@@ -12431,7 +12645,7 @@
                 <a:latin typeface="Verdana"/>
                 <a:ea typeface="Verdana"/>
               </a:rPr>
-              <a:t>Exemplo</a:t>
+              <a:t>Alocação dinâmica de memória</a:t>
             </a:r>
             <a:endParaRPr lang="pt-BR" sz="3200" b="0" strike="noStrike" spc="-1">
               <a:latin typeface="Arial"/>
@@ -12447,8 +12661,8 @@
         </p:nvSpPr>
         <p:spPr bwMode="auto">
           <a:xfrm>
-            <a:off x="84240" y="6402240"/>
-            <a:ext cx="640440" cy="363960"/>
+            <a:off x="657360" y="1486080"/>
+            <a:ext cx="8028360" cy="4723200"/>
           </a:xfrm>
           <a:prstGeom prst="rect">
             <a:avLst/>
@@ -12465,25 +12679,244 @@
           <a:fontRef idx="minor"/>
         </p:style>
         <p:txBody>
-          <a:bodyPr lIns="90000" tIns="45000" rIns="90000" bIns="45000" anchor="ctr"/>
-          <a:p>
-            <a:pPr algn="r">
+          <a:bodyPr lIns="90000" tIns="45000" rIns="90000" bIns="45000"/>
+          <a:p>
+            <a:pPr marL="285840" indent="-284760">
               <a:lnSpc>
                 <a:spcPct val="100000"/>
               </a:lnSpc>
-              <a:defRPr/>
-            </a:pPr>
-            <a:fld id="{888716DD-D85A-4848-8843-F94BB826C928}" type="slidenum">
-              <a:rPr lang="pt-BR" sz="1000" b="0" strike="noStrike" spc="-1">
-                <a:solidFill>
-                  <a:srgbClr val="B2B2B2"/>
+              <a:spcBef>
+                <a:spcPts val="479"/>
+              </a:spcBef>
+              <a:buClr>
+                <a:srgbClr val="000000"/>
+              </a:buClr>
+              <a:buFont typeface="Arial"/>
+              <a:buChar char="•"/>
+              <a:defRPr/>
+            </a:pPr>
+            <a:r>
+              <a:rPr lang="pt-BR" sz="2400" b="0" strike="noStrike" spc="-1">
+                <a:solidFill>
+                  <a:srgbClr val="000000"/>
                 </a:solidFill>
                 <a:latin typeface="Verdana"/>
                 <a:ea typeface="Verdana"/>
               </a:rPr>
-              <a:t/>
-            </a:fld>
-            <a:endParaRPr lang="pt-BR" sz="1000" b="0" strike="noStrike" spc="-1">
+              <a:t>Alocadores organizam o heap como uma coleção de blocos de memória que estão </a:t>
+            </a:r>
+            <a:r>
+              <a:rPr lang="pt-BR" sz="2400" b="0" strike="noStrike" spc="-1">
+                <a:solidFill>
+                  <a:srgbClr val="FF0000"/>
+                </a:solidFill>
+                <a:latin typeface="Verdana"/>
+                <a:ea typeface="Verdana"/>
+              </a:rPr>
+              <a:t>alocados</a:t>
+            </a:r>
+            <a:r>
+              <a:rPr lang="pt-BR" sz="2400" b="0" strike="noStrike" spc="-1">
+                <a:solidFill>
+                  <a:srgbClr val="000000"/>
+                </a:solidFill>
+                <a:latin typeface="Verdana"/>
+                <a:ea typeface="Verdana"/>
+              </a:rPr>
+              <a:t> ou </a:t>
+            </a:r>
+            <a:r>
+              <a:rPr lang="pt-BR" sz="2400" b="0" strike="noStrike" spc="-1">
+                <a:solidFill>
+                  <a:srgbClr val="FF0000"/>
+                </a:solidFill>
+                <a:latin typeface="Verdana"/>
+                <a:ea typeface="Verdana"/>
+              </a:rPr>
+              <a:t>disponíveis</a:t>
+            </a:r>
+            <a:endParaRPr lang="pt-BR" sz="2400" b="0" strike="noStrike" spc="-1">
+              <a:latin typeface="Arial"/>
+            </a:endParaRPr>
+          </a:p>
+          <a:p>
+            <a:pPr>
+              <a:lnSpc>
+                <a:spcPct val="100000"/>
+              </a:lnSpc>
+              <a:spcBef>
+                <a:spcPts val="479"/>
+              </a:spcBef>
+              <a:defRPr/>
+            </a:pPr>
+            <a:endParaRPr lang="pt-BR" sz="2400" b="0" strike="noStrike" spc="-1">
+              <a:latin typeface="Arial"/>
+            </a:endParaRPr>
+          </a:p>
+          <a:p>
+            <a:pPr marL="285840" indent="-284760">
+              <a:lnSpc>
+                <a:spcPct val="100000"/>
+              </a:lnSpc>
+              <a:spcBef>
+                <a:spcPts val="479"/>
+              </a:spcBef>
+              <a:buClr>
+                <a:srgbClr val="000000"/>
+              </a:buClr>
+              <a:buFont typeface="Arial"/>
+              <a:buChar char="•"/>
+              <a:defRPr/>
+            </a:pPr>
+            <a:r>
+              <a:rPr lang="pt-BR" sz="2400" b="0" strike="noStrike" spc="-1">
+                <a:solidFill>
+                  <a:srgbClr val="000000"/>
+                </a:solidFill>
+                <a:latin typeface="Verdana"/>
+                <a:ea typeface="Verdana"/>
+              </a:rPr>
+              <a:t>Tipos de alocadores</a:t>
+            </a:r>
+            <a:endParaRPr lang="pt-BR" sz="2400" b="0" strike="noStrike" spc="-1">
+              <a:latin typeface="Arial"/>
+            </a:endParaRPr>
+          </a:p>
+          <a:p>
+            <a:pPr marL="1028879" lvl="1" indent="-284760">
+              <a:lnSpc>
+                <a:spcPct val="100000"/>
+              </a:lnSpc>
+              <a:spcBef>
+                <a:spcPts val="479"/>
+              </a:spcBef>
+              <a:buClr>
+                <a:srgbClr val="000000"/>
+              </a:buClr>
+              <a:buFont typeface="Arial"/>
+              <a:buChar char="•"/>
+              <a:defRPr/>
+            </a:pPr>
+            <a:r>
+              <a:rPr lang="pt-BR" sz="2400" b="0" strike="noStrike" spc="-1">
+                <a:solidFill>
+                  <a:srgbClr val="000000"/>
+                </a:solidFill>
+                <a:latin typeface="Verdana"/>
+                <a:ea typeface="Verdana"/>
+              </a:rPr>
+              <a:t>Explícitos: usuário é responsável por </a:t>
+            </a:r>
+            <a:r>
+              <a:rPr lang="pt-BR" sz="2400" b="0" strike="noStrike" spc="-1">
+                <a:solidFill>
+                  <a:srgbClr val="FF0000"/>
+                </a:solidFill>
+                <a:latin typeface="Verdana"/>
+                <a:ea typeface="Verdana"/>
+              </a:rPr>
+              <a:t>alocar</a:t>
+            </a:r>
+            <a:r>
+              <a:rPr lang="pt-BR" sz="2400" b="0" strike="noStrike" spc="-1">
+                <a:solidFill>
+                  <a:srgbClr val="000000"/>
+                </a:solidFill>
+                <a:latin typeface="Verdana"/>
+                <a:ea typeface="Verdana"/>
+              </a:rPr>
+              <a:t> e </a:t>
+            </a:r>
+            <a:r>
+              <a:rPr lang="pt-BR" sz="2400" b="0" strike="noStrike" spc="-1">
+                <a:solidFill>
+                  <a:srgbClr val="FF0000"/>
+                </a:solidFill>
+                <a:latin typeface="Verdana"/>
+                <a:ea typeface="Verdana"/>
+              </a:rPr>
+              <a:t>dealocar</a:t>
+            </a:r>
+            <a:r>
+              <a:rPr lang="pt-BR" sz="2400" b="0" strike="noStrike" spc="-1">
+                <a:solidFill>
+                  <a:srgbClr val="000000"/>
+                </a:solidFill>
+                <a:latin typeface="Verdana"/>
+                <a:ea typeface="Verdana"/>
+              </a:rPr>
+              <a:t> (ou liberar) a memória. Exemplo: malloc, new</a:t>
+            </a:r>
+            <a:endParaRPr lang="pt-BR" sz="2400" b="0" strike="noStrike" spc="-1">
+              <a:latin typeface="Arial"/>
+            </a:endParaRPr>
+          </a:p>
+          <a:p>
+            <a:pPr marL="1028879" lvl="1" indent="-284760">
+              <a:lnSpc>
+                <a:spcPct val="100000"/>
+              </a:lnSpc>
+              <a:spcBef>
+                <a:spcPts val="479"/>
+              </a:spcBef>
+              <a:buClr>
+                <a:srgbClr val="000000"/>
+              </a:buClr>
+              <a:buFont typeface="Arial"/>
+              <a:buChar char="•"/>
+              <a:defRPr/>
+            </a:pPr>
+            <a:r>
+              <a:rPr lang="pt-BR" sz="2400" b="0" strike="noStrike" spc="-1">
+                <a:solidFill>
+                  <a:srgbClr val="000000"/>
+                </a:solidFill>
+                <a:latin typeface="Verdana"/>
+                <a:ea typeface="Verdana"/>
+              </a:rPr>
+              <a:t>Implícitos: usuário não precisa se preocupar com a liberação da memória. Exemplo: </a:t>
+            </a:r>
+            <a:r>
+              <a:rPr lang="pt-BR" sz="2400" b="0" strike="noStrike" spc="-1">
+                <a:solidFill>
+                  <a:srgbClr val="FF0000"/>
+                </a:solidFill>
+                <a:latin typeface="Verdana"/>
+                <a:ea typeface="Verdana"/>
+              </a:rPr>
+              <a:t>garbage</a:t>
+            </a:r>
+            <a:r>
+              <a:rPr lang="pt-BR" sz="2400" b="0" strike="noStrike" spc="-1">
+                <a:solidFill>
+                  <a:srgbClr val="000000"/>
+                </a:solidFill>
+                <a:latin typeface="Verdana"/>
+                <a:ea typeface="Verdana"/>
+              </a:rPr>
+              <a:t> </a:t>
+            </a:r>
+            <a:r>
+              <a:rPr lang="pt-BR" sz="2400" b="0" strike="noStrike" spc="-1">
+                <a:solidFill>
+                  <a:srgbClr val="FF0000"/>
+                </a:solidFill>
+                <a:latin typeface="Verdana"/>
+                <a:ea typeface="Verdana"/>
+              </a:rPr>
+              <a:t>collector</a:t>
+            </a:r>
+            <a:r>
+              <a:rPr lang="pt-BR" sz="2400" b="0" strike="noStrike" spc="-1">
+                <a:solidFill>
+                  <a:srgbClr val="000000"/>
+                </a:solidFill>
+                <a:latin typeface="Verdana"/>
+                <a:ea typeface="Verdana"/>
+              </a:rPr>
+              <a:t> em Java</a:t>
+            </a:r>
+            <a:endParaRPr lang="pt-BR" sz="2400" b="0" strike="noStrike" spc="-1">
               <a:latin typeface="Arial"/>
             </a:endParaRPr>
           </a:p>
@@ -12497,20 +12930,15 @@
         </p:nvSpPr>
         <p:spPr bwMode="auto">
           <a:xfrm>
-            <a:off x="405000" y="959040"/>
-            <a:ext cx="8076240" cy="5203800"/>
-          </a:xfrm>
-          <a:prstGeom prst="rect">
-            <a:avLst/>
-          </a:prstGeom>
-          <a:solidFill>
-            <a:srgbClr val="F6F5BD"/>
-          </a:solidFill>
-          <a:ln w="12600">
-            <a:solidFill>
-              <a:srgbClr val="000066"/>
-            </a:solidFill>
-            <a:miter/>
+            <a:off x="162000" y="85680"/>
+            <a:ext cx="7228440" cy="351360"/>
+          </a:xfrm>
+          <a:prstGeom prst="rect">
+            <a:avLst/>
+          </a:prstGeom>
+          <a:noFill/>
+          <a:ln>
+            <a:noFill/>
           </a:ln>
         </p:spPr>
         <p:style>
@@ -12519,816 +12947,52 @@
           <a:effectRef idx="0"/>
           <a:fontRef idx="minor"/>
         </p:style>
-        <p:txBody>
-          <a:bodyPr lIns="90000" tIns="46800" rIns="90000" bIns="46800"/>
-          <a:p>
-            <a:pPr>
+      </p:sp>
+      <p:sp>
+        <p:nvSpPr>
+          <p:cNvPr id="7" name="CustomShape 4" hidden="0"/>
+          <p:cNvSpPr/>
+          <p:nvPr isPhoto="0" userDrawn="0"/>
+        </p:nvSpPr>
+        <p:spPr bwMode="auto">
+          <a:xfrm>
+            <a:off x="84240" y="6402240"/>
+            <a:ext cx="640440" cy="363960"/>
+          </a:xfrm>
+          <a:prstGeom prst="rect">
+            <a:avLst/>
+          </a:prstGeom>
+          <a:noFill/>
+          <a:ln>
+            <a:noFill/>
+          </a:ln>
+        </p:spPr>
+        <p:style>
+          <a:lnRef idx="0"/>
+          <a:fillRef idx="0"/>
+          <a:effectRef idx="0"/>
+          <a:fontRef idx="minor"/>
+        </p:style>
+        <p:txBody>
+          <a:bodyPr lIns="90000" tIns="45000" rIns="90000" bIns="45000" anchor="ctr"/>
+          <a:p>
+            <a:pPr algn="r">
               <a:lnSpc>
                 <a:spcPct val="100000"/>
               </a:lnSpc>
               <a:defRPr/>
             </a:pPr>
-            <a:r>
-              <a:rPr lang="pt-BR" sz="1600" b="1" strike="noStrike" spc="-1">
-                <a:solidFill>
-                  <a:srgbClr val="926492"/>
-                </a:solidFill>
-                <a:latin typeface="Courier New"/>
-                <a:ea typeface="DejaVu Sans"/>
-              </a:rPr>
-              <a:t>#include</a:t>
-            </a:r>
-            <a:r>
-              <a:rPr lang="pt-BR" sz="1600" b="1" strike="noStrike" spc="-1">
-                <a:solidFill>
-                  <a:srgbClr val="000000"/>
-                </a:solidFill>
-                <a:latin typeface="Courier New"/>
-                <a:ea typeface="DejaVu Sans"/>
-              </a:rPr>
-              <a:t> </a:t>
-            </a:r>
-            <a:r>
-              <a:rPr lang="pt-BR" sz="1600" b="1" strike="noStrike" spc="-1">
-                <a:solidFill>
-                  <a:srgbClr val="9D206F"/>
-                </a:solidFill>
-                <a:latin typeface="Courier New"/>
-                <a:ea typeface="DejaVu Sans"/>
-              </a:rPr>
-              <a:t>&lt;stdio.h&gt;</a:t>
-            </a:r>
-            <a:endParaRPr lang="pt-BR" sz="1600" b="0" strike="noStrike" spc="-1">
-              <a:latin typeface="Arial"/>
-            </a:endParaRPr>
-          </a:p>
-          <a:p>
-            <a:pPr>
-              <a:lnSpc>
-                <a:spcPct val="100000"/>
-              </a:lnSpc>
-              <a:defRPr/>
-            </a:pPr>
-            <a:r>
-              <a:rPr lang="pt-BR" sz="1600" b="1" strike="noStrike" spc="-1">
-                <a:solidFill>
-                  <a:srgbClr val="926492"/>
-                </a:solidFill>
-                <a:latin typeface="Courier New"/>
-                <a:ea typeface="DejaVu Sans"/>
-              </a:rPr>
-              <a:t>#include</a:t>
-            </a:r>
-            <a:r>
-              <a:rPr lang="pt-BR" sz="1600" b="1" strike="noStrike" spc="-1">
-                <a:solidFill>
-                  <a:srgbClr val="000000"/>
-                </a:solidFill>
-                <a:latin typeface="Courier New"/>
-                <a:ea typeface="DejaVu Sans"/>
-              </a:rPr>
-              <a:t> </a:t>
-            </a:r>
-            <a:r>
-              <a:rPr lang="pt-BR" sz="1600" b="1" strike="noStrike" spc="-1">
-                <a:solidFill>
-                  <a:srgbClr val="9D206F"/>
-                </a:solidFill>
-                <a:latin typeface="Courier New"/>
-                <a:ea typeface="DejaVu Sans"/>
-              </a:rPr>
-              <a:t>&lt;stdlib.h&gt;</a:t>
-            </a:r>
-            <a:endParaRPr lang="pt-BR" sz="1600" b="0" strike="noStrike" spc="-1">
-              <a:latin typeface="Arial"/>
-            </a:endParaRPr>
-          </a:p>
-          <a:p>
-            <a:pPr>
-              <a:lnSpc>
-                <a:spcPct val="100000"/>
-              </a:lnSpc>
-              <a:defRPr/>
-            </a:pPr>
-            <a:endParaRPr lang="pt-BR" sz="1600" b="0" strike="noStrike" spc="-1">
-              <a:latin typeface="Arial"/>
-            </a:endParaRPr>
-          </a:p>
-          <a:p>
-            <a:pPr>
-              <a:lnSpc>
-                <a:spcPct val="100000"/>
-              </a:lnSpc>
-              <a:defRPr/>
-            </a:pPr>
-            <a:r>
-              <a:rPr lang="pt-BR" sz="1600" b="1" strike="noStrike" spc="-1">
-                <a:solidFill>
-                  <a:srgbClr val="2D961E"/>
-                </a:solidFill>
-                <a:latin typeface="Courier New"/>
-                <a:ea typeface="DejaVu Sans"/>
-              </a:rPr>
-              <a:t>void</a:t>
-            </a:r>
-            <a:r>
-              <a:rPr lang="pt-BR" sz="1600" b="1" strike="noStrike" spc="-1">
-                <a:solidFill>
-                  <a:srgbClr val="000000"/>
-                </a:solidFill>
-                <a:latin typeface="Courier New"/>
-                <a:ea typeface="DejaVu Sans"/>
-              </a:rPr>
-              <a:t> </a:t>
-            </a:r>
-            <a:r>
-              <a:rPr lang="pt-BR" sz="1600" b="1" strike="noStrike" spc="-1">
-                <a:solidFill>
-                  <a:srgbClr val="4A00FF"/>
-                </a:solidFill>
-                <a:latin typeface="Courier New"/>
-                <a:ea typeface="DejaVu Sans"/>
-              </a:rPr>
-              <a:t>foo</a:t>
-            </a:r>
-            <a:r>
-              <a:rPr lang="pt-BR" sz="1600" b="1" strike="noStrike" spc="-1">
-                <a:solidFill>
-                  <a:srgbClr val="000000"/>
-                </a:solidFill>
-                <a:latin typeface="Courier New"/>
-                <a:ea typeface="DejaVu Sans"/>
-              </a:rPr>
-              <a:t>(</a:t>
-            </a:r>
-            <a:r>
-              <a:rPr lang="pt-BR" sz="1600" b="1" strike="noStrike" spc="-1">
-                <a:solidFill>
-                  <a:srgbClr val="2D961E"/>
-                </a:solidFill>
-                <a:latin typeface="Courier New"/>
-                <a:ea typeface="DejaVu Sans"/>
-              </a:rPr>
-              <a:t>int</a:t>
-            </a:r>
-            <a:r>
-              <a:rPr lang="pt-BR" sz="1600" b="1" strike="noStrike" spc="-1">
-                <a:solidFill>
-                  <a:srgbClr val="000000"/>
-                </a:solidFill>
-                <a:latin typeface="Courier New"/>
-                <a:ea typeface="DejaVu Sans"/>
-              </a:rPr>
-              <a:t> </a:t>
-            </a:r>
-            <a:r>
-              <a:rPr lang="pt-BR" sz="1600" b="1" strike="noStrike" spc="-1">
-                <a:solidFill>
-                  <a:srgbClr val="C1651C"/>
-                </a:solidFill>
-                <a:latin typeface="Courier New"/>
-                <a:ea typeface="DejaVu Sans"/>
-              </a:rPr>
-              <a:t>n</a:t>
-            </a:r>
-            <a:r>
-              <a:rPr lang="pt-BR" sz="1600" b="1" strike="noStrike" spc="-1">
-                <a:solidFill>
-                  <a:srgbClr val="000000"/>
-                </a:solidFill>
-                <a:latin typeface="Courier New"/>
-                <a:ea typeface="DejaVu Sans"/>
-              </a:rPr>
-              <a:t>) {</a:t>
-            </a:r>
-            <a:endParaRPr lang="pt-BR" sz="1600" b="0" strike="noStrike" spc="-1">
-              <a:latin typeface="Arial"/>
-            </a:endParaRPr>
-          </a:p>
-          <a:p>
-            <a:pPr>
-              <a:lnSpc>
-                <a:spcPct val="100000"/>
-              </a:lnSpc>
-              <a:defRPr/>
-            </a:pPr>
-            <a:r>
-              <a:rPr lang="pt-BR" sz="1600" b="1" strike="noStrike" spc="-1">
-                <a:solidFill>
-                  <a:srgbClr val="2D961E"/>
-                </a:solidFill>
-                <a:latin typeface="Courier New"/>
-                <a:ea typeface="DejaVu Sans"/>
-              </a:rPr>
-              <a:t>  </a:t>
-            </a:r>
-            <a:r>
-              <a:rPr lang="pt-BR" sz="1600" b="1" strike="noStrike" spc="-1">
-                <a:solidFill>
-                  <a:srgbClr val="2D961E"/>
-                </a:solidFill>
-                <a:latin typeface="Courier New"/>
-                <a:ea typeface="DejaVu Sans"/>
-              </a:rPr>
-              <a:t>int</a:t>
-            </a:r>
-            <a:r>
-              <a:rPr lang="pt-BR" sz="1600" b="1" strike="noStrike" spc="-1">
-                <a:solidFill>
-                  <a:srgbClr val="000000"/>
-                </a:solidFill>
-                <a:latin typeface="Courier New"/>
-                <a:ea typeface="DejaVu Sans"/>
-              </a:rPr>
-              <a:t> </a:t>
-            </a:r>
-            <a:r>
-              <a:rPr lang="pt-BR" sz="1600" b="1" strike="noStrike" spc="-1">
-                <a:solidFill>
-                  <a:srgbClr val="C1651C"/>
-                </a:solidFill>
-                <a:latin typeface="Courier New"/>
-                <a:ea typeface="DejaVu Sans"/>
-              </a:rPr>
-              <a:t>i</a:t>
-            </a:r>
-            <a:r>
-              <a:rPr lang="pt-BR" sz="1600" b="1" strike="noStrike" spc="-1">
-                <a:solidFill>
-                  <a:srgbClr val="000000"/>
-                </a:solidFill>
-                <a:latin typeface="Courier New"/>
-                <a:ea typeface="DejaVu Sans"/>
-              </a:rPr>
-              <a:t>, *</a:t>
-            </a:r>
-            <a:r>
-              <a:rPr lang="pt-BR" sz="1600" b="1" strike="noStrike" spc="-1">
-                <a:solidFill>
-                  <a:srgbClr val="C1651C"/>
-                </a:solidFill>
-                <a:latin typeface="Courier New"/>
-                <a:ea typeface="DejaVu Sans"/>
-              </a:rPr>
-              <a:t>p</a:t>
-            </a:r>
-            <a:r>
-              <a:rPr lang="pt-BR" sz="1600" b="1" strike="noStrike" spc="-1">
-                <a:solidFill>
-                  <a:srgbClr val="000000"/>
-                </a:solidFill>
-                <a:latin typeface="Courier New"/>
-                <a:ea typeface="DejaVu Sans"/>
-              </a:rPr>
-              <a:t>;</a:t>
-            </a:r>
-            <a:endParaRPr lang="pt-BR" sz="1600" b="0" strike="noStrike" spc="-1">
-              <a:latin typeface="Arial"/>
-            </a:endParaRPr>
-          </a:p>
-          <a:p>
-            <a:pPr>
-              <a:lnSpc>
-                <a:spcPct val="100000"/>
-              </a:lnSpc>
-              <a:defRPr/>
-            </a:pPr>
-            <a:endParaRPr lang="pt-BR" sz="1600" b="0" strike="noStrike" spc="-1">
-              <a:latin typeface="Arial"/>
-            </a:endParaRPr>
-          </a:p>
-          <a:p>
-            <a:pPr>
-              <a:lnSpc>
-                <a:spcPct val="100000"/>
-              </a:lnSpc>
-              <a:defRPr/>
-            </a:pPr>
-            <a:r>
-              <a:rPr lang="pt-BR" sz="1600" b="1" strike="noStrike" spc="-1">
-                <a:solidFill>
-                  <a:srgbClr val="CB2418"/>
-                </a:solidFill>
-                <a:latin typeface="Courier New"/>
-                <a:ea typeface="DejaVu Sans"/>
-              </a:rPr>
-              <a:t>  </a:t>
-            </a:r>
-            <a:r>
-              <a:rPr lang="pt-BR" sz="1600" b="1" strike="noStrike" spc="-1">
-                <a:solidFill>
-                  <a:srgbClr val="CB2418"/>
-                </a:solidFill>
-                <a:latin typeface="Courier New"/>
-                <a:ea typeface="DejaVu Sans"/>
-              </a:rPr>
-              <a:t>/* Allocate a block of n ints */</a:t>
-            </a:r>
-            <a:endParaRPr lang="pt-BR" sz="1600" b="0" strike="noStrike" spc="-1">
-              <a:latin typeface="Arial"/>
-            </a:endParaRPr>
-          </a:p>
-          <a:p>
-            <a:pPr>
-              <a:lnSpc>
-                <a:spcPct val="100000"/>
-              </a:lnSpc>
-              <a:defRPr/>
-            </a:pPr>
-            <a:r>
-              <a:rPr lang="pt-BR" sz="1600" b="1" strike="noStrike" spc="-1">
-                <a:solidFill>
-                  <a:srgbClr val="000000"/>
-                </a:solidFill>
-                <a:latin typeface="Courier New"/>
-                <a:ea typeface="DejaVu Sans"/>
-              </a:rPr>
-              <a:t>  </a:t>
-            </a:r>
-            <a:r>
-              <a:rPr lang="pt-BR" sz="1600" b="1" strike="noStrike" spc="-1">
-                <a:solidFill>
-                  <a:srgbClr val="000000"/>
-                </a:solidFill>
-                <a:latin typeface="Courier New"/>
-                <a:ea typeface="DejaVu Sans"/>
-              </a:rPr>
-              <a:t>p = (</a:t>
-            </a:r>
-            <a:r>
-              <a:rPr lang="pt-BR" sz="1600" b="1" strike="noStrike" spc="-1">
-                <a:solidFill>
-                  <a:srgbClr val="2D961E"/>
-                </a:solidFill>
-                <a:latin typeface="Courier New"/>
-                <a:ea typeface="DejaVu Sans"/>
-              </a:rPr>
-              <a:t>int</a:t>
-            </a:r>
-            <a:r>
-              <a:rPr lang="pt-BR" sz="1600" b="1" strike="noStrike" spc="-1">
-                <a:solidFill>
-                  <a:srgbClr val="000000"/>
-                </a:solidFill>
-                <a:latin typeface="Courier New"/>
-                <a:ea typeface="DejaVu Sans"/>
-              </a:rPr>
-              <a:t> *) malloc(n * </a:t>
-            </a:r>
-            <a:r>
-              <a:rPr lang="pt-BR" sz="1600" b="1" strike="noStrike" spc="-1">
-                <a:solidFill>
-                  <a:srgbClr val="C200FF"/>
-                </a:solidFill>
-                <a:latin typeface="Courier New"/>
-                <a:ea typeface="DejaVu Sans"/>
-              </a:rPr>
-              <a:t>sizeof</a:t>
-            </a:r>
-            <a:r>
-              <a:rPr lang="pt-BR" sz="1600" b="1" strike="noStrike" spc="-1">
-                <a:solidFill>
-                  <a:srgbClr val="000000"/>
-                </a:solidFill>
-                <a:latin typeface="Courier New"/>
-                <a:ea typeface="DejaVu Sans"/>
-              </a:rPr>
-              <a:t>(</a:t>
-            </a:r>
-            <a:r>
-              <a:rPr lang="pt-BR" sz="1600" b="1" strike="noStrike" spc="-1">
-                <a:solidFill>
-                  <a:srgbClr val="2D961E"/>
-                </a:solidFill>
-                <a:latin typeface="Courier New"/>
-                <a:ea typeface="DejaVu Sans"/>
-              </a:rPr>
-              <a:t>int</a:t>
-            </a:r>
-            <a:r>
-              <a:rPr lang="pt-BR" sz="1600" b="1" strike="noStrike" spc="-1">
-                <a:solidFill>
-                  <a:srgbClr val="000000"/>
-                </a:solidFill>
-                <a:latin typeface="Courier New"/>
-                <a:ea typeface="DejaVu Sans"/>
-              </a:rPr>
-              <a:t>));</a:t>
-            </a:r>
-            <a:endParaRPr lang="pt-BR" sz="1600" b="0" strike="noStrike" spc="-1">
-              <a:latin typeface="Arial"/>
-            </a:endParaRPr>
-          </a:p>
-          <a:p>
-            <a:pPr>
-              <a:lnSpc>
-                <a:spcPct val="100000"/>
-              </a:lnSpc>
-              <a:defRPr/>
-            </a:pPr>
-            <a:r>
-              <a:rPr lang="pt-BR" sz="1600" b="1" strike="noStrike" spc="-1">
-                <a:solidFill>
-                  <a:srgbClr val="C200FF"/>
-                </a:solidFill>
-                <a:latin typeface="Courier New"/>
-                <a:ea typeface="DejaVu Sans"/>
-              </a:rPr>
-              <a:t>  </a:t>
-            </a:r>
-            <a:r>
-              <a:rPr lang="pt-BR" sz="1600" b="1" strike="noStrike" spc="-1">
-                <a:solidFill>
-                  <a:srgbClr val="C200FF"/>
-                </a:solidFill>
-                <a:latin typeface="Courier New"/>
-                <a:ea typeface="DejaVu Sans"/>
-              </a:rPr>
-              <a:t>if</a:t>
-            </a:r>
-            <a:r>
-              <a:rPr lang="pt-BR" sz="1600" b="1" strike="noStrike" spc="-1">
-                <a:solidFill>
-                  <a:srgbClr val="000000"/>
-                </a:solidFill>
-                <a:latin typeface="Courier New"/>
-                <a:ea typeface="DejaVu Sans"/>
-              </a:rPr>
-              <a:t> (p == </a:t>
-            </a:r>
-            <a:r>
-              <a:rPr lang="pt-BR" sz="1600" b="1" strike="noStrike" spc="-1">
-                <a:solidFill>
-                  <a:srgbClr val="2C9290"/>
-                </a:solidFill>
-                <a:latin typeface="Courier New"/>
-                <a:ea typeface="DejaVu Sans"/>
-              </a:rPr>
-              <a:t>NULL</a:t>
-            </a:r>
-            <a:r>
-              <a:rPr lang="pt-BR" sz="1600" b="1" strike="noStrike" spc="-1">
-                <a:solidFill>
-                  <a:srgbClr val="000000"/>
-                </a:solidFill>
-                <a:latin typeface="Courier New"/>
-                <a:ea typeface="DejaVu Sans"/>
-              </a:rPr>
-              <a:t>) {</a:t>
-            </a:r>
-            <a:endParaRPr lang="pt-BR" sz="1600" b="0" strike="noStrike" spc="-1">
-              <a:latin typeface="Arial"/>
-            </a:endParaRPr>
-          </a:p>
-          <a:p>
-            <a:pPr>
-              <a:lnSpc>
-                <a:spcPct val="100000"/>
-              </a:lnSpc>
-              <a:defRPr/>
-            </a:pPr>
-            <a:r>
-              <a:rPr lang="pt-BR" sz="1600" b="1" strike="noStrike" spc="-1">
-                <a:solidFill>
-                  <a:srgbClr val="000000"/>
-                </a:solidFill>
-                <a:latin typeface="Courier New"/>
-                <a:ea typeface="DejaVu Sans"/>
-              </a:rPr>
-              <a:t>    </a:t>
-            </a:r>
-            <a:r>
-              <a:rPr lang="pt-BR" sz="1600" b="1" strike="noStrike" spc="-1">
-                <a:solidFill>
-                  <a:srgbClr val="000000"/>
-                </a:solidFill>
-                <a:latin typeface="Courier New"/>
-                <a:ea typeface="DejaVu Sans"/>
-              </a:rPr>
-              <a:t>perror(</a:t>
-            </a:r>
-            <a:r>
-              <a:rPr lang="pt-BR" sz="1600" b="1" strike="noStrike" spc="-1">
-                <a:solidFill>
-                  <a:srgbClr val="9D206F"/>
-                </a:solidFill>
-                <a:latin typeface="Courier New"/>
-                <a:ea typeface="DejaVu Sans"/>
-              </a:rPr>
-              <a:t>"malloc"</a:t>
-            </a:r>
-            <a:r>
-              <a:rPr lang="pt-BR" sz="1600" b="1" strike="noStrike" spc="-1">
-                <a:solidFill>
-                  <a:srgbClr val="000000"/>
-                </a:solidFill>
-                <a:latin typeface="Courier New"/>
-                <a:ea typeface="DejaVu Sans"/>
-              </a:rPr>
-              <a:t>);</a:t>
-            </a:r>
-            <a:endParaRPr lang="pt-BR" sz="1600" b="0" strike="noStrike" spc="-1">
-              <a:latin typeface="Arial"/>
-            </a:endParaRPr>
-          </a:p>
-          <a:p>
-            <a:pPr>
-              <a:lnSpc>
-                <a:spcPct val="100000"/>
-              </a:lnSpc>
-              <a:defRPr/>
-            </a:pPr>
-            <a:r>
-              <a:rPr lang="pt-BR" sz="1600" b="1" strike="noStrike" spc="-1">
-                <a:solidFill>
-                  <a:srgbClr val="000000"/>
-                </a:solidFill>
-                <a:latin typeface="Courier New"/>
-                <a:ea typeface="DejaVu Sans"/>
-              </a:rPr>
-              <a:t>    </a:t>
-            </a:r>
-            <a:r>
-              <a:rPr lang="pt-BR" sz="1600" b="1" strike="noStrike" spc="-1">
-                <a:solidFill>
-                  <a:srgbClr val="000000"/>
-                </a:solidFill>
-                <a:latin typeface="Courier New"/>
-                <a:ea typeface="DejaVu Sans"/>
-              </a:rPr>
-              <a:t>exit(0);</a:t>
-            </a:r>
-            <a:endParaRPr lang="pt-BR" sz="1600" b="0" strike="noStrike" spc="-1">
-              <a:latin typeface="Arial"/>
-            </a:endParaRPr>
-          </a:p>
-          <a:p>
-            <a:pPr>
-              <a:lnSpc>
-                <a:spcPct val="100000"/>
-              </a:lnSpc>
-              <a:defRPr/>
-            </a:pPr>
-            <a:r>
-              <a:rPr lang="pt-BR" sz="1600" b="1" strike="noStrike" spc="-1">
-                <a:solidFill>
-                  <a:srgbClr val="000000"/>
-                </a:solidFill>
-                <a:latin typeface="Courier New"/>
-                <a:ea typeface="DejaVu Sans"/>
-              </a:rPr>
-              <a:t>  </a:t>
-            </a:r>
-            <a:r>
-              <a:rPr lang="pt-BR" sz="1600" b="1" strike="noStrike" spc="-1">
-                <a:solidFill>
-                  <a:srgbClr val="000000"/>
-                </a:solidFill>
-                <a:latin typeface="Courier New"/>
-                <a:ea typeface="DejaVu Sans"/>
-              </a:rPr>
-              <a:t>}</a:t>
-            </a:r>
-            <a:endParaRPr lang="pt-BR" sz="1600" b="0" strike="noStrike" spc="-1">
-              <a:latin typeface="Arial"/>
-            </a:endParaRPr>
-          </a:p>
-          <a:p>
-            <a:pPr>
-              <a:lnSpc>
-                <a:spcPct val="100000"/>
-              </a:lnSpc>
-              <a:defRPr/>
-            </a:pPr>
-            <a:endParaRPr lang="pt-BR" sz="1600" b="0" strike="noStrike" spc="-1">
-              <a:latin typeface="Arial"/>
-            </a:endParaRPr>
-          </a:p>
-          <a:p>
-            <a:pPr>
-              <a:lnSpc>
-                <a:spcPct val="100000"/>
-              </a:lnSpc>
-              <a:defRPr/>
-            </a:pPr>
-            <a:r>
-              <a:rPr lang="pt-BR" sz="1600" b="1" strike="noStrike" spc="-1">
-                <a:solidFill>
-                  <a:srgbClr val="CB2418"/>
-                </a:solidFill>
-                <a:latin typeface="Courier New"/>
-                <a:ea typeface="DejaVu Sans"/>
-              </a:rPr>
-              <a:t>  </a:t>
-            </a:r>
-            <a:r>
-              <a:rPr lang="pt-BR" sz="1600" b="1" strike="noStrike" spc="-1">
-                <a:solidFill>
-                  <a:srgbClr val="CB2418"/>
-                </a:solidFill>
-                <a:latin typeface="Courier New"/>
-                <a:ea typeface="DejaVu Sans"/>
-              </a:rPr>
-              <a:t>/* Initialize allocated block */</a:t>
-            </a:r>
-            <a:endParaRPr lang="pt-BR" sz="1600" b="0" strike="noStrike" spc="-1">
-              <a:latin typeface="Arial"/>
-            </a:endParaRPr>
-          </a:p>
-          <a:p>
-            <a:pPr>
-              <a:lnSpc>
-                <a:spcPct val="100000"/>
-              </a:lnSpc>
-              <a:defRPr/>
-            </a:pPr>
-            <a:r>
-              <a:rPr lang="pt-BR" sz="1600" b="1" strike="noStrike" spc="-1">
-                <a:solidFill>
-                  <a:srgbClr val="C200FF"/>
-                </a:solidFill>
-                <a:latin typeface="Courier New"/>
-                <a:ea typeface="DejaVu Sans"/>
-              </a:rPr>
-              <a:t>  </a:t>
-            </a:r>
-            <a:r>
-              <a:rPr lang="pt-BR" sz="1600" b="1" strike="noStrike" spc="-1">
-                <a:solidFill>
-                  <a:srgbClr val="C200FF"/>
-                </a:solidFill>
-                <a:latin typeface="Courier New"/>
-                <a:ea typeface="DejaVu Sans"/>
-              </a:rPr>
-              <a:t>for</a:t>
-            </a:r>
-            <a:r>
-              <a:rPr lang="pt-BR" sz="1600" b="1" strike="noStrike" spc="-1">
-                <a:solidFill>
-                  <a:srgbClr val="000000"/>
-                </a:solidFill>
-                <a:latin typeface="Courier New"/>
-                <a:ea typeface="DejaVu Sans"/>
-              </a:rPr>
-              <a:t> (i = 0; i &lt; n; i++) {</a:t>
-            </a:r>
-            <a:endParaRPr lang="pt-BR" sz="1600" b="0" strike="noStrike" spc="-1">
-              <a:latin typeface="Arial"/>
-            </a:endParaRPr>
-          </a:p>
-          <a:p>
-            <a:pPr>
-              <a:lnSpc>
-                <a:spcPct val="100000"/>
-              </a:lnSpc>
-              <a:defRPr/>
-            </a:pPr>
-            <a:r>
-              <a:rPr lang="pt-BR" sz="1600" b="1" strike="noStrike" spc="-1">
-                <a:solidFill>
-                  <a:srgbClr val="000000"/>
-                </a:solidFill>
-                <a:latin typeface="Courier New"/>
-                <a:ea typeface="DejaVu Sans"/>
-              </a:rPr>
-              <a:t>    </a:t>
-            </a:r>
-            <a:r>
-              <a:rPr lang="pt-BR" sz="1600" b="1" strike="noStrike" spc="-1">
-                <a:solidFill>
-                  <a:srgbClr val="000000"/>
-                </a:solidFill>
-                <a:latin typeface="Courier New"/>
-                <a:ea typeface="DejaVu Sans"/>
-              </a:rPr>
-              <a:t>p[i] = i;</a:t>
-            </a:r>
-            <a:endParaRPr lang="pt-BR" sz="1600" b="0" strike="noStrike" spc="-1">
-              <a:latin typeface="Arial"/>
-            </a:endParaRPr>
-          </a:p>
-          <a:p>
-            <a:pPr>
-              <a:lnSpc>
-                <a:spcPct val="100000"/>
-              </a:lnSpc>
-              <a:defRPr/>
-            </a:pPr>
-            <a:r>
-              <a:rPr lang="pt-BR" sz="1600" b="1" strike="noStrike" spc="-1">
-                <a:solidFill>
-                  <a:srgbClr val="000000"/>
-                </a:solidFill>
-                <a:latin typeface="Courier New"/>
-                <a:ea typeface="DejaVu Sans"/>
-              </a:rPr>
-              <a:t>  </a:t>
-            </a:r>
-            <a:r>
-              <a:rPr lang="pt-BR" sz="1600" b="1" strike="noStrike" spc="-1">
-                <a:solidFill>
-                  <a:srgbClr val="000000"/>
-                </a:solidFill>
-                <a:latin typeface="Courier New"/>
-                <a:ea typeface="DejaVu Sans"/>
-              </a:rPr>
-              <a:t>}</a:t>
-            </a:r>
-            <a:endParaRPr lang="pt-BR" sz="1600" b="0" strike="noStrike" spc="-1">
-              <a:latin typeface="Arial"/>
-            </a:endParaRPr>
-          </a:p>
-          <a:p>
-            <a:pPr>
-              <a:lnSpc>
-                <a:spcPct val="100000"/>
-              </a:lnSpc>
-              <a:defRPr/>
-            </a:pPr>
-            <a:endParaRPr lang="pt-BR" sz="1600" b="0" strike="noStrike" spc="-1">
-              <a:latin typeface="Arial"/>
-            </a:endParaRPr>
-          </a:p>
-          <a:p>
-            <a:pPr>
-              <a:lnSpc>
-                <a:spcPct val="100000"/>
-              </a:lnSpc>
-              <a:defRPr/>
-            </a:pPr>
-            <a:r>
-              <a:rPr lang="pt-BR" sz="1600" b="1" strike="noStrike" spc="-1">
-                <a:solidFill>
-                  <a:srgbClr val="CB2418"/>
-                </a:solidFill>
-                <a:latin typeface="Courier New"/>
-                <a:ea typeface="DejaVu Sans"/>
-              </a:rPr>
-              <a:t>  </a:t>
-            </a:r>
-            <a:r>
-              <a:rPr lang="pt-BR" sz="1600" b="1" strike="noStrike" spc="-1">
-                <a:solidFill>
-                  <a:srgbClr val="CB2418"/>
-                </a:solidFill>
-                <a:latin typeface="Courier New"/>
-                <a:ea typeface="DejaVu Sans"/>
-              </a:rPr>
-              <a:t>/* Return allocated block to the heap */</a:t>
-            </a:r>
-            <a:endParaRPr lang="pt-BR" sz="1600" b="0" strike="noStrike" spc="-1">
-              <a:latin typeface="Arial"/>
-            </a:endParaRPr>
-          </a:p>
-          <a:p>
-            <a:pPr>
-              <a:lnSpc>
-                <a:spcPct val="100000"/>
-              </a:lnSpc>
-              <a:defRPr/>
-            </a:pPr>
-            <a:r>
-              <a:rPr lang="pt-BR" sz="1600" b="1" strike="noStrike" spc="-1">
-                <a:solidFill>
-                  <a:srgbClr val="000000"/>
-                </a:solidFill>
-                <a:latin typeface="Courier New"/>
-                <a:ea typeface="DejaVu Sans"/>
-              </a:rPr>
-              <a:t>  </a:t>
-            </a:r>
-            <a:r>
-              <a:rPr lang="pt-BR" sz="1600" b="1" strike="noStrike" spc="-1">
-                <a:solidFill>
-                  <a:srgbClr val="000000"/>
-                </a:solidFill>
-                <a:latin typeface="Courier New"/>
-                <a:ea typeface="DejaVu Sans"/>
-              </a:rPr>
-              <a:t>free(p);</a:t>
-            </a:r>
-            <a:endParaRPr lang="pt-BR" sz="1600" b="0" strike="noStrike" spc="-1">
-              <a:latin typeface="Arial"/>
-            </a:endParaRPr>
-          </a:p>
-          <a:p>
-            <a:pPr>
-              <a:lnSpc>
-                <a:spcPct val="100000"/>
-              </a:lnSpc>
-              <a:defRPr/>
-            </a:pPr>
-            <a:r>
-              <a:rPr lang="pt-BR" sz="1600" b="1" strike="noStrike" spc="-1">
-                <a:solidFill>
-                  <a:srgbClr val="000000"/>
-                </a:solidFill>
-                <a:latin typeface="Courier New"/>
-                <a:ea typeface="DejaVu Sans"/>
-              </a:rPr>
-              <a:t>}</a:t>
-            </a:r>
-            <a:endParaRPr lang="pt-BR" sz="1600" b="0" strike="noStrike" spc="-1">
+            <a:fld id="{6919CBD1-BEBC-4A54-A72C-F71A4383FD13}" type="slidenum">
+              <a:rPr lang="pt-BR" sz="1000" b="0" strike="noStrike" spc="-1">
+                <a:solidFill>
+                  <a:srgbClr val="B2B2B2"/>
+                </a:solidFill>
+                <a:latin typeface="Verdana"/>
+                <a:ea typeface="Verdana"/>
+              </a:rPr>
+              <a:t/>
+            </a:fld>
+            <a:endParaRPr lang="pt-BR" sz="1000" b="0" strike="noStrike" spc="-1">
               <a:latin typeface="Arial"/>
             </a:endParaRPr>
           </a:p>
@@ -13375,7 +13039,7 @@
         </p:nvSpPr>
         <p:spPr bwMode="auto">
           <a:xfrm>
-            <a:off x="457200" y="781200"/>
+            <a:off x="328680" y="162000"/>
             <a:ext cx="8228520" cy="618120"/>
           </a:xfrm>
           <a:prstGeom prst="rect">
@@ -13409,7 +13073,7 @@
                 <a:latin typeface="Verdana"/>
                 <a:ea typeface="Verdana"/>
               </a:rPr>
-              <a:t>Tipos Abstratos de Dados</a:t>
+              <a:t>Exemplo</a:t>
             </a:r>
             <a:endParaRPr lang="pt-BR" sz="3200" b="0" strike="noStrike" spc="-1">
               <a:latin typeface="Arial"/>
@@ -13425,8 +13089,8 @@
         </p:nvSpPr>
         <p:spPr bwMode="auto">
           <a:xfrm>
-            <a:off x="657360" y="1486080"/>
-            <a:ext cx="8028360" cy="4723200"/>
+            <a:off x="84240" y="6402240"/>
+            <a:ext cx="640440" cy="363960"/>
           </a:xfrm>
           <a:prstGeom prst="rect">
             <a:avLst/>
@@ -13443,32 +13107,25 @@
           <a:fontRef idx="minor"/>
         </p:style>
         <p:txBody>
-          <a:bodyPr lIns="90000" tIns="45000" rIns="90000" bIns="45000"/>
-          <a:p>
-            <a:pPr>
+          <a:bodyPr lIns="90000" tIns="45000" rIns="90000" bIns="45000" anchor="ctr"/>
+          <a:p>
+            <a:pPr algn="r">
               <a:lnSpc>
                 <a:spcPct val="100000"/>
               </a:lnSpc>
-              <a:spcBef>
-                <a:spcPts val="479"/>
-              </a:spcBef>
-              <a:defRPr/>
-            </a:pPr>
-            <a:endParaRPr lang="pt-BR" sz="1800" b="0" strike="noStrike" spc="-1">
-              <a:latin typeface="Arial"/>
-            </a:endParaRPr>
-          </a:p>
-          <a:p>
-            <a:pPr>
-              <a:lnSpc>
-                <a:spcPct val="100000"/>
-              </a:lnSpc>
-              <a:spcBef>
-                <a:spcPts val="479"/>
-              </a:spcBef>
-              <a:defRPr/>
-            </a:pPr>
-            <a:endParaRPr lang="pt-BR" sz="1800" b="0" strike="noStrike" spc="-1">
+              <a:defRPr/>
+            </a:pPr>
+            <a:fld id="{888716DD-D85A-4848-8843-F94BB826C928}" type="slidenum">
+              <a:rPr lang="pt-BR" sz="1000" b="0" strike="noStrike" spc="-1">
+                <a:solidFill>
+                  <a:srgbClr val="B2B2B2"/>
+                </a:solidFill>
+                <a:latin typeface="Verdana"/>
+                <a:ea typeface="Verdana"/>
+              </a:rPr>
+              <a:t/>
+            </a:fld>
+            <a:endParaRPr lang="pt-BR" sz="1000" b="0" strike="noStrike" spc="-1">
               <a:latin typeface="Arial"/>
             </a:endParaRPr>
           </a:p>
@@ -13482,15 +13139,20 @@
         </p:nvSpPr>
         <p:spPr bwMode="auto">
           <a:xfrm>
-            <a:off x="162000" y="85680"/>
-            <a:ext cx="7228440" cy="351360"/>
-          </a:xfrm>
-          <a:prstGeom prst="rect">
-            <a:avLst/>
-          </a:prstGeom>
-          <a:noFill/>
-          <a:ln>
-            <a:noFill/>
+            <a:off x="405000" y="959040"/>
+            <a:ext cx="8076240" cy="5203800"/>
+          </a:xfrm>
+          <a:prstGeom prst="rect">
+            <a:avLst/>
+          </a:prstGeom>
+          <a:solidFill>
+            <a:srgbClr val="F6F5BD"/>
+          </a:solidFill>
+          <a:ln w="12600">
+            <a:solidFill>
+              <a:srgbClr val="000066"/>
+            </a:solidFill>
+            <a:miter/>
           </a:ln>
         </p:spPr>
         <p:style>
@@ -13499,107 +13161,49 @@
           <a:effectRef idx="0"/>
           <a:fontRef idx="minor"/>
         </p:style>
-      </p:sp>
-      <p:sp>
-        <p:nvSpPr>
-          <p:cNvPr id="7" name="CustomShape 4" hidden="0"/>
-          <p:cNvSpPr/>
-          <p:nvPr isPhoto="0" userDrawn="0"/>
-        </p:nvSpPr>
-        <p:spPr bwMode="auto">
-          <a:xfrm>
-            <a:off x="84240" y="6402240"/>
-            <a:ext cx="640440" cy="363960"/>
-          </a:xfrm>
-          <a:prstGeom prst="rect">
-            <a:avLst/>
-          </a:prstGeom>
-          <a:noFill/>
-          <a:ln>
-            <a:noFill/>
-          </a:ln>
-        </p:spPr>
-        <p:style>
-          <a:lnRef idx="0"/>
-          <a:fillRef idx="0"/>
-          <a:effectRef idx="0"/>
-          <a:fontRef idx="minor"/>
-        </p:style>
-        <p:txBody>
-          <a:bodyPr lIns="90000" tIns="45000" rIns="90000" bIns="45000" anchor="ctr"/>
-          <a:p>
-            <a:pPr algn="r">
+        <p:txBody>
+          <a:bodyPr lIns="90000" tIns="46800" rIns="90000" bIns="46800"/>
+          <a:p>
+            <a:pPr>
               <a:lnSpc>
                 <a:spcPct val="100000"/>
               </a:lnSpc>
               <a:defRPr/>
             </a:pPr>
-            <a:fld id="{5675001A-445D-4283-A070-201C05B1C7E7}" type="slidenum">
-              <a:rPr lang="pt-BR" sz="1000" b="0" strike="noStrike" spc="-1">
-                <a:solidFill>
-                  <a:srgbClr val="B2B2B2"/>
-                </a:solidFill>
-                <a:latin typeface="Verdana"/>
-                <a:ea typeface="Verdana"/>
-              </a:rPr>
-              <a:t/>
-            </a:fld>
-            <a:endParaRPr lang="pt-BR" sz="1000" b="0" strike="noStrike" spc="-1">
-              <a:latin typeface="Arial"/>
-            </a:endParaRPr>
-          </a:p>
-        </p:txBody>
-      </p:sp>
-      <p:pic>
-        <p:nvPicPr>
-          <p:cNvPr id="8" name="Imagem 2" descr="" hidden="0"/>
-          <p:cNvPicPr/>
-          <p:nvPr isPhoto="0" userDrawn="0"/>
-        </p:nvPicPr>
-        <p:blipFill>
-          <a:blip r:embed="rId2"/>
-          <a:stretch/>
-        </p:blipFill>
-        <p:spPr bwMode="auto">
-          <a:xfrm>
-            <a:off x="2158560" y="2134440"/>
-            <a:ext cx="4812480" cy="3120480"/>
-          </a:xfrm>
-          <a:prstGeom prst="rect">
-            <a:avLst/>
-          </a:prstGeom>
-          <a:ln>
-            <a:noFill/>
-          </a:ln>
-        </p:spPr>
-      </p:pic>
-      <p:sp>
-        <p:nvSpPr>
-          <p:cNvPr id="9" name="CustomShape 5" hidden="0"/>
-          <p:cNvSpPr/>
-          <p:nvPr isPhoto="0" userDrawn="0"/>
-        </p:nvSpPr>
-        <p:spPr bwMode="auto">
-          <a:xfrm>
-            <a:off x="956520" y="5945400"/>
-            <a:ext cx="7242840" cy="457560"/>
-          </a:xfrm>
-          <a:prstGeom prst="rect">
-            <a:avLst/>
-          </a:prstGeom>
-          <a:noFill/>
-          <a:ln>
-            <a:noFill/>
-          </a:ln>
-        </p:spPr>
-        <p:style>
-          <a:lnRef idx="0"/>
-          <a:fillRef idx="0"/>
-          <a:effectRef idx="0"/>
-          <a:fontRef idx="minor"/>
-        </p:style>
-        <p:txBody>
-          <a:bodyPr/>
+            <a:r>
+              <a:rPr lang="pt-BR" sz="1600" b="1" strike="noStrike" spc="-1">
+                <a:solidFill>
+                  <a:srgbClr val="926492"/>
+                </a:solidFill>
+                <a:latin typeface="Courier New"/>
+                <a:ea typeface="DejaVu Sans"/>
+              </a:rPr>
+              <a:t>#include</a:t>
+            </a:r>
+            <a:r>
+              <a:rPr lang="pt-BR" sz="1600" b="1" strike="noStrike" spc="-1">
+                <a:solidFill>
+                  <a:srgbClr val="000000"/>
+                </a:solidFill>
+                <a:latin typeface="Courier New"/>
+                <a:ea typeface="DejaVu Sans"/>
+              </a:rPr>
+              <a:t> </a:t>
+            </a:r>
+            <a:r>
+              <a:rPr lang="pt-BR" sz="1600" b="1" strike="noStrike" spc="-1">
+                <a:solidFill>
+                  <a:srgbClr val="9D206F"/>
+                </a:solidFill>
+                <a:latin typeface="Courier New"/>
+                <a:ea typeface="DejaVu Sans"/>
+              </a:rPr>
+              <a:t>&lt;stdio.h&gt;</a:t>
+            </a:r>
+            <a:endParaRPr lang="pt-BR" sz="1600" b="0" strike="noStrike" spc="-1">
+              <a:latin typeface="Arial"/>
+            </a:endParaRPr>
+          </a:p>
           <a:p>
             <a:pPr>
               <a:lnSpc>
@@ -13608,16 +13212,765 @@
               <a:defRPr/>
             </a:pPr>
             <a:r>
-              <a:rPr lang="pt-BR" sz="2400" b="0" strike="noStrike" spc="-1">
-                <a:solidFill>
-                  <a:srgbClr val="000000"/>
-                </a:solidFill>
-                <a:latin typeface="Arial"/>
+              <a:rPr lang="pt-BR" sz="1600" b="1" strike="noStrike" spc="-1">
+                <a:solidFill>
+                  <a:srgbClr val="926492"/>
+                </a:solidFill>
+                <a:latin typeface="Courier New"/>
                 <a:ea typeface="DejaVu Sans"/>
               </a:rPr>
-              <a:t>A troca entre postes funciona como uma pilha</a:t>
-            </a:r>
-            <a:endParaRPr lang="pt-BR" sz="2400" b="0" strike="noStrike" spc="-1">
+              <a:t>#include</a:t>
+            </a:r>
+            <a:r>
+              <a:rPr lang="pt-BR" sz="1600" b="1" strike="noStrike" spc="-1">
+                <a:solidFill>
+                  <a:srgbClr val="000000"/>
+                </a:solidFill>
+                <a:latin typeface="Courier New"/>
+                <a:ea typeface="DejaVu Sans"/>
+              </a:rPr>
+              <a:t> </a:t>
+            </a:r>
+            <a:r>
+              <a:rPr lang="pt-BR" sz="1600" b="1" strike="noStrike" spc="-1">
+                <a:solidFill>
+                  <a:srgbClr val="9D206F"/>
+                </a:solidFill>
+                <a:latin typeface="Courier New"/>
+                <a:ea typeface="DejaVu Sans"/>
+              </a:rPr>
+              <a:t>&lt;stdlib.h&gt;</a:t>
+            </a:r>
+            <a:endParaRPr lang="pt-BR" sz="1600" b="0" strike="noStrike" spc="-1">
+              <a:latin typeface="Arial"/>
+            </a:endParaRPr>
+          </a:p>
+          <a:p>
+            <a:pPr>
+              <a:lnSpc>
+                <a:spcPct val="100000"/>
+              </a:lnSpc>
+              <a:defRPr/>
+            </a:pPr>
+            <a:endParaRPr lang="pt-BR" sz="1600" b="0" strike="noStrike" spc="-1">
+              <a:latin typeface="Arial"/>
+            </a:endParaRPr>
+          </a:p>
+          <a:p>
+            <a:pPr>
+              <a:lnSpc>
+                <a:spcPct val="100000"/>
+              </a:lnSpc>
+              <a:defRPr/>
+            </a:pPr>
+            <a:r>
+              <a:rPr lang="pt-BR" sz="1600" b="1" strike="noStrike" spc="-1">
+                <a:solidFill>
+                  <a:srgbClr val="2D961E"/>
+                </a:solidFill>
+                <a:latin typeface="Courier New"/>
+                <a:ea typeface="DejaVu Sans"/>
+              </a:rPr>
+              <a:t>void</a:t>
+            </a:r>
+            <a:r>
+              <a:rPr lang="pt-BR" sz="1600" b="1" strike="noStrike" spc="-1">
+                <a:solidFill>
+                  <a:srgbClr val="000000"/>
+                </a:solidFill>
+                <a:latin typeface="Courier New"/>
+                <a:ea typeface="DejaVu Sans"/>
+              </a:rPr>
+              <a:t> </a:t>
+            </a:r>
+            <a:r>
+              <a:rPr lang="pt-BR" sz="1600" b="1" strike="noStrike" spc="-1">
+                <a:solidFill>
+                  <a:srgbClr val="4A00FF"/>
+                </a:solidFill>
+                <a:latin typeface="Courier New"/>
+                <a:ea typeface="DejaVu Sans"/>
+              </a:rPr>
+              <a:t>foo</a:t>
+            </a:r>
+            <a:r>
+              <a:rPr lang="pt-BR" sz="1600" b="1" strike="noStrike" spc="-1">
+                <a:solidFill>
+                  <a:srgbClr val="000000"/>
+                </a:solidFill>
+                <a:latin typeface="Courier New"/>
+                <a:ea typeface="DejaVu Sans"/>
+              </a:rPr>
+              <a:t>(</a:t>
+            </a:r>
+            <a:r>
+              <a:rPr lang="pt-BR" sz="1600" b="1" strike="noStrike" spc="-1">
+                <a:solidFill>
+                  <a:srgbClr val="2D961E"/>
+                </a:solidFill>
+                <a:latin typeface="Courier New"/>
+                <a:ea typeface="DejaVu Sans"/>
+              </a:rPr>
+              <a:t>int</a:t>
+            </a:r>
+            <a:r>
+              <a:rPr lang="pt-BR" sz="1600" b="1" strike="noStrike" spc="-1">
+                <a:solidFill>
+                  <a:srgbClr val="000000"/>
+                </a:solidFill>
+                <a:latin typeface="Courier New"/>
+                <a:ea typeface="DejaVu Sans"/>
+              </a:rPr>
+              <a:t> </a:t>
+            </a:r>
+            <a:r>
+              <a:rPr lang="pt-BR" sz="1600" b="1" strike="noStrike" spc="-1">
+                <a:solidFill>
+                  <a:srgbClr val="C1651C"/>
+                </a:solidFill>
+                <a:latin typeface="Courier New"/>
+                <a:ea typeface="DejaVu Sans"/>
+              </a:rPr>
+              <a:t>n</a:t>
+            </a:r>
+            <a:r>
+              <a:rPr lang="pt-BR" sz="1600" b="1" strike="noStrike" spc="-1">
+                <a:solidFill>
+                  <a:srgbClr val="000000"/>
+                </a:solidFill>
+                <a:latin typeface="Courier New"/>
+                <a:ea typeface="DejaVu Sans"/>
+              </a:rPr>
+              <a:t>) {</a:t>
+            </a:r>
+            <a:endParaRPr lang="pt-BR" sz="1600" b="0" strike="noStrike" spc="-1">
+              <a:latin typeface="Arial"/>
+            </a:endParaRPr>
+          </a:p>
+          <a:p>
+            <a:pPr>
+              <a:lnSpc>
+                <a:spcPct val="100000"/>
+              </a:lnSpc>
+              <a:defRPr/>
+            </a:pPr>
+            <a:r>
+              <a:rPr lang="pt-BR" sz="1600" b="1" strike="noStrike" spc="-1">
+                <a:solidFill>
+                  <a:srgbClr val="2D961E"/>
+                </a:solidFill>
+                <a:latin typeface="Courier New"/>
+                <a:ea typeface="DejaVu Sans"/>
+              </a:rPr>
+              <a:t>  </a:t>
+            </a:r>
+            <a:r>
+              <a:rPr lang="pt-BR" sz="1600" b="1" strike="noStrike" spc="-1">
+                <a:solidFill>
+                  <a:srgbClr val="2D961E"/>
+                </a:solidFill>
+                <a:latin typeface="Courier New"/>
+                <a:ea typeface="DejaVu Sans"/>
+              </a:rPr>
+              <a:t>int</a:t>
+            </a:r>
+            <a:r>
+              <a:rPr lang="pt-BR" sz="1600" b="1" strike="noStrike" spc="-1">
+                <a:solidFill>
+                  <a:srgbClr val="000000"/>
+                </a:solidFill>
+                <a:latin typeface="Courier New"/>
+                <a:ea typeface="DejaVu Sans"/>
+              </a:rPr>
+              <a:t> </a:t>
+            </a:r>
+            <a:r>
+              <a:rPr lang="pt-BR" sz="1600" b="1" strike="noStrike" spc="-1">
+                <a:solidFill>
+                  <a:srgbClr val="C1651C"/>
+                </a:solidFill>
+                <a:latin typeface="Courier New"/>
+                <a:ea typeface="DejaVu Sans"/>
+              </a:rPr>
+              <a:t>i</a:t>
+            </a:r>
+            <a:r>
+              <a:rPr lang="pt-BR" sz="1600" b="1" strike="noStrike" spc="-1">
+                <a:solidFill>
+                  <a:srgbClr val="000000"/>
+                </a:solidFill>
+                <a:latin typeface="Courier New"/>
+                <a:ea typeface="DejaVu Sans"/>
+              </a:rPr>
+              <a:t>, *</a:t>
+            </a:r>
+            <a:r>
+              <a:rPr lang="pt-BR" sz="1600" b="1" strike="noStrike" spc="-1">
+                <a:solidFill>
+                  <a:srgbClr val="C1651C"/>
+                </a:solidFill>
+                <a:latin typeface="Courier New"/>
+                <a:ea typeface="DejaVu Sans"/>
+              </a:rPr>
+              <a:t>p</a:t>
+            </a:r>
+            <a:r>
+              <a:rPr lang="pt-BR" sz="1600" b="1" strike="noStrike" spc="-1">
+                <a:solidFill>
+                  <a:srgbClr val="000000"/>
+                </a:solidFill>
+                <a:latin typeface="Courier New"/>
+                <a:ea typeface="DejaVu Sans"/>
+              </a:rPr>
+              <a:t>;</a:t>
+            </a:r>
+            <a:endParaRPr lang="pt-BR" sz="1600" b="0" strike="noStrike" spc="-1">
+              <a:latin typeface="Arial"/>
+            </a:endParaRPr>
+          </a:p>
+          <a:p>
+            <a:pPr>
+              <a:lnSpc>
+                <a:spcPct val="100000"/>
+              </a:lnSpc>
+              <a:defRPr/>
+            </a:pPr>
+            <a:endParaRPr lang="pt-BR" sz="1600" b="0" strike="noStrike" spc="-1">
+              <a:latin typeface="Arial"/>
+            </a:endParaRPr>
+          </a:p>
+          <a:p>
+            <a:pPr>
+              <a:lnSpc>
+                <a:spcPct val="100000"/>
+              </a:lnSpc>
+              <a:defRPr/>
+            </a:pPr>
+            <a:r>
+              <a:rPr lang="pt-BR" sz="1600" b="1" strike="noStrike" spc="-1">
+                <a:solidFill>
+                  <a:srgbClr val="CB2418"/>
+                </a:solidFill>
+                <a:latin typeface="Courier New"/>
+                <a:ea typeface="DejaVu Sans"/>
+              </a:rPr>
+              <a:t>  </a:t>
+            </a:r>
+            <a:r>
+              <a:rPr lang="pt-BR" sz="1600" b="1" strike="noStrike" spc="-1">
+                <a:solidFill>
+                  <a:srgbClr val="CB2418"/>
+                </a:solidFill>
+                <a:latin typeface="Courier New"/>
+                <a:ea typeface="DejaVu Sans"/>
+              </a:rPr>
+              <a:t>/* Allocate a block of n ints */</a:t>
+            </a:r>
+            <a:endParaRPr lang="pt-BR" sz="1600" b="0" strike="noStrike" spc="-1">
+              <a:latin typeface="Arial"/>
+            </a:endParaRPr>
+          </a:p>
+          <a:p>
+            <a:pPr>
+              <a:lnSpc>
+                <a:spcPct val="100000"/>
+              </a:lnSpc>
+              <a:defRPr/>
+            </a:pPr>
+            <a:r>
+              <a:rPr lang="pt-BR" sz="1600" b="1" strike="noStrike" spc="-1">
+                <a:solidFill>
+                  <a:srgbClr val="000000"/>
+                </a:solidFill>
+                <a:latin typeface="Courier New"/>
+                <a:ea typeface="DejaVu Sans"/>
+              </a:rPr>
+              <a:t>  </a:t>
+            </a:r>
+            <a:r>
+              <a:rPr lang="pt-BR" sz="1600" b="1" strike="noStrike" spc="-1">
+                <a:solidFill>
+                  <a:srgbClr val="000000"/>
+                </a:solidFill>
+                <a:latin typeface="Courier New"/>
+                <a:ea typeface="DejaVu Sans"/>
+              </a:rPr>
+              <a:t>p = (</a:t>
+            </a:r>
+            <a:r>
+              <a:rPr lang="pt-BR" sz="1600" b="1" strike="noStrike" spc="-1">
+                <a:solidFill>
+                  <a:srgbClr val="2D961E"/>
+                </a:solidFill>
+                <a:latin typeface="Courier New"/>
+                <a:ea typeface="DejaVu Sans"/>
+              </a:rPr>
+              <a:t>int</a:t>
+            </a:r>
+            <a:r>
+              <a:rPr lang="pt-BR" sz="1600" b="1" strike="noStrike" spc="-1">
+                <a:solidFill>
+                  <a:srgbClr val="000000"/>
+                </a:solidFill>
+                <a:latin typeface="Courier New"/>
+                <a:ea typeface="DejaVu Sans"/>
+              </a:rPr>
+              <a:t> *) malloc(n * </a:t>
+            </a:r>
+            <a:r>
+              <a:rPr lang="pt-BR" sz="1600" b="1" strike="noStrike" spc="-1">
+                <a:solidFill>
+                  <a:srgbClr val="C200FF"/>
+                </a:solidFill>
+                <a:latin typeface="Courier New"/>
+                <a:ea typeface="DejaVu Sans"/>
+              </a:rPr>
+              <a:t>sizeof</a:t>
+            </a:r>
+            <a:r>
+              <a:rPr lang="pt-BR" sz="1600" b="1" strike="noStrike" spc="-1">
+                <a:solidFill>
+                  <a:srgbClr val="000000"/>
+                </a:solidFill>
+                <a:latin typeface="Courier New"/>
+                <a:ea typeface="DejaVu Sans"/>
+              </a:rPr>
+              <a:t>(</a:t>
+            </a:r>
+            <a:r>
+              <a:rPr lang="pt-BR" sz="1600" b="1" strike="noStrike" spc="-1">
+                <a:solidFill>
+                  <a:srgbClr val="2D961E"/>
+                </a:solidFill>
+                <a:latin typeface="Courier New"/>
+                <a:ea typeface="DejaVu Sans"/>
+              </a:rPr>
+              <a:t>int</a:t>
+            </a:r>
+            <a:r>
+              <a:rPr lang="pt-BR" sz="1600" b="1" strike="noStrike" spc="-1">
+                <a:solidFill>
+                  <a:srgbClr val="000000"/>
+                </a:solidFill>
+                <a:latin typeface="Courier New"/>
+                <a:ea typeface="DejaVu Sans"/>
+              </a:rPr>
+              <a:t>));</a:t>
+            </a:r>
+            <a:endParaRPr lang="pt-BR" sz="1600" b="0" strike="noStrike" spc="-1">
+              <a:latin typeface="Arial"/>
+            </a:endParaRPr>
+          </a:p>
+          <a:p>
+            <a:pPr>
+              <a:lnSpc>
+                <a:spcPct val="100000"/>
+              </a:lnSpc>
+              <a:defRPr/>
+            </a:pPr>
+            <a:r>
+              <a:rPr lang="pt-BR" sz="1600" b="1" strike="noStrike" spc="-1">
+                <a:solidFill>
+                  <a:srgbClr val="C200FF"/>
+                </a:solidFill>
+                <a:latin typeface="Courier New"/>
+                <a:ea typeface="DejaVu Sans"/>
+              </a:rPr>
+              <a:t>  </a:t>
+            </a:r>
+            <a:r>
+              <a:rPr lang="pt-BR" sz="1600" b="1" strike="noStrike" spc="-1">
+                <a:solidFill>
+                  <a:srgbClr val="C200FF"/>
+                </a:solidFill>
+                <a:latin typeface="Courier New"/>
+                <a:ea typeface="DejaVu Sans"/>
+              </a:rPr>
+              <a:t>if</a:t>
+            </a:r>
+            <a:r>
+              <a:rPr lang="pt-BR" sz="1600" b="1" strike="noStrike" spc="-1">
+                <a:solidFill>
+                  <a:srgbClr val="000000"/>
+                </a:solidFill>
+                <a:latin typeface="Courier New"/>
+                <a:ea typeface="DejaVu Sans"/>
+              </a:rPr>
+              <a:t> (p == </a:t>
+            </a:r>
+            <a:r>
+              <a:rPr lang="pt-BR" sz="1600" b="1" strike="noStrike" spc="-1">
+                <a:solidFill>
+                  <a:srgbClr val="2C9290"/>
+                </a:solidFill>
+                <a:latin typeface="Courier New"/>
+                <a:ea typeface="DejaVu Sans"/>
+              </a:rPr>
+              <a:t>NULL</a:t>
+            </a:r>
+            <a:r>
+              <a:rPr lang="pt-BR" sz="1600" b="1" strike="noStrike" spc="-1">
+                <a:solidFill>
+                  <a:srgbClr val="000000"/>
+                </a:solidFill>
+                <a:latin typeface="Courier New"/>
+                <a:ea typeface="DejaVu Sans"/>
+              </a:rPr>
+              <a:t>) {</a:t>
+            </a:r>
+            <a:endParaRPr lang="pt-BR" sz="1600" b="0" strike="noStrike" spc="-1">
+              <a:latin typeface="Arial"/>
+            </a:endParaRPr>
+          </a:p>
+          <a:p>
+            <a:pPr>
+              <a:lnSpc>
+                <a:spcPct val="100000"/>
+              </a:lnSpc>
+              <a:defRPr/>
+            </a:pPr>
+            <a:r>
+              <a:rPr lang="pt-BR" sz="1600" b="1" strike="noStrike" spc="-1">
+                <a:solidFill>
+                  <a:srgbClr val="000000"/>
+                </a:solidFill>
+                <a:latin typeface="Courier New"/>
+                <a:ea typeface="DejaVu Sans"/>
+              </a:rPr>
+              <a:t>    </a:t>
+            </a:r>
+            <a:r>
+              <a:rPr lang="pt-BR" sz="1600" b="1" strike="noStrike" spc="-1">
+                <a:solidFill>
+                  <a:srgbClr val="000000"/>
+                </a:solidFill>
+                <a:latin typeface="Courier New"/>
+                <a:ea typeface="DejaVu Sans"/>
+              </a:rPr>
+              <a:t>perror(</a:t>
+            </a:r>
+            <a:r>
+              <a:rPr lang="pt-BR" sz="1600" b="1" strike="noStrike" spc="-1">
+                <a:solidFill>
+                  <a:srgbClr val="9D206F"/>
+                </a:solidFill>
+                <a:latin typeface="Courier New"/>
+                <a:ea typeface="DejaVu Sans"/>
+              </a:rPr>
+              <a:t>"malloc"</a:t>
+            </a:r>
+            <a:r>
+              <a:rPr lang="pt-BR" sz="1600" b="1" strike="noStrike" spc="-1">
+                <a:solidFill>
+                  <a:srgbClr val="000000"/>
+                </a:solidFill>
+                <a:latin typeface="Courier New"/>
+                <a:ea typeface="DejaVu Sans"/>
+              </a:rPr>
+              <a:t>);</a:t>
+            </a:r>
+            <a:endParaRPr lang="pt-BR" sz="1600" b="0" strike="noStrike" spc="-1">
+              <a:latin typeface="Arial"/>
+            </a:endParaRPr>
+          </a:p>
+          <a:p>
+            <a:pPr>
+              <a:lnSpc>
+                <a:spcPct val="100000"/>
+              </a:lnSpc>
+              <a:defRPr/>
+            </a:pPr>
+            <a:r>
+              <a:rPr lang="pt-BR" sz="1600" b="1" strike="noStrike" spc="-1">
+                <a:solidFill>
+                  <a:srgbClr val="000000"/>
+                </a:solidFill>
+                <a:latin typeface="Courier New"/>
+                <a:ea typeface="DejaVu Sans"/>
+              </a:rPr>
+              <a:t>    </a:t>
+            </a:r>
+            <a:r>
+              <a:rPr lang="pt-BR" sz="1600" b="1" strike="noStrike" spc="-1">
+                <a:solidFill>
+                  <a:srgbClr val="000000"/>
+                </a:solidFill>
+                <a:latin typeface="Courier New"/>
+                <a:ea typeface="DejaVu Sans"/>
+              </a:rPr>
+              <a:t>exit(0);</a:t>
+            </a:r>
+            <a:endParaRPr lang="pt-BR" sz="1600" b="0" strike="noStrike" spc="-1">
+              <a:latin typeface="Arial"/>
+            </a:endParaRPr>
+          </a:p>
+          <a:p>
+            <a:pPr>
+              <a:lnSpc>
+                <a:spcPct val="100000"/>
+              </a:lnSpc>
+              <a:defRPr/>
+            </a:pPr>
+            <a:r>
+              <a:rPr lang="pt-BR" sz="1600" b="1" strike="noStrike" spc="-1">
+                <a:solidFill>
+                  <a:srgbClr val="000000"/>
+                </a:solidFill>
+                <a:latin typeface="Courier New"/>
+                <a:ea typeface="DejaVu Sans"/>
+              </a:rPr>
+              <a:t>  </a:t>
+            </a:r>
+            <a:r>
+              <a:rPr lang="pt-BR" sz="1600" b="1" strike="noStrike" spc="-1">
+                <a:solidFill>
+                  <a:srgbClr val="000000"/>
+                </a:solidFill>
+                <a:latin typeface="Courier New"/>
+                <a:ea typeface="DejaVu Sans"/>
+              </a:rPr>
+              <a:t>}</a:t>
+            </a:r>
+            <a:endParaRPr lang="pt-BR" sz="1600" b="0" strike="noStrike" spc="-1">
+              <a:latin typeface="Arial"/>
+            </a:endParaRPr>
+          </a:p>
+          <a:p>
+            <a:pPr>
+              <a:lnSpc>
+                <a:spcPct val="100000"/>
+              </a:lnSpc>
+              <a:defRPr/>
+            </a:pPr>
+            <a:endParaRPr lang="pt-BR" sz="1600" b="0" strike="noStrike" spc="-1">
+              <a:latin typeface="Arial"/>
+            </a:endParaRPr>
+          </a:p>
+          <a:p>
+            <a:pPr>
+              <a:lnSpc>
+                <a:spcPct val="100000"/>
+              </a:lnSpc>
+              <a:defRPr/>
+            </a:pPr>
+            <a:r>
+              <a:rPr lang="pt-BR" sz="1600" b="1" strike="noStrike" spc="-1">
+                <a:solidFill>
+                  <a:srgbClr val="CB2418"/>
+                </a:solidFill>
+                <a:latin typeface="Courier New"/>
+                <a:ea typeface="DejaVu Sans"/>
+              </a:rPr>
+              <a:t>  </a:t>
+            </a:r>
+            <a:r>
+              <a:rPr lang="pt-BR" sz="1600" b="1" strike="noStrike" spc="-1">
+                <a:solidFill>
+                  <a:srgbClr val="CB2418"/>
+                </a:solidFill>
+                <a:latin typeface="Courier New"/>
+                <a:ea typeface="DejaVu Sans"/>
+              </a:rPr>
+              <a:t>/* Initialize allocated block */</a:t>
+            </a:r>
+            <a:endParaRPr lang="pt-BR" sz="1600" b="0" strike="noStrike" spc="-1">
+              <a:latin typeface="Arial"/>
+            </a:endParaRPr>
+          </a:p>
+          <a:p>
+            <a:pPr>
+              <a:lnSpc>
+                <a:spcPct val="100000"/>
+              </a:lnSpc>
+              <a:defRPr/>
+            </a:pPr>
+            <a:r>
+              <a:rPr lang="pt-BR" sz="1600" b="1" strike="noStrike" spc="-1">
+                <a:solidFill>
+                  <a:srgbClr val="C200FF"/>
+                </a:solidFill>
+                <a:latin typeface="Courier New"/>
+                <a:ea typeface="DejaVu Sans"/>
+              </a:rPr>
+              <a:t>  </a:t>
+            </a:r>
+            <a:r>
+              <a:rPr lang="pt-BR" sz="1600" b="1" strike="noStrike" spc="-1">
+                <a:solidFill>
+                  <a:srgbClr val="C200FF"/>
+                </a:solidFill>
+                <a:latin typeface="Courier New"/>
+                <a:ea typeface="DejaVu Sans"/>
+              </a:rPr>
+              <a:t>for</a:t>
+            </a:r>
+            <a:r>
+              <a:rPr lang="pt-BR" sz="1600" b="1" strike="noStrike" spc="-1">
+                <a:solidFill>
+                  <a:srgbClr val="000000"/>
+                </a:solidFill>
+                <a:latin typeface="Courier New"/>
+                <a:ea typeface="DejaVu Sans"/>
+              </a:rPr>
+              <a:t> (i = 0; i &lt; n; i++) {</a:t>
+            </a:r>
+            <a:endParaRPr lang="pt-BR" sz="1600" b="0" strike="noStrike" spc="-1">
+              <a:latin typeface="Arial"/>
+            </a:endParaRPr>
+          </a:p>
+          <a:p>
+            <a:pPr>
+              <a:lnSpc>
+                <a:spcPct val="100000"/>
+              </a:lnSpc>
+              <a:defRPr/>
+            </a:pPr>
+            <a:r>
+              <a:rPr lang="pt-BR" sz="1600" b="1" strike="noStrike" spc="-1">
+                <a:solidFill>
+                  <a:srgbClr val="000000"/>
+                </a:solidFill>
+                <a:latin typeface="Courier New"/>
+                <a:ea typeface="DejaVu Sans"/>
+              </a:rPr>
+              <a:t>    </a:t>
+            </a:r>
+            <a:r>
+              <a:rPr lang="pt-BR" sz="1600" b="1" strike="noStrike" spc="-1">
+                <a:solidFill>
+                  <a:srgbClr val="000000"/>
+                </a:solidFill>
+                <a:latin typeface="Courier New"/>
+                <a:ea typeface="DejaVu Sans"/>
+              </a:rPr>
+              <a:t>p[i] = i;</a:t>
+            </a:r>
+            <a:endParaRPr lang="pt-BR" sz="1600" b="0" strike="noStrike" spc="-1">
+              <a:latin typeface="Arial"/>
+            </a:endParaRPr>
+          </a:p>
+          <a:p>
+            <a:pPr>
+              <a:lnSpc>
+                <a:spcPct val="100000"/>
+              </a:lnSpc>
+              <a:defRPr/>
+            </a:pPr>
+            <a:r>
+              <a:rPr lang="pt-BR" sz="1600" b="1" strike="noStrike" spc="-1">
+                <a:solidFill>
+                  <a:srgbClr val="000000"/>
+                </a:solidFill>
+                <a:latin typeface="Courier New"/>
+                <a:ea typeface="DejaVu Sans"/>
+              </a:rPr>
+              <a:t>  </a:t>
+            </a:r>
+            <a:r>
+              <a:rPr lang="pt-BR" sz="1600" b="1" strike="noStrike" spc="-1">
+                <a:solidFill>
+                  <a:srgbClr val="000000"/>
+                </a:solidFill>
+                <a:latin typeface="Courier New"/>
+                <a:ea typeface="DejaVu Sans"/>
+              </a:rPr>
+              <a:t>}</a:t>
+            </a:r>
+            <a:endParaRPr lang="pt-BR" sz="1600" b="0" strike="noStrike" spc="-1">
+              <a:latin typeface="Arial"/>
+            </a:endParaRPr>
+          </a:p>
+          <a:p>
+            <a:pPr>
+              <a:lnSpc>
+                <a:spcPct val="100000"/>
+              </a:lnSpc>
+              <a:defRPr/>
+            </a:pPr>
+            <a:endParaRPr lang="pt-BR" sz="1600" b="0" strike="noStrike" spc="-1">
+              <a:latin typeface="Arial"/>
+            </a:endParaRPr>
+          </a:p>
+          <a:p>
+            <a:pPr>
+              <a:lnSpc>
+                <a:spcPct val="100000"/>
+              </a:lnSpc>
+              <a:defRPr/>
+            </a:pPr>
+            <a:r>
+              <a:rPr lang="pt-BR" sz="1600" b="1" strike="noStrike" spc="-1">
+                <a:solidFill>
+                  <a:srgbClr val="CB2418"/>
+                </a:solidFill>
+                <a:latin typeface="Courier New"/>
+                <a:ea typeface="DejaVu Sans"/>
+              </a:rPr>
+              <a:t>  </a:t>
+            </a:r>
+            <a:r>
+              <a:rPr lang="pt-BR" sz="1600" b="1" strike="noStrike" spc="-1">
+                <a:solidFill>
+                  <a:srgbClr val="CB2418"/>
+                </a:solidFill>
+                <a:latin typeface="Courier New"/>
+                <a:ea typeface="DejaVu Sans"/>
+              </a:rPr>
+              <a:t>/* Return allocated block to the heap */</a:t>
+            </a:r>
+            <a:endParaRPr lang="pt-BR" sz="1600" b="0" strike="noStrike" spc="-1">
+              <a:latin typeface="Arial"/>
+            </a:endParaRPr>
+          </a:p>
+          <a:p>
+            <a:pPr>
+              <a:lnSpc>
+                <a:spcPct val="100000"/>
+              </a:lnSpc>
+              <a:defRPr/>
+            </a:pPr>
+            <a:r>
+              <a:rPr lang="pt-BR" sz="1600" b="1" strike="noStrike" spc="-1">
+                <a:solidFill>
+                  <a:srgbClr val="000000"/>
+                </a:solidFill>
+                <a:latin typeface="Courier New"/>
+                <a:ea typeface="DejaVu Sans"/>
+              </a:rPr>
+              <a:t>  </a:t>
+            </a:r>
+            <a:r>
+              <a:rPr lang="pt-BR" sz="1600" b="1" strike="noStrike" spc="-1">
+                <a:solidFill>
+                  <a:srgbClr val="000000"/>
+                </a:solidFill>
+                <a:latin typeface="Courier New"/>
+                <a:ea typeface="DejaVu Sans"/>
+              </a:rPr>
+              <a:t>free(p);</a:t>
+            </a:r>
+            <a:endParaRPr lang="pt-BR" sz="1600" b="0" strike="noStrike" spc="-1">
+              <a:latin typeface="Arial"/>
+            </a:endParaRPr>
+          </a:p>
+          <a:p>
+            <a:pPr>
+              <a:lnSpc>
+                <a:spcPct val="100000"/>
+              </a:lnSpc>
+              <a:defRPr/>
+            </a:pPr>
+            <a:r>
+              <a:rPr lang="pt-BR" sz="1600" b="1" strike="noStrike" spc="-1">
+                <a:solidFill>
+                  <a:srgbClr val="000000"/>
+                </a:solidFill>
+                <a:latin typeface="Courier New"/>
+                <a:ea typeface="DejaVu Sans"/>
+              </a:rPr>
+              <a:t>}</a:t>
+            </a:r>
+            <a:endParaRPr lang="pt-BR" sz="1600" b="0" strike="noStrike" spc="-1">
               <a:latin typeface="Arial"/>
             </a:endParaRPr>
           </a:p>
@@ -13823,7 +14176,7 @@
               </a:lnSpc>
               <a:defRPr/>
             </a:pPr>
-            <a:fld id="{D69604EB-CDB0-4D19-B453-A57EE2AECEF9}" type="slidenum">
+            <a:fld id="{5675001A-445D-4283-A070-201C05B1C7E7}" type="slidenum">
               <a:rPr lang="pt-BR" sz="1000" b="0" strike="noStrike" spc="-1">
                 <a:solidFill>
                   <a:srgbClr val="B2B2B2"/>
@@ -13839,59 +14192,9 @@
           </a:p>
         </p:txBody>
       </p:sp>
-      <p:sp>
-        <p:nvSpPr>
-          <p:cNvPr id="8" name="CustomShape 5" hidden="0"/>
-          <p:cNvSpPr/>
-          <p:nvPr isPhoto="0" userDrawn="0"/>
-        </p:nvSpPr>
-        <p:spPr bwMode="auto">
-          <a:xfrm>
-            <a:off x="453600" y="1934280"/>
-            <a:ext cx="7242840" cy="457560"/>
-          </a:xfrm>
-          <a:prstGeom prst="rect">
-            <a:avLst/>
-          </a:prstGeom>
-          <a:noFill/>
-          <a:ln>
-            <a:noFill/>
-          </a:ln>
-        </p:spPr>
-        <p:style>
-          <a:lnRef idx="0"/>
-          <a:fillRef idx="0"/>
-          <a:effectRef idx="0"/>
-          <a:fontRef idx="minor"/>
-        </p:style>
-        <p:txBody>
-          <a:bodyPr/>
-          <a:p>
-            <a:pPr>
-              <a:lnSpc>
-                <a:spcPct val="100000"/>
-              </a:lnSpc>
-              <a:defRPr/>
-            </a:pPr>
-            <a:r>
-              <a:rPr lang="pt-BR" sz="2400" b="0" strike="noStrike" spc="-1">
-                <a:solidFill>
-                  <a:srgbClr val="000000"/>
-                </a:solidFill>
-                <a:latin typeface="Arial"/>
-                <a:ea typeface="DejaVu Sans"/>
-              </a:rPr>
-              <a:t>Operações que podem ser feitas com uma pilha:</a:t>
-            </a:r>
-            <a:endParaRPr lang="pt-BR" sz="2400" b="0" strike="noStrike" spc="-1">
-              <a:latin typeface="Arial"/>
-            </a:endParaRPr>
-          </a:p>
-        </p:txBody>
-      </p:sp>
       <p:pic>
         <p:nvPicPr>
-          <p:cNvPr id="9" name="" descr="" hidden="0"/>
+          <p:cNvPr id="8" name="Imagem 2" descr="" hidden="0"/>
           <p:cNvPicPr/>
           <p:nvPr isPhoto="0" userDrawn="0"/>
         </p:nvPicPr>
@@ -13901,8 +14204,8 @@
         </p:blipFill>
         <p:spPr bwMode="auto">
           <a:xfrm>
-            <a:off x="1440000" y="2592000"/>
-            <a:ext cx="6295680" cy="3200040"/>
+            <a:off x="2158560" y="2134440"/>
+            <a:ext cx="4812480" cy="3120480"/>
           </a:xfrm>
           <a:prstGeom prst="rect">
             <a:avLst/>
@@ -13912,6 +14215,56 @@
           </a:ln>
         </p:spPr>
       </p:pic>
+      <p:sp>
+        <p:nvSpPr>
+          <p:cNvPr id="9" name="CustomShape 5" hidden="0"/>
+          <p:cNvSpPr/>
+          <p:nvPr isPhoto="0" userDrawn="0"/>
+        </p:nvSpPr>
+        <p:spPr bwMode="auto">
+          <a:xfrm>
+            <a:off x="956520" y="5945400"/>
+            <a:ext cx="7242840" cy="457560"/>
+          </a:xfrm>
+          <a:prstGeom prst="rect">
+            <a:avLst/>
+          </a:prstGeom>
+          <a:noFill/>
+          <a:ln>
+            <a:noFill/>
+          </a:ln>
+        </p:spPr>
+        <p:style>
+          <a:lnRef idx="0"/>
+          <a:fillRef idx="0"/>
+          <a:effectRef idx="0"/>
+          <a:fontRef idx="minor"/>
+        </p:style>
+        <p:txBody>
+          <a:bodyPr/>
+          <a:p>
+            <a:pPr>
+              <a:lnSpc>
+                <a:spcPct val="100000"/>
+              </a:lnSpc>
+              <a:defRPr/>
+            </a:pPr>
+            <a:r>
+              <a:rPr lang="pt-BR" sz="2400" b="0" strike="noStrike" spc="-1">
+                <a:solidFill>
+                  <a:srgbClr val="000000"/>
+                </a:solidFill>
+                <a:latin typeface="Arial"/>
+                <a:ea typeface="DejaVu Sans"/>
+              </a:rPr>
+              <a:t>A troca entre postes funciona como uma pilha</a:t>
+            </a:r>
+            <a:endParaRPr lang="pt-BR" sz="2400" b="0" strike="noStrike" spc="-1">
+              <a:latin typeface="Arial"/>
+            </a:endParaRPr>
+          </a:p>
+        </p:txBody>
+      </p:sp>
     </p:spTree>
   </p:cSld>
   <p:clrMapOvr>
@@ -14112,7 +14465,7 @@
               </a:lnSpc>
               <a:defRPr/>
             </a:pPr>
-            <a:fld id="{6BC75D8B-FF1C-455B-B585-2991689ACBF9}" type="slidenum">
+            <a:fld id="{D69604EB-CDB0-4D19-B453-A57EE2AECEF9}" type="slidenum">
               <a:rPr lang="pt-BR" sz="1000" b="0" strike="noStrike" spc="-1">
                 <a:solidFill>
                   <a:srgbClr val="B2B2B2"/>
@@ -14137,7 +14490,7 @@
         <p:spPr bwMode="auto">
           <a:xfrm>
             <a:off x="453600" y="1934280"/>
-            <a:ext cx="8349840" cy="3503880"/>
+            <a:ext cx="7242840" cy="457560"/>
           </a:xfrm>
           <a:prstGeom prst="rect">
             <a:avLst/>
@@ -14156,121 +14509,51 @@
         <p:txBody>
           <a:bodyPr/>
           <a:p>
-            <a:pPr marL="457200" indent="-456840">
-              <a:lnSpc>
-                <a:spcPct val="200000"/>
-              </a:lnSpc>
-              <a:buClr>
-                <a:srgbClr val="000000"/>
-              </a:buClr>
-              <a:buFont typeface="Arial"/>
-              <a:buChar char="•"/>
-              <a:defRPr/>
-            </a:pPr>
-            <a:r>
-              <a:rPr lang="pt-BR" sz="2800" b="0" strike="noStrike" spc="-1">
+            <a:pPr>
+              <a:lnSpc>
+                <a:spcPct val="100000"/>
+              </a:lnSpc>
+              <a:defRPr/>
+            </a:pPr>
+            <a:r>
+              <a:rPr lang="pt-BR" sz="2400" b="0" strike="noStrike" spc="-1">
                 <a:solidFill>
                   <a:srgbClr val="000000"/>
                 </a:solidFill>
                 <a:latin typeface="Arial"/>
                 <a:ea typeface="DejaVu Sans"/>
               </a:rPr>
-              <a:t>Conjunto de dados e operações</a:t>
-            </a:r>
-            <a:endParaRPr lang="pt-BR" sz="2800" b="0" strike="noStrike" spc="-1">
-              <a:latin typeface="Arial"/>
-            </a:endParaRPr>
-          </a:p>
-          <a:p>
-            <a:pPr marL="914400" lvl="1" indent="-456840">
-              <a:lnSpc>
-                <a:spcPct val="200000"/>
-              </a:lnSpc>
-              <a:buClr>
-                <a:srgbClr val="000000"/>
-              </a:buClr>
-              <a:buFont typeface="Arial"/>
-              <a:buChar char="•"/>
-              <a:defRPr/>
-            </a:pPr>
-            <a:r>
-              <a:rPr lang="pt-BR" sz="2800" b="0" strike="noStrike" spc="-1">
-                <a:solidFill>
-                  <a:srgbClr val="000000"/>
-                </a:solidFill>
-                <a:latin typeface="Arial"/>
-                <a:ea typeface="DejaVu Sans"/>
-              </a:rPr>
-              <a:t>arquivo </a:t>
-            </a:r>
-            <a:r>
-              <a:rPr lang="pt-BR" sz="2800" b="0" i="1" strike="noStrike" spc="-1">
-                <a:solidFill>
-                  <a:srgbClr val="000000"/>
-                </a:solidFill>
-                <a:latin typeface="Arial"/>
-                <a:ea typeface="DejaVu Sans"/>
-              </a:rPr>
-              <a:t>.h</a:t>
-            </a:r>
-            <a:endParaRPr lang="pt-BR" sz="2800" b="0" strike="noStrike" spc="-1">
-              <a:latin typeface="Arial"/>
-            </a:endParaRPr>
-          </a:p>
-          <a:p>
-            <a:pPr marL="457200" indent="-456840">
-              <a:lnSpc>
-                <a:spcPct val="200000"/>
-              </a:lnSpc>
-              <a:buClr>
-                <a:srgbClr val="000000"/>
-              </a:buClr>
-              <a:buFont typeface="Arial"/>
-              <a:buChar char="•"/>
-              <a:defRPr/>
-            </a:pPr>
-            <a:r>
-              <a:rPr lang="pt-BR" sz="2800" b="0" strike="noStrike" spc="-1">
-                <a:solidFill>
-                  <a:srgbClr val="000000"/>
-                </a:solidFill>
-                <a:latin typeface="Arial"/>
-                <a:ea typeface="DejaVu Sans"/>
-              </a:rPr>
-              <a:t>Criação de algoritmos com essas operações</a:t>
-            </a:r>
-            <a:endParaRPr lang="pt-BR" sz="2800" b="0" strike="noStrike" spc="-1">
-              <a:latin typeface="Arial"/>
-            </a:endParaRPr>
-          </a:p>
-          <a:p>
-            <a:pPr marL="914400" lvl="1" indent="-456840">
-              <a:lnSpc>
-                <a:spcPct val="200000"/>
-              </a:lnSpc>
-              <a:buClr>
-                <a:srgbClr val="000000"/>
-              </a:buClr>
-              <a:buFont typeface="Arial"/>
-              <a:buChar char="•"/>
-              <a:defRPr/>
-            </a:pPr>
-            <a:r>
-              <a:rPr lang="pt-BR" sz="2800" b="0" strike="noStrike" spc="-1">
-                <a:solidFill>
-                  <a:srgbClr val="000000"/>
-                </a:solidFill>
-                <a:latin typeface="Arial"/>
-                <a:ea typeface="DejaVu Sans"/>
-              </a:rPr>
-              <a:t>Não depende de detalhes internos</a:t>
-            </a:r>
-            <a:endParaRPr lang="pt-BR" sz="2800" b="0" strike="noStrike" spc="-1">
-              <a:latin typeface="Arial"/>
-            </a:endParaRPr>
-          </a:p>
-        </p:txBody>
-      </p:sp>
+              <a:t>Operações que podem ser feitas com uma pilha:</a:t>
+            </a:r>
+            <a:endParaRPr lang="pt-BR" sz="2400" b="0" strike="noStrike" spc="-1">
+              <a:latin typeface="Arial"/>
+            </a:endParaRPr>
+          </a:p>
+        </p:txBody>
+      </p:sp>
+      <p:pic>
+        <p:nvPicPr>
+          <p:cNvPr id="9" name="" descr="" hidden="0"/>
+          <p:cNvPicPr/>
+          <p:nvPr isPhoto="0" userDrawn="0"/>
+        </p:nvPicPr>
+        <p:blipFill>
+          <a:blip r:embed="rId2"/>
+          <a:stretch/>
+        </p:blipFill>
+        <p:spPr bwMode="auto">
+          <a:xfrm>
+            <a:off x="1440000" y="2592000"/>
+            <a:ext cx="6295680" cy="3200040"/>
+          </a:xfrm>
+          <a:prstGeom prst="rect">
+            <a:avLst/>
+          </a:prstGeom>
+          <a:ln>
+            <a:noFill/>
+          </a:ln>
+        </p:spPr>
+      </p:pic>
     </p:spTree>
   </p:cSld>
   <p:clrMapOvr>
